--- a/Presentation Neo4j.pptx
+++ b/Presentation Neo4j.pptx
@@ -5,7 +5,7 @@
     <p:sldMasterId id="2147483736" r:id="rId1"/>
   </p:sldMasterIdLst>
   <p:notesMasterIdLst>
-    <p:notesMasterId r:id="rId13"/>
+    <p:notesMasterId r:id="rId14"/>
   </p:notesMasterIdLst>
   <p:sldIdLst>
     <p:sldId id="256" r:id="rId2"/>
@@ -13,12 +13,13 @@
     <p:sldId id="261" r:id="rId4"/>
     <p:sldId id="258" r:id="rId5"/>
     <p:sldId id="259" r:id="rId6"/>
-    <p:sldId id="260" r:id="rId7"/>
-    <p:sldId id="262" r:id="rId8"/>
-    <p:sldId id="263" r:id="rId9"/>
-    <p:sldId id="264" r:id="rId10"/>
-    <p:sldId id="265" r:id="rId11"/>
-    <p:sldId id="266" r:id="rId12"/>
+    <p:sldId id="267" r:id="rId7"/>
+    <p:sldId id="260" r:id="rId8"/>
+    <p:sldId id="262" r:id="rId9"/>
+    <p:sldId id="263" r:id="rId10"/>
+    <p:sldId id="264" r:id="rId11"/>
+    <p:sldId id="265" r:id="rId12"/>
+    <p:sldId id="266" r:id="rId13"/>
   </p:sldIdLst>
   <p:sldSz cx="12192000" cy="6858000"/>
   <p:notesSz cx="6858000" cy="9144000"/>
@@ -117,6 +118,11 @@
       </a:defRPr>
     </a:lvl9pPr>
   </p:defaultTextStyle>
+  <p:extLst>
+    <p:ext uri="{EFAFB233-063F-42B5-8137-9DF3F51BA10A}">
+      <p15:sldGuideLst xmlns:p15="http://schemas.microsoft.com/office/powerpoint/2012/main"/>
+    </p:ext>
+  </p:extLst>
 </p:presentation>
 </file>
 
@@ -3389,7 +3395,7 @@
           <a:p>
             <a:fld id="{57DD50D6-A448-4182-937E-B5B1B4DF3F21}" type="datetimeFigureOut">
               <a:rPr lang="fr-FR" smtClean="0"/>
-              <a:t>12/09/2022</a:t>
+              <a:t>16/09/2022</a:t>
             </a:fld>
             <a:endParaRPr lang="fr-FR"/>
           </a:p>
@@ -3812,7 +3818,7 @@
           <a:p>
             <a:fld id="{DE25BE92-EB60-4FE5-8615-4A9A8462ED9C}" type="datetime1">
               <a:rPr lang="en-US" smtClean="0"/>
-              <a:t>9/12/2022</a:t>
+              <a:t>9/16/2022</a:t>
             </a:fld>
             <a:endParaRPr lang="en-US" dirty="0"/>
           </a:p>
@@ -4182,7 +4188,7 @@
           <a:p>
             <a:fld id="{C82BD66B-7F9B-49AA-A00E-8E82001396BA}" type="datetime1">
               <a:rPr lang="en-US" smtClean="0"/>
-              <a:t>9/12/2022</a:t>
+              <a:t>9/16/2022</a:t>
             </a:fld>
             <a:endParaRPr lang="en-US"/>
           </a:p>
@@ -4391,7 +4397,7 @@
           <a:p>
             <a:fld id="{A327B49F-1CF2-490B-A431-23A536407D1D}" type="datetime1">
               <a:rPr lang="en-US" smtClean="0"/>
-              <a:t>9/12/2022</a:t>
+              <a:t>9/16/2022</a:t>
             </a:fld>
             <a:endParaRPr lang="en-US"/>
           </a:p>
@@ -4861,7 +4867,7 @@
           <a:p>
             <a:fld id="{6F2039AA-7E15-4643-B0EB-B9FED4D6E91F}" type="datetime1">
               <a:rPr lang="en-US" smtClean="0"/>
-              <a:t>9/12/2022</a:t>
+              <a:t>9/16/2022</a:t>
             </a:fld>
             <a:endParaRPr lang="en-US"/>
           </a:p>
@@ -5315,7 +5321,7 @@
           <a:p>
             <a:fld id="{7FE17E9A-2783-4F1D-9C0D-E3240889D202}" type="datetime1">
               <a:rPr lang="en-US" smtClean="0"/>
-              <a:t>9/12/2022</a:t>
+              <a:t>9/16/2022</a:t>
             </a:fld>
             <a:endParaRPr lang="en-US"/>
           </a:p>
@@ -5847,7 +5853,7 @@
           <a:p>
             <a:fld id="{4C7AB43C-056A-4021-A12E-4AE1C9E9B48B}" type="datetime1">
               <a:rPr lang="en-US" smtClean="0"/>
-              <a:t>9/12/2022</a:t>
+              <a:t>9/16/2022</a:t>
             </a:fld>
             <a:endParaRPr lang="en-US"/>
           </a:p>
@@ -6546,7 +6552,7 @@
           <a:p>
             <a:fld id="{8F23C450-0A0C-44E1-AB66-83AD2A76A3DF}" type="datetime1">
               <a:rPr lang="en-US" smtClean="0"/>
-              <a:t>9/12/2022</a:t>
+              <a:t>9/16/2022</a:t>
             </a:fld>
             <a:endParaRPr lang="en-US"/>
           </a:p>
@@ -6875,7 +6881,7 @@
           <a:p>
             <a:fld id="{6FB23028-3328-45D4-861F-0E44FEB0FEDF}" type="datetime1">
               <a:rPr lang="en-US" smtClean="0"/>
-              <a:t>9/12/2022</a:t>
+              <a:t>9/16/2022</a:t>
             </a:fld>
             <a:endParaRPr lang="en-US"/>
           </a:p>
@@ -6988,7 +6994,7 @@
           <a:p>
             <a:fld id="{F6E255AE-D88A-4198-83B5-756D2ED2CFC9}" type="datetime1">
               <a:rPr lang="en-US" smtClean="0"/>
-              <a:t>9/12/2022</a:t>
+              <a:t>9/16/2022</a:t>
             </a:fld>
             <a:endParaRPr lang="en-US"/>
           </a:p>
@@ -7483,7 +7489,7 @@
           <a:p>
             <a:fld id="{6AC0E5FD-A87C-4729-A76C-0E7C3F57C044}" type="datetime1">
               <a:rPr lang="en-US" smtClean="0"/>
-              <a:t>9/12/2022</a:t>
+              <a:t>9/16/2022</a:t>
             </a:fld>
             <a:endParaRPr lang="en-US" dirty="0"/>
           </a:p>
@@ -7960,7 +7966,7 @@
           <a:p>
             <a:fld id="{22C54B26-48FF-4E4F-A99D-A5B789B0B68C}" type="datetime1">
               <a:rPr lang="en-US" smtClean="0"/>
-              <a:t>9/12/2022</a:t>
+              <a:t>9/16/2022</a:t>
             </a:fld>
             <a:endParaRPr lang="en-US"/>
           </a:p>
@@ -8203,7 +8209,7 @@
           <a:p>
             <a:fld id="{80F3945E-7540-4CE5-A5F1-EE76EA4BCDBE}" type="datetime1">
               <a:rPr lang="en-US" smtClean="0"/>
-              <a:t>9/12/2022</a:t>
+              <a:t>9/16/2022</a:t>
             </a:fld>
             <a:endParaRPr lang="en-US"/>
           </a:p>
@@ -9161,8 +9167,12 @@
           <a:lstStyle/>
           <a:p>
             <a:r>
+              <a:rPr lang="fr-FR" dirty="0" err="1"/>
+              <a:t>Dataset</a:t>
+            </a:r>
+            <a:r>
               <a:rPr lang="fr-FR" dirty="0"/>
-              <a:t>Création du graphe</a:t>
+              <a:t> utilisé</a:t>
             </a:r>
           </a:p>
         </p:txBody>
@@ -9216,6 +9226,118 @@
             <a:fld id="{B2DC25EE-239B-4C5F-AAD1-255A7D5F1EE2}" type="slidenum">
               <a:rPr lang="en-US" smtClean="0"/>
               <a:t>10</a:t>
+            </a:fld>
+            <a:endParaRPr lang="en-US"/>
+          </a:p>
+        </p:txBody>
+      </p:sp>
+    </p:spTree>
+    <p:extLst>
+      <p:ext uri="{BB962C8B-B14F-4D97-AF65-F5344CB8AC3E}">
+        <p14:creationId xmlns:p14="http://schemas.microsoft.com/office/powerpoint/2010/main" val="2930798592"/>
+      </p:ext>
+    </p:extLst>
+  </p:cSld>
+  <p:clrMapOvr>
+    <a:masterClrMapping/>
+  </p:clrMapOvr>
+</p:sld>
+</file>
+
+<file path=ppt/slides/slide11.xml><?xml version="1.0" encoding="utf-8"?>
+<p:sld xmlns:a="http://schemas.openxmlformats.org/drawingml/2006/main" xmlns:r="http://schemas.openxmlformats.org/officeDocument/2006/relationships" xmlns:p="http://schemas.openxmlformats.org/presentationml/2006/main">
+  <p:cSld>
+    <p:spTree>
+      <p:nvGrpSpPr>
+        <p:cNvPr id="1" name=""/>
+        <p:cNvGrpSpPr/>
+        <p:nvPr/>
+      </p:nvGrpSpPr>
+      <p:grpSpPr>
+        <a:xfrm>
+          <a:off x="0" y="0"/>
+          <a:ext cx="0" cy="0"/>
+          <a:chOff x="0" y="0"/>
+          <a:chExt cx="0" cy="0"/>
+        </a:xfrm>
+      </p:grpSpPr>
+      <p:sp>
+        <p:nvSpPr>
+          <p:cNvPr id="2" name="Titre 1">
+            <a:extLst>
+              <a:ext uri="{FF2B5EF4-FFF2-40B4-BE49-F238E27FC236}">
+                <a16:creationId xmlns:a16="http://schemas.microsoft.com/office/drawing/2014/main" id="{183CA210-FF80-5E5F-FE7B-15EAEA03DBAA}"/>
+              </a:ext>
+            </a:extLst>
+          </p:cNvPr>
+          <p:cNvSpPr>
+            <a:spLocks noGrp="1"/>
+          </p:cNvSpPr>
+          <p:nvPr>
+            <p:ph type="title"/>
+          </p:nvPr>
+        </p:nvSpPr>
+        <p:spPr/>
+        <p:txBody>
+          <a:bodyPr/>
+          <a:lstStyle/>
+          <a:p>
+            <a:r>
+              <a:rPr lang="fr-FR" dirty="0"/>
+              <a:t>Création du graphe</a:t>
+            </a:r>
+          </a:p>
+        </p:txBody>
+      </p:sp>
+      <p:sp>
+        <p:nvSpPr>
+          <p:cNvPr id="3" name="Espace réservé du contenu 2">
+            <a:extLst>
+              <a:ext uri="{FF2B5EF4-FFF2-40B4-BE49-F238E27FC236}">
+                <a16:creationId xmlns:a16="http://schemas.microsoft.com/office/drawing/2014/main" id="{982FC354-B56A-2BD1-FB00-8591C2E6B6EF}"/>
+              </a:ext>
+            </a:extLst>
+          </p:cNvPr>
+          <p:cNvSpPr>
+            <a:spLocks noGrp="1"/>
+          </p:cNvSpPr>
+          <p:nvPr>
+            <p:ph idx="1"/>
+          </p:nvPr>
+        </p:nvSpPr>
+        <p:spPr/>
+        <p:txBody>
+          <a:bodyPr/>
+          <a:lstStyle/>
+          <a:p>
+            <a:endParaRPr lang="fr-FR"/>
+          </a:p>
+        </p:txBody>
+      </p:sp>
+      <p:sp>
+        <p:nvSpPr>
+          <p:cNvPr id="4" name="Espace réservé du numéro de diapositive 3">
+            <a:extLst>
+              <a:ext uri="{FF2B5EF4-FFF2-40B4-BE49-F238E27FC236}">
+                <a16:creationId xmlns:a16="http://schemas.microsoft.com/office/drawing/2014/main" id="{A6219BC6-BEF2-9402-5374-72A41697B27E}"/>
+              </a:ext>
+            </a:extLst>
+          </p:cNvPr>
+          <p:cNvSpPr>
+            <a:spLocks noGrp="1"/>
+          </p:cNvSpPr>
+          <p:nvPr>
+            <p:ph type="sldNum" sz="quarter" idx="12"/>
+          </p:nvPr>
+        </p:nvSpPr>
+        <p:spPr/>
+        <p:txBody>
+          <a:bodyPr/>
+          <a:lstStyle/>
+          <a:p>
+            <a:fld id="{B2DC25EE-239B-4C5F-AAD1-255A7D5F1EE2}" type="slidenum">
+              <a:rPr lang="en-US" smtClean="0"/>
+              <a:t>11</a:t>
             </a:fld>
             <a:endParaRPr lang="en-US"/>
           </a:p>
@@ -9234,7 +9356,7 @@
 </p:sld>
 </file>
 
-<file path=ppt/slides/slide11.xml><?xml version="1.0" encoding="utf-8"?>
+<file path=ppt/slides/slide12.xml><?xml version="1.0" encoding="utf-8"?>
 <p:sld xmlns:a="http://schemas.openxmlformats.org/drawingml/2006/main" xmlns:r="http://schemas.openxmlformats.org/officeDocument/2006/relationships" xmlns:p="http://schemas.openxmlformats.org/presentationml/2006/main">
   <p:cSld>
     <p:bg>
@@ -9827,7 +9949,7 @@
                   <a:spcPts val="600"/>
                 </a:spcAft>
               </a:pPr>
-              <a:t>11</a:t>
+              <a:t>12</a:t>
             </a:fld>
             <a:endParaRPr lang="en-US">
               <a:solidFill>
@@ -10894,9 +11016,10 @@
           <a:lstStyle/>
           <a:p>
             <a:r>
-              <a:rPr lang="fr-FR" dirty="0"/>
+              <a:rPr lang="fr-FR"/>
               <a:t>Description générale</a:t>
             </a:r>
+            <a:endParaRPr lang="fr-FR" dirty="0"/>
           </a:p>
         </p:txBody>
       </p:sp>
@@ -10913,7 +11036,7 @@
             <a:spLocks noGrp="1"/>
           </p:cNvSpPr>
           <p:nvPr>
-            <p:ph idx="1"/>
+            <p:ph sz="half" idx="1"/>
           </p:nvPr>
         </p:nvSpPr>
         <p:spPr/>
@@ -10921,10 +11044,73 @@
           <a:bodyPr/>
           <a:lstStyle/>
           <a:p>
-            <a:endParaRPr lang="fr-FR"/>
-          </a:p>
-        </p:txBody>
-      </p:sp>
+            <a:r>
+              <a:rPr lang="fr-FR"/>
+              <a:t>Open-source</a:t>
+            </a:r>
+          </a:p>
+          <a:p>
+            <a:r>
+              <a:rPr lang="fr-FR"/>
+              <a:t>Base de données de graphes</a:t>
+            </a:r>
+          </a:p>
+          <a:p>
+            <a:r>
+              <a:rPr lang="fr-FR"/>
+              <a:t>NoSQL</a:t>
+            </a:r>
+          </a:p>
+          <a:p>
+            <a:r>
+              <a:rPr lang="fr-FR"/>
+              <a:t>Compatible ACID</a:t>
+            </a:r>
+          </a:p>
+          <a:p>
+            <a:r>
+              <a:rPr lang="fr-FR"/>
+              <a:t>Depuis 2007</a:t>
+            </a:r>
+            <a:endParaRPr lang="fr-FR" dirty="0"/>
+          </a:p>
+        </p:txBody>
+      </p:sp>
+      <p:pic>
+        <p:nvPicPr>
+          <p:cNvPr id="7" name="Espace réservé du contenu 6">
+            <a:extLst>
+              <a:ext uri="{FF2B5EF4-FFF2-40B4-BE49-F238E27FC236}">
+                <a16:creationId xmlns:a16="http://schemas.microsoft.com/office/drawing/2014/main" id="{5EEBBCB2-EC8C-ADEC-B9BD-7478EA0F7E87}"/>
+              </a:ext>
+            </a:extLst>
+          </p:cNvPr>
+          <p:cNvPicPr>
+            <a:picLocks noGrp="1" noChangeAspect="1"/>
+          </p:cNvPicPr>
+          <p:nvPr>
+            <p:ph sz="half" idx="2"/>
+          </p:nvPr>
+        </p:nvPicPr>
+        <p:blipFill>
+          <a:blip r:embed="rId2">
+            <a:extLst>
+              <a:ext uri="{28A0092B-C50C-407E-A947-70E740481C1C}">
+                <a14:useLocalDpi xmlns:a14="http://schemas.microsoft.com/office/drawing/2010/main" val="0"/>
+              </a:ext>
+            </a:extLst>
+          </a:blip>
+          <a:stretch>
+            <a:fillRect/>
+          </a:stretch>
+        </p:blipFill>
+        <p:spPr>
+          <a:xfrm>
+            <a:off x="6847752" y="3248026"/>
+            <a:ext cx="4228680" cy="1585754"/>
+          </a:xfrm>
+        </p:spPr>
+      </p:pic>
       <p:sp>
         <p:nvSpPr>
           <p:cNvPr id="4" name="Espace réservé du numéro de diapositive 3">
@@ -11007,17 +11193,17 @@
           <a:p>
             <a:r>
               <a:rPr lang="fr-FR" dirty="0"/>
-              <a:t>API / Protocoles</a:t>
+              <a:t>API / Langages</a:t>
             </a:r>
           </a:p>
         </p:txBody>
       </p:sp>
       <p:sp>
         <p:nvSpPr>
-          <p:cNvPr id="3" name="Espace réservé du contenu 2">
-            <a:extLst>
-              <a:ext uri="{FF2B5EF4-FFF2-40B4-BE49-F238E27FC236}">
-                <a16:creationId xmlns:a16="http://schemas.microsoft.com/office/drawing/2014/main" id="{982FC354-B56A-2BD1-FB00-8591C2E6B6EF}"/>
+          <p:cNvPr id="5" name="Espace réservé du contenu 4">
+            <a:extLst>
+              <a:ext uri="{FF2B5EF4-FFF2-40B4-BE49-F238E27FC236}">
+                <a16:creationId xmlns:a16="http://schemas.microsoft.com/office/drawing/2014/main" id="{84993486-0303-5451-809C-AEAC7526FD67}"/>
               </a:ext>
             </a:extLst>
           </p:cNvPr>
@@ -11025,15 +11211,127 @@
             <a:spLocks noGrp="1"/>
           </p:cNvSpPr>
           <p:nvPr>
-            <p:ph idx="1"/>
+            <p:ph sz="half" idx="1"/>
           </p:nvPr>
         </p:nvSpPr>
         <p:spPr/>
         <p:txBody>
-          <a:bodyPr/>
+          <a:bodyPr>
+            <a:normAutofit fontScale="92500" lnSpcReduction="10000"/>
+          </a:bodyPr>
           <a:lstStyle/>
           <a:p>
-            <a:endParaRPr lang="fr-FR"/>
+            <a:pPr marL="0" indent="0">
+              <a:buNone/>
+            </a:pPr>
+            <a:r>
+              <a:rPr lang="fr-FR" dirty="0"/>
+              <a:t>Les API :</a:t>
+            </a:r>
+          </a:p>
+          <a:p>
+            <a:r>
+              <a:rPr lang="fr-FR" dirty="0"/>
+              <a:t>Neo4j Desktop</a:t>
+            </a:r>
+          </a:p>
+          <a:p>
+            <a:r>
+              <a:rPr lang="fr-FR" dirty="0"/>
+              <a:t>Neo4j Browser</a:t>
+            </a:r>
+          </a:p>
+          <a:p>
+            <a:r>
+              <a:rPr lang="fr-FR" dirty="0" err="1"/>
+              <a:t>Cypher</a:t>
+            </a:r>
+            <a:r>
+              <a:rPr lang="fr-FR" dirty="0"/>
+              <a:t>-Shell</a:t>
+            </a:r>
+          </a:p>
+        </p:txBody>
+      </p:sp>
+      <p:sp>
+        <p:nvSpPr>
+          <p:cNvPr id="6" name="Espace réservé du contenu 5">
+            <a:extLst>
+              <a:ext uri="{FF2B5EF4-FFF2-40B4-BE49-F238E27FC236}">
+                <a16:creationId xmlns:a16="http://schemas.microsoft.com/office/drawing/2014/main" id="{6A7E220A-45A4-0585-72EB-81B93C391726}"/>
+              </a:ext>
+            </a:extLst>
+          </p:cNvPr>
+          <p:cNvSpPr>
+            <a:spLocks noGrp="1"/>
+          </p:cNvSpPr>
+          <p:nvPr>
+            <p:ph sz="half" idx="2"/>
+          </p:nvPr>
+        </p:nvSpPr>
+        <p:spPr/>
+        <p:txBody>
+          <a:bodyPr>
+            <a:normAutofit fontScale="92500" lnSpcReduction="10000"/>
+          </a:bodyPr>
+          <a:lstStyle/>
+          <a:p>
+            <a:pPr marL="0" indent="0">
+              <a:buNone/>
+            </a:pPr>
+            <a:r>
+              <a:rPr lang="fr-FR" dirty="0"/>
+              <a:t>Les langages compatibles :</a:t>
+            </a:r>
+          </a:p>
+          <a:p>
+            <a:r>
+              <a:rPr lang="fr-FR" dirty="0"/>
+              <a:t>Python</a:t>
+            </a:r>
+          </a:p>
+          <a:p>
+            <a:r>
+              <a:rPr lang="fr-FR" dirty="0"/>
+              <a:t>JavaScript</a:t>
+            </a:r>
+          </a:p>
+          <a:p>
+            <a:r>
+              <a:rPr lang="fr-FR" dirty="0" err="1"/>
+              <a:t>GraphQL</a:t>
+            </a:r>
+            <a:endParaRPr lang="fr-FR" dirty="0"/>
+          </a:p>
+          <a:p>
+            <a:r>
+              <a:rPr lang="fr-FR" dirty="0"/>
+              <a:t>Java</a:t>
+            </a:r>
+          </a:p>
+          <a:p>
+            <a:r>
+              <a:rPr lang="fr-FR" dirty="0"/>
+              <a:t>Spring Boot</a:t>
+            </a:r>
+          </a:p>
+          <a:p>
+            <a:r>
+              <a:rPr lang="fr-FR" dirty="0"/>
+              <a:t>.NET</a:t>
+            </a:r>
+          </a:p>
+          <a:p>
+            <a:r>
+              <a:rPr lang="fr-FR" dirty="0"/>
+              <a:t>Go</a:t>
+            </a:r>
+          </a:p>
+          <a:p>
+            <a:pPr marL="0" indent="0">
+              <a:buNone/>
+            </a:pPr>
+            <a:endParaRPr lang="fr-FR" dirty="0"/>
           </a:p>
         </p:txBody>
       </p:sp>
@@ -11082,6 +11380,14 @@
 <file path=ppt/slides/slide6.xml><?xml version="1.0" encoding="utf-8"?>
 <p:sld xmlns:a="http://schemas.openxmlformats.org/drawingml/2006/main" xmlns:r="http://schemas.openxmlformats.org/officeDocument/2006/relationships" xmlns:p="http://schemas.openxmlformats.org/presentationml/2006/main">
   <p:cSld>
+    <p:bg>
+      <p:bgPr>
+        <a:solidFill>
+          <a:schemeClr val="bg1"/>
+        </a:solidFill>
+        <a:effectLst/>
+      </p:bgPr>
+    </p:bg>
     <p:spTree>
       <p:nvGrpSpPr>
         <p:cNvPr id="1" name=""/>
@@ -11098,6 +11404,356 @@
       </p:grpSpPr>
       <p:sp>
         <p:nvSpPr>
+          <p:cNvPr id="26" name="Rectangle 25">
+            <a:extLst>
+              <a:ext uri="{FF2B5EF4-FFF2-40B4-BE49-F238E27FC236}">
+                <a16:creationId xmlns:a16="http://schemas.microsoft.com/office/drawing/2014/main" id="{8D06CE56-3881-4ADA-8CEF-D18B02C242A3}"/>
+              </a:ext>
+              <a:ext uri="{C183D7F6-B498-43B3-948B-1728B52AA6E4}">
+                <adec:decorative xmlns:adec="http://schemas.microsoft.com/office/drawing/2017/decorative" val="1"/>
+              </a:ext>
+            </a:extLst>
+          </p:cNvPr>
+          <p:cNvSpPr>
+            <a:spLocks noGrp="1" noRot="1" noChangeAspect="1" noMove="1" noResize="1" noEditPoints="1" noAdjustHandles="1" noChangeArrowheads="1" noChangeShapeType="1" noTextEdit="1"/>
+          </p:cNvSpPr>
+          <p:nvPr>
+            <p:extLst>
+              <p:ext uri="{386F3935-93C4-4BCD-93E2-E3B085C9AB24}">
+                <p16:designElem xmlns:p16="http://schemas.microsoft.com/office/powerpoint/2015/main" val="1"/>
+              </p:ext>
+            </p:extLst>
+          </p:nvPr>
+        </p:nvSpPr>
+        <p:spPr>
+          <a:xfrm rot="5400000">
+            <a:off x="857544" y="346791"/>
+            <a:ext cx="146304" cy="704088"/>
+          </a:xfrm>
+          <a:prstGeom prst="rect">
+            <a:avLst/>
+          </a:prstGeom>
+          <a:solidFill>
+            <a:schemeClr val="accent1"/>
+          </a:solidFill>
+          <a:ln>
+            <a:noFill/>
+          </a:ln>
+        </p:spPr>
+        <p:style>
+          <a:lnRef idx="2">
+            <a:schemeClr val="accent1">
+              <a:shade val="50000"/>
+            </a:schemeClr>
+          </a:lnRef>
+          <a:fillRef idx="1">
+            <a:schemeClr val="accent1"/>
+          </a:fillRef>
+          <a:effectRef idx="0">
+            <a:schemeClr val="accent1"/>
+          </a:effectRef>
+          <a:fontRef idx="minor">
+            <a:schemeClr val="lt1"/>
+          </a:fontRef>
+        </p:style>
+        <p:txBody>
+          <a:bodyPr rtlCol="0" anchor="ctr"/>
+          <a:lstStyle/>
+          <a:p>
+            <a:pPr marL="0" marR="0" lvl="0" indent="0" algn="ctr" defTabSz="914400" rtl="0" eaLnBrk="1" fontAlgn="auto" latinLnBrk="0" hangingPunct="1">
+              <a:lnSpc>
+                <a:spcPct val="100000"/>
+              </a:lnSpc>
+              <a:spcBef>
+                <a:spcPts val="0"/>
+              </a:spcBef>
+              <a:spcAft>
+                <a:spcPts val="0"/>
+              </a:spcAft>
+              <a:buClrTx/>
+              <a:buSzTx/>
+              <a:buFontTx/>
+              <a:buNone/>
+              <a:tabLst/>
+              <a:defRPr/>
+            </a:pPr>
+            <a:endParaRPr kumimoji="0" lang="en-US" sz="1800" b="0" i="0" u="none" strike="noStrike" kern="1200" cap="none" spc="0" normalizeH="0" baseline="0" noProof="0">
+              <a:ln>
+                <a:noFill/>
+              </a:ln>
+              <a:solidFill>
+                <a:prstClr val="white"/>
+              </a:solidFill>
+              <a:effectLst/>
+              <a:uLnTx/>
+              <a:uFillTx/>
+              <a:latin typeface="Calibri" panose="020F0502020204030204"/>
+              <a:ea typeface="+mn-ea"/>
+              <a:cs typeface="+mn-cs"/>
+            </a:endParaRPr>
+          </a:p>
+        </p:txBody>
+      </p:sp>
+      <p:sp>
+        <p:nvSpPr>
+          <p:cNvPr id="28" name="Rectangle 27">
+            <a:extLst>
+              <a:ext uri="{FF2B5EF4-FFF2-40B4-BE49-F238E27FC236}">
+                <a16:creationId xmlns:a16="http://schemas.microsoft.com/office/drawing/2014/main" id="{79F3C543-62EC-4433-9C93-A2CD8764E9B4}"/>
+              </a:ext>
+              <a:ext uri="{C183D7F6-B498-43B3-948B-1728B52AA6E4}">
+                <adec:decorative xmlns:adec="http://schemas.microsoft.com/office/drawing/2017/decorative" val="1"/>
+              </a:ext>
+            </a:extLst>
+          </p:cNvPr>
+          <p:cNvSpPr>
+            <a:spLocks noGrp="1" noRot="1" noChangeAspect="1" noMove="1" noResize="1" noEditPoints="1" noAdjustHandles="1" noChangeArrowheads="1" noChangeShapeType="1" noTextEdit="1"/>
+          </p:cNvSpPr>
+          <p:nvPr>
+            <p:extLst>
+              <p:ext uri="{386F3935-93C4-4BCD-93E2-E3B085C9AB24}">
+                <p16:designElem xmlns:p16="http://schemas.microsoft.com/office/powerpoint/2015/main" val="1"/>
+              </p:ext>
+            </p:extLst>
+          </p:nvPr>
+        </p:nvSpPr>
+        <p:spPr>
+          <a:xfrm flipV="1">
+            <a:off x="578652" y="4501201"/>
+            <a:ext cx="11034696" cy="18288"/>
+          </a:xfrm>
+          <a:prstGeom prst="rect">
+            <a:avLst/>
+          </a:prstGeom>
+          <a:solidFill>
+            <a:schemeClr val="tx2">
+              <a:lumMod val="25000"/>
+              <a:lumOff val="75000"/>
+            </a:schemeClr>
+          </a:solidFill>
+          <a:ln w="3175">
+            <a:noFill/>
+          </a:ln>
+          <a:effectLst/>
+        </p:spPr>
+        <p:style>
+          <a:lnRef idx="2">
+            <a:schemeClr val="accent1">
+              <a:shade val="50000"/>
+            </a:schemeClr>
+          </a:lnRef>
+          <a:fillRef idx="1">
+            <a:schemeClr val="accent1"/>
+          </a:fillRef>
+          <a:effectRef idx="0">
+            <a:schemeClr val="accent1"/>
+          </a:effectRef>
+          <a:fontRef idx="minor">
+            <a:schemeClr val="lt1"/>
+          </a:fontRef>
+        </p:style>
+        <p:txBody>
+          <a:bodyPr rtlCol="0" anchor="ctr"/>
+          <a:lstStyle/>
+          <a:p>
+            <a:pPr marL="0" marR="0" lvl="0" indent="0" algn="ctr" defTabSz="914400" rtl="0" eaLnBrk="1" fontAlgn="auto" latinLnBrk="0" hangingPunct="1">
+              <a:lnSpc>
+                <a:spcPct val="100000"/>
+              </a:lnSpc>
+              <a:spcBef>
+                <a:spcPts val="0"/>
+              </a:spcBef>
+              <a:spcAft>
+                <a:spcPts val="0"/>
+              </a:spcAft>
+              <a:buClrTx/>
+              <a:buSzTx/>
+              <a:buFontTx/>
+              <a:buNone/>
+              <a:tabLst/>
+              <a:defRPr/>
+            </a:pPr>
+            <a:endParaRPr kumimoji="0" lang="en-US" sz="1800" b="0" i="0" u="none" strike="noStrike" kern="1200" cap="none" spc="0" normalizeH="0" baseline="0" noProof="0">
+              <a:ln>
+                <a:noFill/>
+              </a:ln>
+              <a:solidFill>
+                <a:prstClr val="white"/>
+              </a:solidFill>
+              <a:effectLst/>
+              <a:uLnTx/>
+              <a:uFillTx/>
+              <a:latin typeface="Calibri" panose="020F0502020204030204"/>
+              <a:ea typeface="+mn-ea"/>
+              <a:cs typeface="+mn-cs"/>
+            </a:endParaRPr>
+          </a:p>
+        </p:txBody>
+      </p:sp>
+      <p:sp useBgFill="1">
+        <p:nvSpPr>
+          <p:cNvPr id="30" name="Rectangle 29">
+            <a:extLst>
+              <a:ext uri="{FF2B5EF4-FFF2-40B4-BE49-F238E27FC236}">
+                <a16:creationId xmlns:a16="http://schemas.microsoft.com/office/drawing/2014/main" id="{017517EF-BD4D-4055-BDB4-A322C53568AD}"/>
+              </a:ext>
+              <a:ext uri="{C183D7F6-B498-43B3-948B-1728B52AA6E4}">
+                <adec:decorative xmlns:adec="http://schemas.microsoft.com/office/drawing/2017/decorative" val="1"/>
+              </a:ext>
+            </a:extLst>
+          </p:cNvPr>
+          <p:cNvSpPr>
+            <a:spLocks noGrp="1" noRot="1" noChangeAspect="1" noMove="1" noResize="1" noEditPoints="1" noAdjustHandles="1" noChangeArrowheads="1" noChangeShapeType="1" noTextEdit="1"/>
+          </p:cNvSpPr>
+          <p:nvPr>
+            <p:extLst>
+              <p:ext uri="{386F3935-93C4-4BCD-93E2-E3B085C9AB24}">
+                <p16:designElem xmlns:p16="http://schemas.microsoft.com/office/powerpoint/2015/main" val="1"/>
+              </p:ext>
+            </p:extLst>
+          </p:nvPr>
+        </p:nvSpPr>
+        <p:spPr>
+          <a:xfrm>
+            <a:off x="0" y="0"/>
+            <a:ext cx="12192000" cy="6858000"/>
+          </a:xfrm>
+          <a:prstGeom prst="rect">
+            <a:avLst/>
+          </a:prstGeom>
+          <a:ln>
+            <a:noFill/>
+          </a:ln>
+        </p:spPr>
+        <p:style>
+          <a:lnRef idx="2">
+            <a:schemeClr val="accent1">
+              <a:shade val="50000"/>
+            </a:schemeClr>
+          </a:lnRef>
+          <a:fillRef idx="1">
+            <a:schemeClr val="accent1"/>
+          </a:fillRef>
+          <a:effectRef idx="0">
+            <a:schemeClr val="accent1"/>
+          </a:effectRef>
+          <a:fontRef idx="minor">
+            <a:schemeClr val="lt1"/>
+          </a:fontRef>
+        </p:style>
+        <p:txBody>
+          <a:bodyPr rtlCol="0" anchor="ctr"/>
+          <a:lstStyle/>
+          <a:p>
+            <a:pPr algn="ctr"/>
+            <a:endParaRPr lang="en-US"/>
+          </a:p>
+        </p:txBody>
+      </p:sp>
+      <p:sp useBgFill="1">
+        <p:nvSpPr>
+          <p:cNvPr id="32" name="Rectangle 31">
+            <a:extLst>
+              <a:ext uri="{FF2B5EF4-FFF2-40B4-BE49-F238E27FC236}">
+                <a16:creationId xmlns:a16="http://schemas.microsoft.com/office/drawing/2014/main" id="{0ADDB668-2CA4-4D2B-9C34-3487CA330BA8}"/>
+              </a:ext>
+              <a:ext uri="{C183D7F6-B498-43B3-948B-1728B52AA6E4}">
+                <adec:decorative xmlns:adec="http://schemas.microsoft.com/office/drawing/2017/decorative" val="1"/>
+              </a:ext>
+            </a:extLst>
+          </p:cNvPr>
+          <p:cNvSpPr>
+            <a:spLocks noGrp="1" noRot="1" noChangeAspect="1" noMove="1" noResize="1" noEditPoints="1" noAdjustHandles="1" noChangeArrowheads="1" noChangeShapeType="1" noTextEdit="1"/>
+          </p:cNvSpPr>
+          <p:nvPr>
+            <p:extLst>
+              <p:ext uri="{386F3935-93C4-4BCD-93E2-E3B085C9AB24}">
+                <p16:designElem xmlns:p16="http://schemas.microsoft.com/office/powerpoint/2015/main" val="1"/>
+              </p:ext>
+            </p:extLst>
+          </p:nvPr>
+        </p:nvSpPr>
+        <p:spPr>
+          <a:xfrm>
+            <a:off x="551553" y="304802"/>
+            <a:ext cx="11097349" cy="1573149"/>
+          </a:xfrm>
+          <a:prstGeom prst="rect">
+            <a:avLst/>
+          </a:prstGeom>
+          <a:ln w="12700">
+            <a:solidFill>
+              <a:schemeClr val="tx2">
+                <a:lumMod val="10000"/>
+                <a:lumOff val="90000"/>
+              </a:schemeClr>
+            </a:solidFill>
+          </a:ln>
+          <a:effectLst>
+            <a:outerShdw blurRad="50800" dist="38100" dir="2700000" algn="tl" rotWithShape="0">
+              <a:schemeClr val="bg2">
+                <a:lumMod val="85000"/>
+                <a:alpha val="30000"/>
+              </a:schemeClr>
+            </a:outerShdw>
+          </a:effectLst>
+        </p:spPr>
+        <p:style>
+          <a:lnRef idx="2">
+            <a:schemeClr val="accent1">
+              <a:shade val="50000"/>
+            </a:schemeClr>
+          </a:lnRef>
+          <a:fillRef idx="1">
+            <a:schemeClr val="accent1"/>
+          </a:fillRef>
+          <a:effectRef idx="0">
+            <a:schemeClr val="accent1"/>
+          </a:effectRef>
+          <a:fontRef idx="minor">
+            <a:schemeClr val="lt1"/>
+          </a:fontRef>
+        </p:style>
+        <p:txBody>
+          <a:bodyPr rtlCol="0" anchor="ctr"/>
+          <a:lstStyle/>
+          <a:p>
+            <a:pPr marL="0" marR="0" lvl="0" indent="0" algn="ctr" defTabSz="914400" rtl="0" eaLnBrk="1" fontAlgn="auto" latinLnBrk="0" hangingPunct="1">
+              <a:lnSpc>
+                <a:spcPct val="100000"/>
+              </a:lnSpc>
+              <a:spcBef>
+                <a:spcPts val="0"/>
+              </a:spcBef>
+              <a:spcAft>
+                <a:spcPts val="0"/>
+              </a:spcAft>
+              <a:buClrTx/>
+              <a:buSzTx/>
+              <a:buFontTx/>
+              <a:buNone/>
+              <a:tabLst/>
+              <a:defRPr/>
+            </a:pPr>
+            <a:endParaRPr kumimoji="0" lang="en-US" sz="1800" b="0" i="0" u="none" strike="noStrike" kern="1200" cap="none" spc="0" normalizeH="0" baseline="0" noProof="0">
+              <a:ln>
+                <a:noFill/>
+              </a:ln>
+              <a:solidFill>
+                <a:prstClr val="white"/>
+              </a:solidFill>
+              <a:effectLst/>
+              <a:uLnTx/>
+              <a:uFillTx/>
+              <a:latin typeface="Calibri" panose="020F0502020204030204"/>
+              <a:ea typeface="+mn-ea"/>
+              <a:cs typeface="+mn-cs"/>
+            </a:endParaRPr>
+          </a:p>
+        </p:txBody>
+      </p:sp>
+      <p:sp>
+        <p:nvSpPr>
           <p:cNvPr id="2" name="Titre 1">
             <a:extLst>
               <a:ext uri="{FF2B5EF4-FFF2-40B4-BE49-F238E27FC236}">
@@ -11112,43 +11768,251 @@
             <p:ph type="title"/>
           </p:nvPr>
         </p:nvSpPr>
-        <p:spPr/>
-        <p:txBody>
-          <a:bodyPr/>
+        <p:spPr>
+          <a:xfrm>
+            <a:off x="901690" y="405575"/>
+            <a:ext cx="6430414" cy="1371600"/>
+          </a:xfrm>
+        </p:spPr>
+        <p:txBody>
+          <a:bodyPr vert="horz" lIns="91440" tIns="45720" rIns="91440" bIns="45720" rtlCol="0" anchor="ctr">
+            <a:normAutofit/>
+          </a:bodyPr>
           <a:lstStyle/>
           <a:p>
             <a:r>
-              <a:rPr lang="fr-FR" dirty="0"/>
-              <a:t>Exemples cas d’usages</a:t>
+              <a:rPr lang="en-US"/>
+              <a:t>Protocoles</a:t>
             </a:r>
           </a:p>
         </p:txBody>
       </p:sp>
       <p:sp>
         <p:nvSpPr>
-          <p:cNvPr id="3" name="Espace réservé du contenu 2">
-            <a:extLst>
-              <a:ext uri="{FF2B5EF4-FFF2-40B4-BE49-F238E27FC236}">
-                <a16:creationId xmlns:a16="http://schemas.microsoft.com/office/drawing/2014/main" id="{982FC354-B56A-2BD1-FB00-8591C2E6B6EF}"/>
+          <p:cNvPr id="34" name="Rectangle 33">
+            <a:extLst>
+              <a:ext uri="{FF2B5EF4-FFF2-40B4-BE49-F238E27FC236}">
+                <a16:creationId xmlns:a16="http://schemas.microsoft.com/office/drawing/2014/main" id="{2568BC19-F052-4108-93E1-6A3D1DEC072F}"/>
+              </a:ext>
+              <a:ext uri="{C183D7F6-B498-43B3-948B-1728B52AA6E4}">
+                <adec:decorative xmlns:adec="http://schemas.microsoft.com/office/drawing/2017/decorative" val="1"/>
               </a:ext>
             </a:extLst>
           </p:cNvPr>
           <p:cNvSpPr>
-            <a:spLocks noGrp="1"/>
+            <a:spLocks noGrp="1" noRot="1" noChangeAspect="1" noMove="1" noResize="1" noEditPoints="1" noAdjustHandles="1" noChangeArrowheads="1" noChangeShapeType="1" noTextEdit="1"/>
           </p:cNvSpPr>
+          <p:nvPr>
+            <p:extLst>
+              <p:ext uri="{386F3935-93C4-4BCD-93E2-E3B085C9AB24}">
+                <p16:designElem xmlns:p16="http://schemas.microsoft.com/office/powerpoint/2015/main" val="1"/>
+              </p:ext>
+            </p:extLst>
+          </p:nvPr>
+        </p:nvSpPr>
+        <p:spPr>
+          <a:xfrm>
+            <a:off x="494784" y="764424"/>
+            <a:ext cx="128016" cy="653903"/>
+          </a:xfrm>
+          <a:prstGeom prst="rect">
+            <a:avLst/>
+          </a:prstGeom>
+          <a:solidFill>
+            <a:schemeClr val="accent1"/>
+          </a:solidFill>
+          <a:ln>
+            <a:noFill/>
+          </a:ln>
+        </p:spPr>
+        <p:style>
+          <a:lnRef idx="2">
+            <a:schemeClr val="accent1">
+              <a:shade val="50000"/>
+            </a:schemeClr>
+          </a:lnRef>
+          <a:fillRef idx="1">
+            <a:schemeClr val="accent1"/>
+          </a:fillRef>
+          <a:effectRef idx="0">
+            <a:schemeClr val="accent1"/>
+          </a:effectRef>
+          <a:fontRef idx="minor">
+            <a:schemeClr val="lt1"/>
+          </a:fontRef>
+        </p:style>
+        <p:txBody>
+          <a:bodyPr rtlCol="0" anchor="ctr"/>
+          <a:lstStyle/>
+          <a:p>
+            <a:pPr marL="0" marR="0" lvl="0" indent="0" algn="ctr" defTabSz="914400" rtl="0" eaLnBrk="1" fontAlgn="auto" latinLnBrk="0" hangingPunct="1">
+              <a:lnSpc>
+                <a:spcPct val="100000"/>
+              </a:lnSpc>
+              <a:spcBef>
+                <a:spcPts val="0"/>
+              </a:spcBef>
+              <a:spcAft>
+                <a:spcPts val="0"/>
+              </a:spcAft>
+              <a:buClrTx/>
+              <a:buSzTx/>
+              <a:buFontTx/>
+              <a:buNone/>
+              <a:tabLst/>
+              <a:defRPr/>
+            </a:pPr>
+            <a:endParaRPr kumimoji="0" lang="en-US" sz="1800" b="0" i="0" u="none" strike="noStrike" kern="1200" cap="none" spc="0" normalizeH="0" baseline="0" noProof="0">
+              <a:ln>
+                <a:noFill/>
+              </a:ln>
+              <a:solidFill>
+                <a:prstClr val="white"/>
+              </a:solidFill>
+              <a:effectLst/>
+              <a:uLnTx/>
+              <a:uFillTx/>
+              <a:latin typeface="Calibri" panose="020F0502020204030204"/>
+              <a:ea typeface="+mn-ea"/>
+              <a:cs typeface="+mn-cs"/>
+            </a:endParaRPr>
+          </a:p>
+        </p:txBody>
+      </p:sp>
+      <p:sp>
+        <p:nvSpPr>
+          <p:cNvPr id="36" name="Rectangle 35">
+            <a:extLst>
+              <a:ext uri="{FF2B5EF4-FFF2-40B4-BE49-F238E27FC236}">
+                <a16:creationId xmlns:a16="http://schemas.microsoft.com/office/drawing/2014/main" id="{D5FD337D-4D6B-4C8B-B6F5-121097E09881}"/>
+              </a:ext>
+              <a:ext uri="{C183D7F6-B498-43B3-948B-1728B52AA6E4}">
+                <adec:decorative xmlns:adec="http://schemas.microsoft.com/office/drawing/2017/decorative" val="1"/>
+              </a:ext>
+            </a:extLst>
+          </p:cNvPr>
+          <p:cNvSpPr>
+            <a:spLocks noGrp="1" noRot="1" noChangeAspect="1" noMove="1" noResize="1" noEditPoints="1" noAdjustHandles="1" noChangeArrowheads="1" noChangeShapeType="1" noTextEdit="1"/>
+          </p:cNvSpPr>
+          <p:nvPr>
+            <p:extLst>
+              <p:ext uri="{386F3935-93C4-4BCD-93E2-E3B085C9AB24}">
+                <p16:designElem xmlns:p16="http://schemas.microsoft.com/office/powerpoint/2015/main" val="1"/>
+              </p:ext>
+            </p:extLst>
+          </p:nvPr>
+        </p:nvSpPr>
+        <p:spPr>
+          <a:xfrm rot="5400000">
+            <a:off x="7130604" y="1071836"/>
+            <a:ext cx="1021458" cy="9144"/>
+          </a:xfrm>
+          <a:prstGeom prst="rect">
+            <a:avLst/>
+          </a:prstGeom>
+          <a:solidFill>
+            <a:schemeClr val="tx2">
+              <a:lumMod val="25000"/>
+              <a:lumOff val="75000"/>
+            </a:schemeClr>
+          </a:solidFill>
+          <a:ln w="3175">
+            <a:noFill/>
+          </a:ln>
+          <a:effectLst/>
+        </p:spPr>
+        <p:style>
+          <a:lnRef idx="2">
+            <a:schemeClr val="accent1">
+              <a:shade val="50000"/>
+            </a:schemeClr>
+          </a:lnRef>
+          <a:fillRef idx="1">
+            <a:schemeClr val="accent1"/>
+          </a:fillRef>
+          <a:effectRef idx="0">
+            <a:schemeClr val="accent1"/>
+          </a:effectRef>
+          <a:fontRef idx="minor">
+            <a:schemeClr val="lt1"/>
+          </a:fontRef>
+        </p:style>
+        <p:txBody>
+          <a:bodyPr rtlCol="0" anchor="ctr"/>
+          <a:lstStyle/>
+          <a:p>
+            <a:pPr marL="0" marR="0" lvl="0" indent="0" algn="ctr" defTabSz="914400" rtl="0" eaLnBrk="1" fontAlgn="auto" latinLnBrk="0" hangingPunct="1">
+              <a:lnSpc>
+                <a:spcPct val="100000"/>
+              </a:lnSpc>
+              <a:spcBef>
+                <a:spcPts val="0"/>
+              </a:spcBef>
+              <a:spcAft>
+                <a:spcPts val="0"/>
+              </a:spcAft>
+              <a:buClrTx/>
+              <a:buSzTx/>
+              <a:buFontTx/>
+              <a:buNone/>
+              <a:tabLst/>
+              <a:defRPr/>
+            </a:pPr>
+            <a:endParaRPr kumimoji="0" lang="en-US" sz="1800" b="0" i="0" u="none" strike="noStrike" kern="1200" cap="none" spc="0" normalizeH="0" baseline="0" noProof="0">
+              <a:ln>
+                <a:noFill/>
+              </a:ln>
+              <a:solidFill>
+                <a:prstClr val="white"/>
+              </a:solidFill>
+              <a:effectLst/>
+              <a:uLnTx/>
+              <a:uFillTx/>
+              <a:latin typeface="Calibri" panose="020F0502020204030204"/>
+              <a:ea typeface="+mn-ea"/>
+              <a:cs typeface="+mn-cs"/>
+            </a:endParaRPr>
+          </a:p>
+        </p:txBody>
+      </p:sp>
+      <p:pic>
+        <p:nvPicPr>
+          <p:cNvPr id="8" name="Espace réservé du contenu 7">
+            <a:extLst>
+              <a:ext uri="{FF2B5EF4-FFF2-40B4-BE49-F238E27FC236}">
+                <a16:creationId xmlns:a16="http://schemas.microsoft.com/office/drawing/2014/main" id="{9C35B734-CBB2-ADEF-1B85-340319096B49}"/>
+              </a:ext>
+            </a:extLst>
+          </p:cNvPr>
+          <p:cNvPicPr>
+            <a:picLocks noGrp="1" noChangeAspect="1"/>
+          </p:cNvPicPr>
           <p:nvPr>
             <p:ph idx="1"/>
           </p:nvPr>
-        </p:nvSpPr>
-        <p:spPr/>
-        <p:txBody>
-          <a:bodyPr/>
-          <a:lstStyle/>
-          <a:p>
-            <a:endParaRPr lang="fr-FR"/>
-          </a:p>
-        </p:txBody>
-      </p:sp>
+        </p:nvPicPr>
+        <p:blipFill>
+          <a:blip r:embed="rId2">
+            <a:extLst>
+              <a:ext uri="{28A0092B-C50C-407E-A947-70E740481C1C}">
+                <a14:useLocalDpi xmlns:a14="http://schemas.microsoft.com/office/drawing/2010/main" val="0"/>
+              </a:ext>
+            </a:extLst>
+          </a:blip>
+          <a:stretch>
+            <a:fillRect/>
+          </a:stretch>
+        </p:blipFill>
+        <p:spPr>
+          <a:xfrm>
+            <a:off x="1827438" y="2091095"/>
+            <a:ext cx="8540588" cy="4206240"/>
+          </a:xfrm>
+          <a:prstGeom prst="rect">
+            <a:avLst/>
+          </a:prstGeom>
+        </p:spPr>
+      </p:pic>
       <p:sp>
         <p:nvSpPr>
           <p:cNvPr id="4" name="Espace réservé du numéro de diapositive 3">
@@ -11165,16 +12029,756 @@
             <p:ph type="sldNum" sz="quarter" idx="12"/>
           </p:nvPr>
         </p:nvSpPr>
-        <p:spPr/>
-        <p:txBody>
-          <a:bodyPr/>
+        <p:spPr>
+          <a:xfrm>
+            <a:off x="8869680" y="6356350"/>
+            <a:ext cx="2743200" cy="365125"/>
+          </a:xfrm>
+        </p:spPr>
+        <p:txBody>
+          <a:bodyPr vert="horz" lIns="91440" tIns="45720" rIns="91440" bIns="45720" rtlCol="0" anchor="ctr">
+            <a:normAutofit/>
+          </a:bodyPr>
           <a:lstStyle/>
           <a:p>
+            <a:pPr>
+              <a:spcAft>
+                <a:spcPts val="600"/>
+              </a:spcAft>
+            </a:pPr>
             <a:fld id="{B2DC25EE-239B-4C5F-AAD1-255A7D5F1EE2}" type="slidenum">
-              <a:rPr lang="en-US" smtClean="0"/>
+              <a:rPr lang="en-US">
+                <a:solidFill>
+                  <a:schemeClr val="tx2">
+                    <a:lumMod val="50000"/>
+                    <a:lumOff val="50000"/>
+                  </a:schemeClr>
+                </a:solidFill>
+              </a:rPr>
+              <a:pPr>
+                <a:spcAft>
+                  <a:spcPts val="600"/>
+                </a:spcAft>
+              </a:pPr>
               <a:t>6</a:t>
             </a:fld>
+            <a:endParaRPr lang="en-US">
+              <a:solidFill>
+                <a:schemeClr val="tx2">
+                  <a:lumMod val="50000"/>
+                  <a:lumOff val="50000"/>
+                </a:schemeClr>
+              </a:solidFill>
+            </a:endParaRPr>
+          </a:p>
+        </p:txBody>
+      </p:sp>
+    </p:spTree>
+    <p:extLst>
+      <p:ext uri="{BB962C8B-B14F-4D97-AF65-F5344CB8AC3E}">
+        <p14:creationId xmlns:p14="http://schemas.microsoft.com/office/powerpoint/2010/main" val="26544202"/>
+      </p:ext>
+    </p:extLst>
+  </p:cSld>
+  <p:clrMapOvr>
+    <a:masterClrMapping/>
+  </p:clrMapOvr>
+</p:sld>
+</file>
+
+<file path=ppt/slides/slide7.xml><?xml version="1.0" encoding="utf-8"?>
+<p:sld xmlns:a="http://schemas.openxmlformats.org/drawingml/2006/main" xmlns:r="http://schemas.openxmlformats.org/officeDocument/2006/relationships" xmlns:p="http://schemas.openxmlformats.org/presentationml/2006/main">
+  <p:cSld>
+    <p:bg>
+      <p:bgPr>
+        <a:solidFill>
+          <a:schemeClr val="bg1"/>
+        </a:solidFill>
+        <a:effectLst/>
+      </p:bgPr>
+    </p:bg>
+    <p:spTree>
+      <p:nvGrpSpPr>
+        <p:cNvPr id="1" name=""/>
+        <p:cNvGrpSpPr/>
+        <p:nvPr/>
+      </p:nvGrpSpPr>
+      <p:grpSpPr>
+        <a:xfrm>
+          <a:off x="0" y="0"/>
+          <a:ext cx="0" cy="0"/>
+          <a:chOff x="0" y="0"/>
+          <a:chExt cx="0" cy="0"/>
+        </a:xfrm>
+      </p:grpSpPr>
+      <p:sp>
+        <p:nvSpPr>
+          <p:cNvPr id="13" name="Rectangle 12">
+            <a:extLst>
+              <a:ext uri="{FF2B5EF4-FFF2-40B4-BE49-F238E27FC236}">
+                <a16:creationId xmlns:a16="http://schemas.microsoft.com/office/drawing/2014/main" id="{8D06CE56-3881-4ADA-8CEF-D18B02C242A3}"/>
+              </a:ext>
+              <a:ext uri="{C183D7F6-B498-43B3-948B-1728B52AA6E4}">
+                <adec:decorative xmlns:adec="http://schemas.microsoft.com/office/drawing/2017/decorative" val="1"/>
+              </a:ext>
+            </a:extLst>
+          </p:cNvPr>
+          <p:cNvSpPr>
+            <a:spLocks noGrp="1" noRot="1" noChangeAspect="1" noMove="1" noResize="1" noEditPoints="1" noAdjustHandles="1" noChangeArrowheads="1" noChangeShapeType="1" noTextEdit="1"/>
+          </p:cNvSpPr>
+          <p:nvPr>
+            <p:extLst>
+              <p:ext uri="{386F3935-93C4-4BCD-93E2-E3B085C9AB24}">
+                <p16:designElem xmlns:p16="http://schemas.microsoft.com/office/powerpoint/2015/main" val="1"/>
+              </p:ext>
+            </p:extLst>
+          </p:nvPr>
+        </p:nvSpPr>
+        <p:spPr>
+          <a:xfrm rot="5400000">
+            <a:off x="857544" y="346791"/>
+            <a:ext cx="146304" cy="704088"/>
+          </a:xfrm>
+          <a:prstGeom prst="rect">
+            <a:avLst/>
+          </a:prstGeom>
+          <a:solidFill>
+            <a:schemeClr val="accent1"/>
+          </a:solidFill>
+          <a:ln>
+            <a:noFill/>
+          </a:ln>
+        </p:spPr>
+        <p:style>
+          <a:lnRef idx="2">
+            <a:schemeClr val="accent1">
+              <a:shade val="50000"/>
+            </a:schemeClr>
+          </a:lnRef>
+          <a:fillRef idx="1">
+            <a:schemeClr val="accent1"/>
+          </a:fillRef>
+          <a:effectRef idx="0">
+            <a:schemeClr val="accent1"/>
+          </a:effectRef>
+          <a:fontRef idx="minor">
+            <a:schemeClr val="lt1"/>
+          </a:fontRef>
+        </p:style>
+        <p:txBody>
+          <a:bodyPr rtlCol="0" anchor="ctr"/>
+          <a:lstStyle/>
+          <a:p>
+            <a:pPr marL="0" marR="0" lvl="0" indent="0" algn="ctr" defTabSz="914400" rtl="0" eaLnBrk="1" fontAlgn="auto" latinLnBrk="0" hangingPunct="1">
+              <a:lnSpc>
+                <a:spcPct val="100000"/>
+              </a:lnSpc>
+              <a:spcBef>
+                <a:spcPts val="0"/>
+              </a:spcBef>
+              <a:spcAft>
+                <a:spcPts val="0"/>
+              </a:spcAft>
+              <a:buClrTx/>
+              <a:buSzTx/>
+              <a:buFontTx/>
+              <a:buNone/>
+              <a:tabLst/>
+              <a:defRPr/>
+            </a:pPr>
+            <a:endParaRPr kumimoji="0" lang="en-US" sz="1800" b="0" i="0" u="none" strike="noStrike" kern="1200" cap="none" spc="0" normalizeH="0" baseline="0" noProof="0">
+              <a:ln>
+                <a:noFill/>
+              </a:ln>
+              <a:solidFill>
+                <a:prstClr val="white"/>
+              </a:solidFill>
+              <a:effectLst/>
+              <a:uLnTx/>
+              <a:uFillTx/>
+              <a:latin typeface="Calibri" panose="020F0502020204030204"/>
+              <a:ea typeface="+mn-ea"/>
+              <a:cs typeface="+mn-cs"/>
+            </a:endParaRPr>
+          </a:p>
+        </p:txBody>
+      </p:sp>
+      <p:sp>
+        <p:nvSpPr>
+          <p:cNvPr id="15" name="Rectangle 14">
+            <a:extLst>
+              <a:ext uri="{FF2B5EF4-FFF2-40B4-BE49-F238E27FC236}">
+                <a16:creationId xmlns:a16="http://schemas.microsoft.com/office/drawing/2014/main" id="{79F3C543-62EC-4433-9C93-A2CD8764E9B4}"/>
+              </a:ext>
+              <a:ext uri="{C183D7F6-B498-43B3-948B-1728B52AA6E4}">
+                <adec:decorative xmlns:adec="http://schemas.microsoft.com/office/drawing/2017/decorative" val="1"/>
+              </a:ext>
+            </a:extLst>
+          </p:cNvPr>
+          <p:cNvSpPr>
+            <a:spLocks noGrp="1" noRot="1" noChangeAspect="1" noMove="1" noResize="1" noEditPoints="1" noAdjustHandles="1" noChangeArrowheads="1" noChangeShapeType="1" noTextEdit="1"/>
+          </p:cNvSpPr>
+          <p:nvPr>
+            <p:extLst>
+              <p:ext uri="{386F3935-93C4-4BCD-93E2-E3B085C9AB24}">
+                <p16:designElem xmlns:p16="http://schemas.microsoft.com/office/powerpoint/2015/main" val="1"/>
+              </p:ext>
+            </p:extLst>
+          </p:nvPr>
+        </p:nvSpPr>
+        <p:spPr>
+          <a:xfrm flipV="1">
+            <a:off x="578652" y="4501201"/>
+            <a:ext cx="11034696" cy="18288"/>
+          </a:xfrm>
+          <a:prstGeom prst="rect">
+            <a:avLst/>
+          </a:prstGeom>
+          <a:solidFill>
+            <a:schemeClr val="tx2">
+              <a:lumMod val="25000"/>
+              <a:lumOff val="75000"/>
+            </a:schemeClr>
+          </a:solidFill>
+          <a:ln w="3175">
+            <a:noFill/>
+          </a:ln>
+          <a:effectLst/>
+        </p:spPr>
+        <p:style>
+          <a:lnRef idx="2">
+            <a:schemeClr val="accent1">
+              <a:shade val="50000"/>
+            </a:schemeClr>
+          </a:lnRef>
+          <a:fillRef idx="1">
+            <a:schemeClr val="accent1"/>
+          </a:fillRef>
+          <a:effectRef idx="0">
+            <a:schemeClr val="accent1"/>
+          </a:effectRef>
+          <a:fontRef idx="minor">
+            <a:schemeClr val="lt1"/>
+          </a:fontRef>
+        </p:style>
+        <p:txBody>
+          <a:bodyPr rtlCol="0" anchor="ctr"/>
+          <a:lstStyle/>
+          <a:p>
+            <a:pPr marL="0" marR="0" lvl="0" indent="0" algn="ctr" defTabSz="914400" rtl="0" eaLnBrk="1" fontAlgn="auto" latinLnBrk="0" hangingPunct="1">
+              <a:lnSpc>
+                <a:spcPct val="100000"/>
+              </a:lnSpc>
+              <a:spcBef>
+                <a:spcPts val="0"/>
+              </a:spcBef>
+              <a:spcAft>
+                <a:spcPts val="0"/>
+              </a:spcAft>
+              <a:buClrTx/>
+              <a:buSzTx/>
+              <a:buFontTx/>
+              <a:buNone/>
+              <a:tabLst/>
+              <a:defRPr/>
+            </a:pPr>
+            <a:endParaRPr kumimoji="0" lang="en-US" sz="1800" b="0" i="0" u="none" strike="noStrike" kern="1200" cap="none" spc="0" normalizeH="0" baseline="0" noProof="0">
+              <a:ln>
+                <a:noFill/>
+              </a:ln>
+              <a:solidFill>
+                <a:prstClr val="white"/>
+              </a:solidFill>
+              <a:effectLst/>
+              <a:uLnTx/>
+              <a:uFillTx/>
+              <a:latin typeface="Calibri" panose="020F0502020204030204"/>
+              <a:ea typeface="+mn-ea"/>
+              <a:cs typeface="+mn-cs"/>
+            </a:endParaRPr>
+          </a:p>
+        </p:txBody>
+      </p:sp>
+      <p:sp useBgFill="1">
+        <p:nvSpPr>
+          <p:cNvPr id="17" name="Rectangle 16">
+            <a:extLst>
+              <a:ext uri="{FF2B5EF4-FFF2-40B4-BE49-F238E27FC236}">
+                <a16:creationId xmlns:a16="http://schemas.microsoft.com/office/drawing/2014/main" id="{017517EF-BD4D-4055-BDB4-A322C53568AD}"/>
+              </a:ext>
+              <a:ext uri="{C183D7F6-B498-43B3-948B-1728B52AA6E4}">
+                <adec:decorative xmlns:adec="http://schemas.microsoft.com/office/drawing/2017/decorative" val="1"/>
+              </a:ext>
+            </a:extLst>
+          </p:cNvPr>
+          <p:cNvSpPr>
+            <a:spLocks noGrp="1" noRot="1" noChangeAspect="1" noMove="1" noResize="1" noEditPoints="1" noAdjustHandles="1" noChangeArrowheads="1" noChangeShapeType="1" noTextEdit="1"/>
+          </p:cNvSpPr>
+          <p:nvPr>
+            <p:extLst>
+              <p:ext uri="{386F3935-93C4-4BCD-93E2-E3B085C9AB24}">
+                <p16:designElem xmlns:p16="http://schemas.microsoft.com/office/powerpoint/2015/main" val="1"/>
+              </p:ext>
+            </p:extLst>
+          </p:nvPr>
+        </p:nvSpPr>
+        <p:spPr>
+          <a:xfrm>
+            <a:off x="0" y="0"/>
+            <a:ext cx="12192000" cy="6858000"/>
+          </a:xfrm>
+          <a:prstGeom prst="rect">
+            <a:avLst/>
+          </a:prstGeom>
+          <a:ln>
+            <a:noFill/>
+          </a:ln>
+        </p:spPr>
+        <p:style>
+          <a:lnRef idx="2">
+            <a:schemeClr val="accent1">
+              <a:shade val="50000"/>
+            </a:schemeClr>
+          </a:lnRef>
+          <a:fillRef idx="1">
+            <a:schemeClr val="accent1"/>
+          </a:fillRef>
+          <a:effectRef idx="0">
+            <a:schemeClr val="accent1"/>
+          </a:effectRef>
+          <a:fontRef idx="minor">
+            <a:schemeClr val="lt1"/>
+          </a:fontRef>
+        </p:style>
+        <p:txBody>
+          <a:bodyPr rtlCol="0" anchor="ctr"/>
+          <a:lstStyle/>
+          <a:p>
+            <a:pPr algn="ctr"/>
             <a:endParaRPr lang="en-US"/>
+          </a:p>
+        </p:txBody>
+      </p:sp>
+      <p:sp useBgFill="1">
+        <p:nvSpPr>
+          <p:cNvPr id="19" name="Rectangle 18">
+            <a:extLst>
+              <a:ext uri="{FF2B5EF4-FFF2-40B4-BE49-F238E27FC236}">
+                <a16:creationId xmlns:a16="http://schemas.microsoft.com/office/drawing/2014/main" id="{0ADDB668-2CA4-4D2B-9C34-3487CA330BA8}"/>
+              </a:ext>
+              <a:ext uri="{C183D7F6-B498-43B3-948B-1728B52AA6E4}">
+                <adec:decorative xmlns:adec="http://schemas.microsoft.com/office/drawing/2017/decorative" val="1"/>
+              </a:ext>
+            </a:extLst>
+          </p:cNvPr>
+          <p:cNvSpPr>
+            <a:spLocks noGrp="1" noRot="1" noChangeAspect="1" noMove="1" noResize="1" noEditPoints="1" noAdjustHandles="1" noChangeArrowheads="1" noChangeShapeType="1" noTextEdit="1"/>
+          </p:cNvSpPr>
+          <p:nvPr>
+            <p:extLst>
+              <p:ext uri="{386F3935-93C4-4BCD-93E2-E3B085C9AB24}">
+                <p16:designElem xmlns:p16="http://schemas.microsoft.com/office/powerpoint/2015/main" val="1"/>
+              </p:ext>
+            </p:extLst>
+          </p:nvPr>
+        </p:nvSpPr>
+        <p:spPr>
+          <a:xfrm>
+            <a:off x="551553" y="304802"/>
+            <a:ext cx="11097349" cy="1573149"/>
+          </a:xfrm>
+          <a:prstGeom prst="rect">
+            <a:avLst/>
+          </a:prstGeom>
+          <a:ln w="12700">
+            <a:solidFill>
+              <a:schemeClr val="tx2">
+                <a:lumMod val="10000"/>
+                <a:lumOff val="90000"/>
+              </a:schemeClr>
+            </a:solidFill>
+          </a:ln>
+          <a:effectLst>
+            <a:outerShdw blurRad="50800" dist="38100" dir="2700000" algn="tl" rotWithShape="0">
+              <a:schemeClr val="bg2">
+                <a:lumMod val="85000"/>
+                <a:alpha val="30000"/>
+              </a:schemeClr>
+            </a:outerShdw>
+          </a:effectLst>
+        </p:spPr>
+        <p:style>
+          <a:lnRef idx="2">
+            <a:schemeClr val="accent1">
+              <a:shade val="50000"/>
+            </a:schemeClr>
+          </a:lnRef>
+          <a:fillRef idx="1">
+            <a:schemeClr val="accent1"/>
+          </a:fillRef>
+          <a:effectRef idx="0">
+            <a:schemeClr val="accent1"/>
+          </a:effectRef>
+          <a:fontRef idx="minor">
+            <a:schemeClr val="lt1"/>
+          </a:fontRef>
+        </p:style>
+        <p:txBody>
+          <a:bodyPr rtlCol="0" anchor="ctr"/>
+          <a:lstStyle/>
+          <a:p>
+            <a:pPr marL="0" marR="0" lvl="0" indent="0" algn="ctr" defTabSz="914400" rtl="0" eaLnBrk="1" fontAlgn="auto" latinLnBrk="0" hangingPunct="1">
+              <a:lnSpc>
+                <a:spcPct val="100000"/>
+              </a:lnSpc>
+              <a:spcBef>
+                <a:spcPts val="0"/>
+              </a:spcBef>
+              <a:spcAft>
+                <a:spcPts val="0"/>
+              </a:spcAft>
+              <a:buClrTx/>
+              <a:buSzTx/>
+              <a:buFontTx/>
+              <a:buNone/>
+              <a:tabLst/>
+              <a:defRPr/>
+            </a:pPr>
+            <a:endParaRPr kumimoji="0" lang="en-US" sz="1800" b="0" i="0" u="none" strike="noStrike" kern="1200" cap="none" spc="0" normalizeH="0" baseline="0" noProof="0">
+              <a:ln>
+                <a:noFill/>
+              </a:ln>
+              <a:solidFill>
+                <a:prstClr val="white"/>
+              </a:solidFill>
+              <a:effectLst/>
+              <a:uLnTx/>
+              <a:uFillTx/>
+              <a:latin typeface="Calibri" panose="020F0502020204030204"/>
+              <a:ea typeface="+mn-ea"/>
+              <a:cs typeface="+mn-cs"/>
+            </a:endParaRPr>
+          </a:p>
+        </p:txBody>
+      </p:sp>
+      <p:sp>
+        <p:nvSpPr>
+          <p:cNvPr id="2" name="Titre 1">
+            <a:extLst>
+              <a:ext uri="{FF2B5EF4-FFF2-40B4-BE49-F238E27FC236}">
+                <a16:creationId xmlns:a16="http://schemas.microsoft.com/office/drawing/2014/main" id="{183CA210-FF80-5E5F-FE7B-15EAEA03DBAA}"/>
+              </a:ext>
+            </a:extLst>
+          </p:cNvPr>
+          <p:cNvSpPr>
+            <a:spLocks noGrp="1"/>
+          </p:cNvSpPr>
+          <p:nvPr>
+            <p:ph type="title"/>
+          </p:nvPr>
+        </p:nvSpPr>
+        <p:spPr>
+          <a:xfrm>
+            <a:off x="901690" y="405575"/>
+            <a:ext cx="6430414" cy="1371600"/>
+          </a:xfrm>
+        </p:spPr>
+        <p:txBody>
+          <a:bodyPr vert="horz" lIns="91440" tIns="45720" rIns="91440" bIns="45720" rtlCol="0" anchor="ctr">
+            <a:normAutofit/>
+          </a:bodyPr>
+          <a:lstStyle/>
+          <a:p>
+            <a:r>
+              <a:rPr lang="en-US"/>
+              <a:t>Exemples cas d’usages</a:t>
+            </a:r>
+          </a:p>
+        </p:txBody>
+      </p:sp>
+      <p:sp>
+        <p:nvSpPr>
+          <p:cNvPr id="21" name="Rectangle 20">
+            <a:extLst>
+              <a:ext uri="{FF2B5EF4-FFF2-40B4-BE49-F238E27FC236}">
+                <a16:creationId xmlns:a16="http://schemas.microsoft.com/office/drawing/2014/main" id="{2568BC19-F052-4108-93E1-6A3D1DEC072F}"/>
+              </a:ext>
+              <a:ext uri="{C183D7F6-B498-43B3-948B-1728B52AA6E4}">
+                <adec:decorative xmlns:adec="http://schemas.microsoft.com/office/drawing/2017/decorative" val="1"/>
+              </a:ext>
+            </a:extLst>
+          </p:cNvPr>
+          <p:cNvSpPr>
+            <a:spLocks noGrp="1" noRot="1" noChangeAspect="1" noMove="1" noResize="1" noEditPoints="1" noAdjustHandles="1" noChangeArrowheads="1" noChangeShapeType="1" noTextEdit="1"/>
+          </p:cNvSpPr>
+          <p:nvPr>
+            <p:extLst>
+              <p:ext uri="{386F3935-93C4-4BCD-93E2-E3B085C9AB24}">
+                <p16:designElem xmlns:p16="http://schemas.microsoft.com/office/powerpoint/2015/main" val="1"/>
+              </p:ext>
+            </p:extLst>
+          </p:nvPr>
+        </p:nvSpPr>
+        <p:spPr>
+          <a:xfrm>
+            <a:off x="494784" y="764424"/>
+            <a:ext cx="128016" cy="653903"/>
+          </a:xfrm>
+          <a:prstGeom prst="rect">
+            <a:avLst/>
+          </a:prstGeom>
+          <a:solidFill>
+            <a:schemeClr val="accent1"/>
+          </a:solidFill>
+          <a:ln>
+            <a:noFill/>
+          </a:ln>
+        </p:spPr>
+        <p:style>
+          <a:lnRef idx="2">
+            <a:schemeClr val="accent1">
+              <a:shade val="50000"/>
+            </a:schemeClr>
+          </a:lnRef>
+          <a:fillRef idx="1">
+            <a:schemeClr val="accent1"/>
+          </a:fillRef>
+          <a:effectRef idx="0">
+            <a:schemeClr val="accent1"/>
+          </a:effectRef>
+          <a:fontRef idx="minor">
+            <a:schemeClr val="lt1"/>
+          </a:fontRef>
+        </p:style>
+        <p:txBody>
+          <a:bodyPr rtlCol="0" anchor="ctr"/>
+          <a:lstStyle/>
+          <a:p>
+            <a:pPr marL="0" marR="0" lvl="0" indent="0" algn="ctr" defTabSz="914400" rtl="0" eaLnBrk="1" fontAlgn="auto" latinLnBrk="0" hangingPunct="1">
+              <a:lnSpc>
+                <a:spcPct val="100000"/>
+              </a:lnSpc>
+              <a:spcBef>
+                <a:spcPts val="0"/>
+              </a:spcBef>
+              <a:spcAft>
+                <a:spcPts val="0"/>
+              </a:spcAft>
+              <a:buClrTx/>
+              <a:buSzTx/>
+              <a:buFontTx/>
+              <a:buNone/>
+              <a:tabLst/>
+              <a:defRPr/>
+            </a:pPr>
+            <a:endParaRPr kumimoji="0" lang="en-US" sz="1800" b="0" i="0" u="none" strike="noStrike" kern="1200" cap="none" spc="0" normalizeH="0" baseline="0" noProof="0">
+              <a:ln>
+                <a:noFill/>
+              </a:ln>
+              <a:solidFill>
+                <a:prstClr val="white"/>
+              </a:solidFill>
+              <a:effectLst/>
+              <a:uLnTx/>
+              <a:uFillTx/>
+              <a:latin typeface="Calibri" panose="020F0502020204030204"/>
+              <a:ea typeface="+mn-ea"/>
+              <a:cs typeface="+mn-cs"/>
+            </a:endParaRPr>
+          </a:p>
+        </p:txBody>
+      </p:sp>
+      <p:sp>
+        <p:nvSpPr>
+          <p:cNvPr id="23" name="Rectangle 22">
+            <a:extLst>
+              <a:ext uri="{FF2B5EF4-FFF2-40B4-BE49-F238E27FC236}">
+                <a16:creationId xmlns:a16="http://schemas.microsoft.com/office/drawing/2014/main" id="{D5FD337D-4D6B-4C8B-B6F5-121097E09881}"/>
+              </a:ext>
+              <a:ext uri="{C183D7F6-B498-43B3-948B-1728B52AA6E4}">
+                <adec:decorative xmlns:adec="http://schemas.microsoft.com/office/drawing/2017/decorative" val="1"/>
+              </a:ext>
+            </a:extLst>
+          </p:cNvPr>
+          <p:cNvSpPr>
+            <a:spLocks noGrp="1" noRot="1" noChangeAspect="1" noMove="1" noResize="1" noEditPoints="1" noAdjustHandles="1" noChangeArrowheads="1" noChangeShapeType="1" noTextEdit="1"/>
+          </p:cNvSpPr>
+          <p:nvPr>
+            <p:extLst>
+              <p:ext uri="{386F3935-93C4-4BCD-93E2-E3B085C9AB24}">
+                <p16:designElem xmlns:p16="http://schemas.microsoft.com/office/powerpoint/2015/main" val="1"/>
+              </p:ext>
+            </p:extLst>
+          </p:nvPr>
+        </p:nvSpPr>
+        <p:spPr>
+          <a:xfrm rot="5400000">
+            <a:off x="7130604" y="1071836"/>
+            <a:ext cx="1021458" cy="9144"/>
+          </a:xfrm>
+          <a:prstGeom prst="rect">
+            <a:avLst/>
+          </a:prstGeom>
+          <a:solidFill>
+            <a:schemeClr val="tx2">
+              <a:lumMod val="25000"/>
+              <a:lumOff val="75000"/>
+            </a:schemeClr>
+          </a:solidFill>
+          <a:ln w="3175">
+            <a:noFill/>
+          </a:ln>
+          <a:effectLst/>
+        </p:spPr>
+        <p:style>
+          <a:lnRef idx="2">
+            <a:schemeClr val="accent1">
+              <a:shade val="50000"/>
+            </a:schemeClr>
+          </a:lnRef>
+          <a:fillRef idx="1">
+            <a:schemeClr val="accent1"/>
+          </a:fillRef>
+          <a:effectRef idx="0">
+            <a:schemeClr val="accent1"/>
+          </a:effectRef>
+          <a:fontRef idx="minor">
+            <a:schemeClr val="lt1"/>
+          </a:fontRef>
+        </p:style>
+        <p:txBody>
+          <a:bodyPr rtlCol="0" anchor="ctr"/>
+          <a:lstStyle/>
+          <a:p>
+            <a:pPr marL="0" marR="0" lvl="0" indent="0" algn="ctr" defTabSz="914400" rtl="0" eaLnBrk="1" fontAlgn="auto" latinLnBrk="0" hangingPunct="1">
+              <a:lnSpc>
+                <a:spcPct val="100000"/>
+              </a:lnSpc>
+              <a:spcBef>
+                <a:spcPts val="0"/>
+              </a:spcBef>
+              <a:spcAft>
+                <a:spcPts val="0"/>
+              </a:spcAft>
+              <a:buClrTx/>
+              <a:buSzTx/>
+              <a:buFontTx/>
+              <a:buNone/>
+              <a:tabLst/>
+              <a:defRPr/>
+            </a:pPr>
+            <a:endParaRPr kumimoji="0" lang="en-US" sz="1800" b="0" i="0" u="none" strike="noStrike" kern="1200" cap="none" spc="0" normalizeH="0" baseline="0" noProof="0">
+              <a:ln>
+                <a:noFill/>
+              </a:ln>
+              <a:solidFill>
+                <a:prstClr val="white"/>
+              </a:solidFill>
+              <a:effectLst/>
+              <a:uLnTx/>
+              <a:uFillTx/>
+              <a:latin typeface="Calibri" panose="020F0502020204030204"/>
+              <a:ea typeface="+mn-ea"/>
+              <a:cs typeface="+mn-cs"/>
+            </a:endParaRPr>
+          </a:p>
+        </p:txBody>
+      </p:sp>
+      <p:pic>
+        <p:nvPicPr>
+          <p:cNvPr id="8" name="Espace réservé du contenu 7">
+            <a:extLst>
+              <a:ext uri="{FF2B5EF4-FFF2-40B4-BE49-F238E27FC236}">
+                <a16:creationId xmlns:a16="http://schemas.microsoft.com/office/drawing/2014/main" id="{9F673349-9FE5-C9E3-3971-1DA1047D811B}"/>
+              </a:ext>
+            </a:extLst>
+          </p:cNvPr>
+          <p:cNvPicPr>
+            <a:picLocks noGrp="1" noChangeAspect="1"/>
+          </p:cNvPicPr>
+          <p:nvPr>
+            <p:ph idx="1"/>
+          </p:nvPr>
+        </p:nvPicPr>
+        <p:blipFill>
+          <a:blip r:embed="rId2">
+            <a:extLst>
+              <a:ext uri="{28A0092B-C50C-407E-A947-70E740481C1C}">
+                <a14:useLocalDpi xmlns:a14="http://schemas.microsoft.com/office/drawing/2010/main" val="0"/>
+              </a:ext>
+            </a:extLst>
+          </a:blip>
+          <a:stretch>
+            <a:fillRect/>
+          </a:stretch>
+        </p:blipFill>
+        <p:spPr>
+          <a:xfrm>
+            <a:off x="1738934" y="2091095"/>
+            <a:ext cx="8717597" cy="4206240"/>
+          </a:xfrm>
+          <a:prstGeom prst="rect">
+            <a:avLst/>
+          </a:prstGeom>
+        </p:spPr>
+      </p:pic>
+      <p:sp>
+        <p:nvSpPr>
+          <p:cNvPr id="4" name="Espace réservé du numéro de diapositive 3">
+            <a:extLst>
+              <a:ext uri="{FF2B5EF4-FFF2-40B4-BE49-F238E27FC236}">
+                <a16:creationId xmlns:a16="http://schemas.microsoft.com/office/drawing/2014/main" id="{A6219BC6-BEF2-9402-5374-72A41697B27E}"/>
+              </a:ext>
+            </a:extLst>
+          </p:cNvPr>
+          <p:cNvSpPr>
+            <a:spLocks noGrp="1"/>
+          </p:cNvSpPr>
+          <p:nvPr>
+            <p:ph type="sldNum" sz="quarter" idx="12"/>
+          </p:nvPr>
+        </p:nvSpPr>
+        <p:spPr>
+          <a:xfrm>
+            <a:off x="8869680" y="6356350"/>
+            <a:ext cx="2743200" cy="365125"/>
+          </a:xfrm>
+        </p:spPr>
+        <p:txBody>
+          <a:bodyPr vert="horz" lIns="91440" tIns="45720" rIns="91440" bIns="45720" rtlCol="0" anchor="ctr">
+            <a:normAutofit/>
+          </a:bodyPr>
+          <a:lstStyle/>
+          <a:p>
+            <a:pPr>
+              <a:spcAft>
+                <a:spcPts val="600"/>
+              </a:spcAft>
+            </a:pPr>
+            <a:fld id="{B2DC25EE-239B-4C5F-AAD1-255A7D5F1EE2}" type="slidenum">
+              <a:rPr lang="en-US">
+                <a:solidFill>
+                  <a:schemeClr val="tx2">
+                    <a:lumMod val="50000"/>
+                    <a:lumOff val="50000"/>
+                  </a:schemeClr>
+                </a:solidFill>
+              </a:rPr>
+              <a:pPr>
+                <a:spcAft>
+                  <a:spcPts val="600"/>
+                </a:spcAft>
+              </a:pPr>
+              <a:t>7</a:t>
+            </a:fld>
+            <a:endParaRPr lang="en-US">
+              <a:solidFill>
+                <a:schemeClr val="tx2">
+                  <a:lumMod val="50000"/>
+                  <a:lumOff val="50000"/>
+                </a:schemeClr>
+              </a:solidFill>
+            </a:endParaRPr>
           </a:p>
         </p:txBody>
       </p:sp>
@@ -11191,7 +12795,7 @@
 </p:sld>
 </file>
 
-<file path=ppt/slides/slide7.xml><?xml version="1.0" encoding="utf-8"?>
+<file path=ppt/slides/slide8.xml><?xml version="1.0" encoding="utf-8"?>
 <p:sld xmlns:a="http://schemas.openxmlformats.org/drawingml/2006/main" xmlns:r="http://schemas.openxmlformats.org/officeDocument/2006/relationships" xmlns:p="http://schemas.openxmlformats.org/presentationml/2006/main">
   <p:cSld>
     <p:bg>
@@ -11801,7 +13405,7 @@
                   <a:spcPts val="600"/>
                 </a:spcAft>
               </a:pPr>
-              <a:t>7</a:t>
+              <a:t>8</a:t>
             </a:fld>
             <a:endParaRPr lang="en-US">
               <a:solidFill>
@@ -11818,118 +13422,6 @@
     <p:extLst>
       <p:ext uri="{BB962C8B-B14F-4D97-AF65-F5344CB8AC3E}">
         <p14:creationId xmlns:p14="http://schemas.microsoft.com/office/powerpoint/2010/main" val="1278490531"/>
-      </p:ext>
-    </p:extLst>
-  </p:cSld>
-  <p:clrMapOvr>
-    <a:masterClrMapping/>
-  </p:clrMapOvr>
-</p:sld>
-</file>
-
-<file path=ppt/slides/slide8.xml><?xml version="1.0" encoding="utf-8"?>
-<p:sld xmlns:a="http://schemas.openxmlformats.org/drawingml/2006/main" xmlns:r="http://schemas.openxmlformats.org/officeDocument/2006/relationships" xmlns:p="http://schemas.openxmlformats.org/presentationml/2006/main">
-  <p:cSld>
-    <p:spTree>
-      <p:nvGrpSpPr>
-        <p:cNvPr id="1" name=""/>
-        <p:cNvGrpSpPr/>
-        <p:nvPr/>
-      </p:nvGrpSpPr>
-      <p:grpSpPr>
-        <a:xfrm>
-          <a:off x="0" y="0"/>
-          <a:ext cx="0" cy="0"/>
-          <a:chOff x="0" y="0"/>
-          <a:chExt cx="0" cy="0"/>
-        </a:xfrm>
-      </p:grpSpPr>
-      <p:sp>
-        <p:nvSpPr>
-          <p:cNvPr id="2" name="Titre 1">
-            <a:extLst>
-              <a:ext uri="{FF2B5EF4-FFF2-40B4-BE49-F238E27FC236}">
-                <a16:creationId xmlns:a16="http://schemas.microsoft.com/office/drawing/2014/main" id="{183CA210-FF80-5E5F-FE7B-15EAEA03DBAA}"/>
-              </a:ext>
-            </a:extLst>
-          </p:cNvPr>
-          <p:cNvSpPr>
-            <a:spLocks noGrp="1"/>
-          </p:cNvSpPr>
-          <p:nvPr>
-            <p:ph type="title"/>
-          </p:nvPr>
-        </p:nvSpPr>
-        <p:spPr/>
-        <p:txBody>
-          <a:bodyPr/>
-          <a:lstStyle/>
-          <a:p>
-            <a:r>
-              <a:rPr lang="fr-FR" dirty="0"/>
-              <a:t>Déploiement sur une VM</a:t>
-            </a:r>
-          </a:p>
-        </p:txBody>
-      </p:sp>
-      <p:sp>
-        <p:nvSpPr>
-          <p:cNvPr id="3" name="Espace réservé du contenu 2">
-            <a:extLst>
-              <a:ext uri="{FF2B5EF4-FFF2-40B4-BE49-F238E27FC236}">
-                <a16:creationId xmlns:a16="http://schemas.microsoft.com/office/drawing/2014/main" id="{982FC354-B56A-2BD1-FB00-8591C2E6B6EF}"/>
-              </a:ext>
-            </a:extLst>
-          </p:cNvPr>
-          <p:cNvSpPr>
-            <a:spLocks noGrp="1"/>
-          </p:cNvSpPr>
-          <p:nvPr>
-            <p:ph idx="1"/>
-          </p:nvPr>
-        </p:nvSpPr>
-        <p:spPr/>
-        <p:txBody>
-          <a:bodyPr/>
-          <a:lstStyle/>
-          <a:p>
-            <a:endParaRPr lang="fr-FR"/>
-          </a:p>
-        </p:txBody>
-      </p:sp>
-      <p:sp>
-        <p:nvSpPr>
-          <p:cNvPr id="4" name="Espace réservé du numéro de diapositive 3">
-            <a:extLst>
-              <a:ext uri="{FF2B5EF4-FFF2-40B4-BE49-F238E27FC236}">
-                <a16:creationId xmlns:a16="http://schemas.microsoft.com/office/drawing/2014/main" id="{A6219BC6-BEF2-9402-5374-72A41697B27E}"/>
-              </a:ext>
-            </a:extLst>
-          </p:cNvPr>
-          <p:cNvSpPr>
-            <a:spLocks noGrp="1"/>
-          </p:cNvSpPr>
-          <p:nvPr>
-            <p:ph type="sldNum" sz="quarter" idx="12"/>
-          </p:nvPr>
-        </p:nvSpPr>
-        <p:spPr/>
-        <p:txBody>
-          <a:bodyPr/>
-          <a:lstStyle/>
-          <a:p>
-            <a:fld id="{B2DC25EE-239B-4C5F-AAD1-255A7D5F1EE2}" type="slidenum">
-              <a:rPr lang="en-US" smtClean="0"/>
-              <a:t>8</a:t>
-            </a:fld>
-            <a:endParaRPr lang="en-US"/>
-          </a:p>
-        </p:txBody>
-      </p:sp>
-    </p:spTree>
-    <p:extLst>
-      <p:ext uri="{BB962C8B-B14F-4D97-AF65-F5344CB8AC3E}">
-        <p14:creationId xmlns:p14="http://schemas.microsoft.com/office/powerpoint/2010/main" val="3564188170"/>
       </p:ext>
     </p:extLst>
   </p:cSld>
@@ -11978,13 +13470,10 @@
           <a:lstStyle/>
           <a:p>
             <a:r>
-              <a:rPr lang="fr-FR" dirty="0" err="1"/>
-              <a:t>Dataset</a:t>
+              <a:rPr lang="fr-FR"/>
+              <a:t>Déploiement sur une VM</a:t>
             </a:r>
-            <a:r>
-              <a:rPr lang="fr-FR" dirty="0"/>
-              <a:t> utilisé</a:t>
-            </a:r>
+            <a:endParaRPr lang="fr-FR" dirty="0"/>
           </a:p>
         </p:txBody>
       </p:sp>
@@ -12045,7 +13534,7 @@
     </p:spTree>
     <p:extLst>
       <p:ext uri="{BB962C8B-B14F-4D97-AF65-F5344CB8AC3E}">
-        <p14:creationId xmlns:p14="http://schemas.microsoft.com/office/powerpoint/2010/main" val="2930798592"/>
+        <p14:creationId xmlns:p14="http://schemas.microsoft.com/office/powerpoint/2010/main" val="3564188170"/>
       </p:ext>
     </p:extLst>
   </p:cSld>

--- a/Presentation Neo4j.pptx
+++ b/Presentation Neo4j.pptx
@@ -5,7 +5,7 @@
     <p:sldMasterId id="2147483736" r:id="rId1"/>
   </p:sldMasterIdLst>
   <p:notesMasterIdLst>
-    <p:notesMasterId r:id="rId14"/>
+    <p:notesMasterId r:id="rId28"/>
   </p:notesMasterIdLst>
   <p:sldIdLst>
     <p:sldId id="256" r:id="rId2"/>
@@ -14,12 +14,26 @@
     <p:sldId id="258" r:id="rId5"/>
     <p:sldId id="259" r:id="rId6"/>
     <p:sldId id="267" r:id="rId7"/>
-    <p:sldId id="260" r:id="rId8"/>
-    <p:sldId id="262" r:id="rId9"/>
-    <p:sldId id="263" r:id="rId10"/>
-    <p:sldId id="264" r:id="rId11"/>
-    <p:sldId id="265" r:id="rId12"/>
-    <p:sldId id="266" r:id="rId13"/>
+    <p:sldId id="277" r:id="rId8"/>
+    <p:sldId id="278" r:id="rId9"/>
+    <p:sldId id="276" r:id="rId10"/>
+    <p:sldId id="260" r:id="rId11"/>
+    <p:sldId id="275" r:id="rId12"/>
+    <p:sldId id="279" r:id="rId13"/>
+    <p:sldId id="280" r:id="rId14"/>
+    <p:sldId id="281" r:id="rId15"/>
+    <p:sldId id="262" r:id="rId16"/>
+    <p:sldId id="263" r:id="rId17"/>
+    <p:sldId id="268" r:id="rId18"/>
+    <p:sldId id="269" r:id="rId19"/>
+    <p:sldId id="270" r:id="rId20"/>
+    <p:sldId id="271" r:id="rId21"/>
+    <p:sldId id="272" r:id="rId22"/>
+    <p:sldId id="273" r:id="rId23"/>
+    <p:sldId id="264" r:id="rId24"/>
+    <p:sldId id="274" r:id="rId25"/>
+    <p:sldId id="265" r:id="rId26"/>
+    <p:sldId id="266" r:id="rId27"/>
   </p:sldIdLst>
   <p:sldSz cx="12192000" cy="6858000"/>
   <p:notesSz cx="6858000" cy="9144000"/>
@@ -3395,7 +3409,7 @@
           <a:p>
             <a:fld id="{57DD50D6-A448-4182-937E-B5B1B4DF3F21}" type="datetimeFigureOut">
               <a:rPr lang="fr-FR" smtClean="0"/>
-              <a:t>16/09/2022</a:t>
+              <a:t>19/09/2022</a:t>
             </a:fld>
             <a:endParaRPr lang="fr-FR"/>
           </a:p>
@@ -3818,7 +3832,7 @@
           <a:p>
             <a:fld id="{DE25BE92-EB60-4FE5-8615-4A9A8462ED9C}" type="datetime1">
               <a:rPr lang="en-US" smtClean="0"/>
-              <a:t>9/16/2022</a:t>
+              <a:t>9/19/2022</a:t>
             </a:fld>
             <a:endParaRPr lang="en-US" dirty="0"/>
           </a:p>
@@ -4188,7 +4202,7 @@
           <a:p>
             <a:fld id="{C82BD66B-7F9B-49AA-A00E-8E82001396BA}" type="datetime1">
               <a:rPr lang="en-US" smtClean="0"/>
-              <a:t>9/16/2022</a:t>
+              <a:t>9/19/2022</a:t>
             </a:fld>
             <a:endParaRPr lang="en-US"/>
           </a:p>
@@ -4397,7 +4411,7 @@
           <a:p>
             <a:fld id="{A327B49F-1CF2-490B-A431-23A536407D1D}" type="datetime1">
               <a:rPr lang="en-US" smtClean="0"/>
-              <a:t>9/16/2022</a:t>
+              <a:t>9/19/2022</a:t>
             </a:fld>
             <a:endParaRPr lang="en-US"/>
           </a:p>
@@ -4867,7 +4881,7 @@
           <a:p>
             <a:fld id="{6F2039AA-7E15-4643-B0EB-B9FED4D6E91F}" type="datetime1">
               <a:rPr lang="en-US" smtClean="0"/>
-              <a:t>9/16/2022</a:t>
+              <a:t>9/19/2022</a:t>
             </a:fld>
             <a:endParaRPr lang="en-US"/>
           </a:p>
@@ -5321,7 +5335,7 @@
           <a:p>
             <a:fld id="{7FE17E9A-2783-4F1D-9C0D-E3240889D202}" type="datetime1">
               <a:rPr lang="en-US" smtClean="0"/>
-              <a:t>9/16/2022</a:t>
+              <a:t>9/19/2022</a:t>
             </a:fld>
             <a:endParaRPr lang="en-US"/>
           </a:p>
@@ -5853,7 +5867,7 @@
           <a:p>
             <a:fld id="{4C7AB43C-056A-4021-A12E-4AE1C9E9B48B}" type="datetime1">
               <a:rPr lang="en-US" smtClean="0"/>
-              <a:t>9/16/2022</a:t>
+              <a:t>9/19/2022</a:t>
             </a:fld>
             <a:endParaRPr lang="en-US"/>
           </a:p>
@@ -6552,7 +6566,7 @@
           <a:p>
             <a:fld id="{8F23C450-0A0C-44E1-AB66-83AD2A76A3DF}" type="datetime1">
               <a:rPr lang="en-US" smtClean="0"/>
-              <a:t>9/16/2022</a:t>
+              <a:t>9/19/2022</a:t>
             </a:fld>
             <a:endParaRPr lang="en-US"/>
           </a:p>
@@ -6881,7 +6895,7 @@
           <a:p>
             <a:fld id="{6FB23028-3328-45D4-861F-0E44FEB0FEDF}" type="datetime1">
               <a:rPr lang="en-US" smtClean="0"/>
-              <a:t>9/16/2022</a:t>
+              <a:t>9/19/2022</a:t>
             </a:fld>
             <a:endParaRPr lang="en-US"/>
           </a:p>
@@ -6994,7 +7008,7 @@
           <a:p>
             <a:fld id="{F6E255AE-D88A-4198-83B5-756D2ED2CFC9}" type="datetime1">
               <a:rPr lang="en-US" smtClean="0"/>
-              <a:t>9/16/2022</a:t>
+              <a:t>9/19/2022</a:t>
             </a:fld>
             <a:endParaRPr lang="en-US"/>
           </a:p>
@@ -7489,7 +7503,7 @@
           <a:p>
             <a:fld id="{6AC0E5FD-A87C-4729-A76C-0E7C3F57C044}" type="datetime1">
               <a:rPr lang="en-US" smtClean="0"/>
-              <a:t>9/16/2022</a:t>
+              <a:t>9/19/2022</a:t>
             </a:fld>
             <a:endParaRPr lang="en-US" dirty="0"/>
           </a:p>
@@ -7966,7 +7980,7 @@
           <a:p>
             <a:fld id="{22C54B26-48FF-4E4F-A99D-A5B789B0B68C}" type="datetime1">
               <a:rPr lang="en-US" smtClean="0"/>
-              <a:t>9/16/2022</a:t>
+              <a:t>9/19/2022</a:t>
             </a:fld>
             <a:endParaRPr lang="en-US"/>
           </a:p>
@@ -8209,7 +8223,7 @@
           <a:p>
             <a:fld id="{80F3945E-7540-4CE5-A5F1-EE76EA4BCDBE}" type="datetime1">
               <a:rPr lang="en-US" smtClean="0"/>
-              <a:t>9/16/2022</a:t>
+              <a:t>9/19/2022</a:t>
             </a:fld>
             <a:endParaRPr lang="en-US"/>
           </a:p>
@@ -9131,234 +9145,6 @@
 <file path=ppt/slides/slide10.xml><?xml version="1.0" encoding="utf-8"?>
 <p:sld xmlns:a="http://schemas.openxmlformats.org/drawingml/2006/main" xmlns:r="http://schemas.openxmlformats.org/officeDocument/2006/relationships" xmlns:p="http://schemas.openxmlformats.org/presentationml/2006/main">
   <p:cSld>
-    <p:spTree>
-      <p:nvGrpSpPr>
-        <p:cNvPr id="1" name=""/>
-        <p:cNvGrpSpPr/>
-        <p:nvPr/>
-      </p:nvGrpSpPr>
-      <p:grpSpPr>
-        <a:xfrm>
-          <a:off x="0" y="0"/>
-          <a:ext cx="0" cy="0"/>
-          <a:chOff x="0" y="0"/>
-          <a:chExt cx="0" cy="0"/>
-        </a:xfrm>
-      </p:grpSpPr>
-      <p:sp>
-        <p:nvSpPr>
-          <p:cNvPr id="2" name="Titre 1">
-            <a:extLst>
-              <a:ext uri="{FF2B5EF4-FFF2-40B4-BE49-F238E27FC236}">
-                <a16:creationId xmlns:a16="http://schemas.microsoft.com/office/drawing/2014/main" id="{183CA210-FF80-5E5F-FE7B-15EAEA03DBAA}"/>
-              </a:ext>
-            </a:extLst>
-          </p:cNvPr>
-          <p:cNvSpPr>
-            <a:spLocks noGrp="1"/>
-          </p:cNvSpPr>
-          <p:nvPr>
-            <p:ph type="title"/>
-          </p:nvPr>
-        </p:nvSpPr>
-        <p:spPr/>
-        <p:txBody>
-          <a:bodyPr/>
-          <a:lstStyle/>
-          <a:p>
-            <a:r>
-              <a:rPr lang="fr-FR" dirty="0" err="1"/>
-              <a:t>Dataset</a:t>
-            </a:r>
-            <a:r>
-              <a:rPr lang="fr-FR" dirty="0"/>
-              <a:t> utilisé</a:t>
-            </a:r>
-          </a:p>
-        </p:txBody>
-      </p:sp>
-      <p:sp>
-        <p:nvSpPr>
-          <p:cNvPr id="3" name="Espace réservé du contenu 2">
-            <a:extLst>
-              <a:ext uri="{FF2B5EF4-FFF2-40B4-BE49-F238E27FC236}">
-                <a16:creationId xmlns:a16="http://schemas.microsoft.com/office/drawing/2014/main" id="{982FC354-B56A-2BD1-FB00-8591C2E6B6EF}"/>
-              </a:ext>
-            </a:extLst>
-          </p:cNvPr>
-          <p:cNvSpPr>
-            <a:spLocks noGrp="1"/>
-          </p:cNvSpPr>
-          <p:nvPr>
-            <p:ph idx="1"/>
-          </p:nvPr>
-        </p:nvSpPr>
-        <p:spPr/>
-        <p:txBody>
-          <a:bodyPr/>
-          <a:lstStyle/>
-          <a:p>
-            <a:endParaRPr lang="fr-FR"/>
-          </a:p>
-        </p:txBody>
-      </p:sp>
-      <p:sp>
-        <p:nvSpPr>
-          <p:cNvPr id="4" name="Espace réservé du numéro de diapositive 3">
-            <a:extLst>
-              <a:ext uri="{FF2B5EF4-FFF2-40B4-BE49-F238E27FC236}">
-                <a16:creationId xmlns:a16="http://schemas.microsoft.com/office/drawing/2014/main" id="{A6219BC6-BEF2-9402-5374-72A41697B27E}"/>
-              </a:ext>
-            </a:extLst>
-          </p:cNvPr>
-          <p:cNvSpPr>
-            <a:spLocks noGrp="1"/>
-          </p:cNvSpPr>
-          <p:nvPr>
-            <p:ph type="sldNum" sz="quarter" idx="12"/>
-          </p:nvPr>
-        </p:nvSpPr>
-        <p:spPr/>
-        <p:txBody>
-          <a:bodyPr/>
-          <a:lstStyle/>
-          <a:p>
-            <a:fld id="{B2DC25EE-239B-4C5F-AAD1-255A7D5F1EE2}" type="slidenum">
-              <a:rPr lang="en-US" smtClean="0"/>
-              <a:t>10</a:t>
-            </a:fld>
-            <a:endParaRPr lang="en-US"/>
-          </a:p>
-        </p:txBody>
-      </p:sp>
-    </p:spTree>
-    <p:extLst>
-      <p:ext uri="{BB962C8B-B14F-4D97-AF65-F5344CB8AC3E}">
-        <p14:creationId xmlns:p14="http://schemas.microsoft.com/office/powerpoint/2010/main" val="2930798592"/>
-      </p:ext>
-    </p:extLst>
-  </p:cSld>
-  <p:clrMapOvr>
-    <a:masterClrMapping/>
-  </p:clrMapOvr>
-</p:sld>
-</file>
-
-<file path=ppt/slides/slide11.xml><?xml version="1.0" encoding="utf-8"?>
-<p:sld xmlns:a="http://schemas.openxmlformats.org/drawingml/2006/main" xmlns:r="http://schemas.openxmlformats.org/officeDocument/2006/relationships" xmlns:p="http://schemas.openxmlformats.org/presentationml/2006/main">
-  <p:cSld>
-    <p:spTree>
-      <p:nvGrpSpPr>
-        <p:cNvPr id="1" name=""/>
-        <p:cNvGrpSpPr/>
-        <p:nvPr/>
-      </p:nvGrpSpPr>
-      <p:grpSpPr>
-        <a:xfrm>
-          <a:off x="0" y="0"/>
-          <a:ext cx="0" cy="0"/>
-          <a:chOff x="0" y="0"/>
-          <a:chExt cx="0" cy="0"/>
-        </a:xfrm>
-      </p:grpSpPr>
-      <p:sp>
-        <p:nvSpPr>
-          <p:cNvPr id="2" name="Titre 1">
-            <a:extLst>
-              <a:ext uri="{FF2B5EF4-FFF2-40B4-BE49-F238E27FC236}">
-                <a16:creationId xmlns:a16="http://schemas.microsoft.com/office/drawing/2014/main" id="{183CA210-FF80-5E5F-FE7B-15EAEA03DBAA}"/>
-              </a:ext>
-            </a:extLst>
-          </p:cNvPr>
-          <p:cNvSpPr>
-            <a:spLocks noGrp="1"/>
-          </p:cNvSpPr>
-          <p:nvPr>
-            <p:ph type="title"/>
-          </p:nvPr>
-        </p:nvSpPr>
-        <p:spPr/>
-        <p:txBody>
-          <a:bodyPr/>
-          <a:lstStyle/>
-          <a:p>
-            <a:r>
-              <a:rPr lang="fr-FR" dirty="0"/>
-              <a:t>Création du graphe</a:t>
-            </a:r>
-          </a:p>
-        </p:txBody>
-      </p:sp>
-      <p:sp>
-        <p:nvSpPr>
-          <p:cNvPr id="3" name="Espace réservé du contenu 2">
-            <a:extLst>
-              <a:ext uri="{FF2B5EF4-FFF2-40B4-BE49-F238E27FC236}">
-                <a16:creationId xmlns:a16="http://schemas.microsoft.com/office/drawing/2014/main" id="{982FC354-B56A-2BD1-FB00-8591C2E6B6EF}"/>
-              </a:ext>
-            </a:extLst>
-          </p:cNvPr>
-          <p:cNvSpPr>
-            <a:spLocks noGrp="1"/>
-          </p:cNvSpPr>
-          <p:nvPr>
-            <p:ph idx="1"/>
-          </p:nvPr>
-        </p:nvSpPr>
-        <p:spPr/>
-        <p:txBody>
-          <a:bodyPr/>
-          <a:lstStyle/>
-          <a:p>
-            <a:endParaRPr lang="fr-FR"/>
-          </a:p>
-        </p:txBody>
-      </p:sp>
-      <p:sp>
-        <p:nvSpPr>
-          <p:cNvPr id="4" name="Espace réservé du numéro de diapositive 3">
-            <a:extLst>
-              <a:ext uri="{FF2B5EF4-FFF2-40B4-BE49-F238E27FC236}">
-                <a16:creationId xmlns:a16="http://schemas.microsoft.com/office/drawing/2014/main" id="{A6219BC6-BEF2-9402-5374-72A41697B27E}"/>
-              </a:ext>
-            </a:extLst>
-          </p:cNvPr>
-          <p:cNvSpPr>
-            <a:spLocks noGrp="1"/>
-          </p:cNvSpPr>
-          <p:nvPr>
-            <p:ph type="sldNum" sz="quarter" idx="12"/>
-          </p:nvPr>
-        </p:nvSpPr>
-        <p:spPr/>
-        <p:txBody>
-          <a:bodyPr/>
-          <a:lstStyle/>
-          <a:p>
-            <a:fld id="{B2DC25EE-239B-4C5F-AAD1-255A7D5F1EE2}" type="slidenum">
-              <a:rPr lang="en-US" smtClean="0"/>
-              <a:t>11</a:t>
-            </a:fld>
-            <a:endParaRPr lang="en-US"/>
-          </a:p>
-        </p:txBody>
-      </p:sp>
-    </p:spTree>
-    <p:extLst>
-      <p:ext uri="{BB962C8B-B14F-4D97-AF65-F5344CB8AC3E}">
-        <p14:creationId xmlns:p14="http://schemas.microsoft.com/office/powerpoint/2010/main" val="3919073707"/>
-      </p:ext>
-    </p:extLst>
-  </p:cSld>
-  <p:clrMapOvr>
-    <a:masterClrMapping/>
-  </p:clrMapOvr>
-</p:sld>
-</file>
-
-<file path=ppt/slides/slide12.xml><?xml version="1.0" encoding="utf-8"?>
-<p:sld xmlns:a="http://schemas.openxmlformats.org/drawingml/2006/main" xmlns:r="http://schemas.openxmlformats.org/officeDocument/2006/relationships" xmlns:p="http://schemas.openxmlformats.org/presentationml/2006/main">
-  <p:cSld>
     <p:bg>
       <p:bgPr>
         <a:solidFill>
@@ -9574,7 +9360,7 @@
           <p:cNvPr id="17" name="Rectangle 16">
             <a:extLst>
               <a:ext uri="{FF2B5EF4-FFF2-40B4-BE49-F238E27FC236}">
-                <a16:creationId xmlns:a16="http://schemas.microsoft.com/office/drawing/2014/main" id="{C1A1C5D3-C053-4EE9-BE1A-419B6E27CCAE}"/>
+                <a16:creationId xmlns:a16="http://schemas.microsoft.com/office/drawing/2014/main" id="{017517EF-BD4D-4055-BDB4-A322C53568AD}"/>
               </a:ext>
               <a:ext uri="{C183D7F6-B498-43B3-948B-1728B52AA6E4}">
                 <adec:decorative xmlns:adec="http://schemas.microsoft.com/office/drawing/2017/decorative" val="1"/>
@@ -9632,6 +9418,1502 @@
       <p:sp useBgFill="1">
         <p:nvSpPr>
           <p:cNvPr id="19" name="Rectangle 18">
+            <a:extLst>
+              <a:ext uri="{FF2B5EF4-FFF2-40B4-BE49-F238E27FC236}">
+                <a16:creationId xmlns:a16="http://schemas.microsoft.com/office/drawing/2014/main" id="{0ADDB668-2CA4-4D2B-9C34-3487CA330BA8}"/>
+              </a:ext>
+              <a:ext uri="{C183D7F6-B498-43B3-948B-1728B52AA6E4}">
+                <adec:decorative xmlns:adec="http://schemas.microsoft.com/office/drawing/2017/decorative" val="1"/>
+              </a:ext>
+            </a:extLst>
+          </p:cNvPr>
+          <p:cNvSpPr>
+            <a:spLocks noGrp="1" noRot="1" noChangeAspect="1" noMove="1" noResize="1" noEditPoints="1" noAdjustHandles="1" noChangeArrowheads="1" noChangeShapeType="1" noTextEdit="1"/>
+          </p:cNvSpPr>
+          <p:nvPr>
+            <p:extLst>
+              <p:ext uri="{386F3935-93C4-4BCD-93E2-E3B085C9AB24}">
+                <p16:designElem xmlns:p16="http://schemas.microsoft.com/office/powerpoint/2015/main" val="1"/>
+              </p:ext>
+            </p:extLst>
+          </p:nvPr>
+        </p:nvSpPr>
+        <p:spPr>
+          <a:xfrm>
+            <a:off x="551553" y="304802"/>
+            <a:ext cx="11097349" cy="1573149"/>
+          </a:xfrm>
+          <a:prstGeom prst="rect">
+            <a:avLst/>
+          </a:prstGeom>
+          <a:ln w="12700">
+            <a:solidFill>
+              <a:schemeClr val="tx2">
+                <a:lumMod val="10000"/>
+                <a:lumOff val="90000"/>
+              </a:schemeClr>
+            </a:solidFill>
+          </a:ln>
+          <a:effectLst>
+            <a:outerShdw blurRad="50800" dist="38100" dir="2700000" algn="tl" rotWithShape="0">
+              <a:schemeClr val="bg2">
+                <a:lumMod val="85000"/>
+                <a:alpha val="30000"/>
+              </a:schemeClr>
+            </a:outerShdw>
+          </a:effectLst>
+        </p:spPr>
+        <p:style>
+          <a:lnRef idx="2">
+            <a:schemeClr val="accent1">
+              <a:shade val="50000"/>
+            </a:schemeClr>
+          </a:lnRef>
+          <a:fillRef idx="1">
+            <a:schemeClr val="accent1"/>
+          </a:fillRef>
+          <a:effectRef idx="0">
+            <a:schemeClr val="accent1"/>
+          </a:effectRef>
+          <a:fontRef idx="minor">
+            <a:schemeClr val="lt1"/>
+          </a:fontRef>
+        </p:style>
+        <p:txBody>
+          <a:bodyPr rtlCol="0" anchor="ctr"/>
+          <a:lstStyle/>
+          <a:p>
+            <a:pPr marL="0" marR="0" lvl="0" indent="0" algn="ctr" defTabSz="914400" rtl="0" eaLnBrk="1" fontAlgn="auto" latinLnBrk="0" hangingPunct="1">
+              <a:lnSpc>
+                <a:spcPct val="100000"/>
+              </a:lnSpc>
+              <a:spcBef>
+                <a:spcPts val="0"/>
+              </a:spcBef>
+              <a:spcAft>
+                <a:spcPts val="0"/>
+              </a:spcAft>
+              <a:buClrTx/>
+              <a:buSzTx/>
+              <a:buFontTx/>
+              <a:buNone/>
+              <a:tabLst/>
+              <a:defRPr/>
+            </a:pPr>
+            <a:endParaRPr kumimoji="0" lang="en-US" sz="1800" b="0" i="0" u="none" strike="noStrike" kern="1200" cap="none" spc="0" normalizeH="0" baseline="0" noProof="0">
+              <a:ln>
+                <a:noFill/>
+              </a:ln>
+              <a:solidFill>
+                <a:prstClr val="white"/>
+              </a:solidFill>
+              <a:effectLst/>
+              <a:uLnTx/>
+              <a:uFillTx/>
+              <a:latin typeface="Calibri" panose="020F0502020204030204"/>
+              <a:ea typeface="+mn-ea"/>
+              <a:cs typeface="+mn-cs"/>
+            </a:endParaRPr>
+          </a:p>
+        </p:txBody>
+      </p:sp>
+      <p:sp>
+        <p:nvSpPr>
+          <p:cNvPr id="2" name="Titre 1">
+            <a:extLst>
+              <a:ext uri="{FF2B5EF4-FFF2-40B4-BE49-F238E27FC236}">
+                <a16:creationId xmlns:a16="http://schemas.microsoft.com/office/drawing/2014/main" id="{183CA210-FF80-5E5F-FE7B-15EAEA03DBAA}"/>
+              </a:ext>
+            </a:extLst>
+          </p:cNvPr>
+          <p:cNvSpPr>
+            <a:spLocks noGrp="1"/>
+          </p:cNvSpPr>
+          <p:nvPr>
+            <p:ph type="title"/>
+          </p:nvPr>
+        </p:nvSpPr>
+        <p:spPr>
+          <a:xfrm>
+            <a:off x="901690" y="405575"/>
+            <a:ext cx="6430414" cy="1371600"/>
+          </a:xfrm>
+        </p:spPr>
+        <p:txBody>
+          <a:bodyPr vert="horz" lIns="91440" tIns="45720" rIns="91440" bIns="45720" rtlCol="0" anchor="ctr">
+            <a:normAutofit/>
+          </a:bodyPr>
+          <a:lstStyle/>
+          <a:p>
+            <a:r>
+              <a:rPr lang="en-US"/>
+              <a:t>Exemples cas d’usages</a:t>
+            </a:r>
+          </a:p>
+        </p:txBody>
+      </p:sp>
+      <p:sp>
+        <p:nvSpPr>
+          <p:cNvPr id="21" name="Rectangle 20">
+            <a:extLst>
+              <a:ext uri="{FF2B5EF4-FFF2-40B4-BE49-F238E27FC236}">
+                <a16:creationId xmlns:a16="http://schemas.microsoft.com/office/drawing/2014/main" id="{2568BC19-F052-4108-93E1-6A3D1DEC072F}"/>
+              </a:ext>
+              <a:ext uri="{C183D7F6-B498-43B3-948B-1728B52AA6E4}">
+                <adec:decorative xmlns:adec="http://schemas.microsoft.com/office/drawing/2017/decorative" val="1"/>
+              </a:ext>
+            </a:extLst>
+          </p:cNvPr>
+          <p:cNvSpPr>
+            <a:spLocks noGrp="1" noRot="1" noChangeAspect="1" noMove="1" noResize="1" noEditPoints="1" noAdjustHandles="1" noChangeArrowheads="1" noChangeShapeType="1" noTextEdit="1"/>
+          </p:cNvSpPr>
+          <p:nvPr>
+            <p:extLst>
+              <p:ext uri="{386F3935-93C4-4BCD-93E2-E3B085C9AB24}">
+                <p16:designElem xmlns:p16="http://schemas.microsoft.com/office/powerpoint/2015/main" val="1"/>
+              </p:ext>
+            </p:extLst>
+          </p:nvPr>
+        </p:nvSpPr>
+        <p:spPr>
+          <a:xfrm>
+            <a:off x="494784" y="764424"/>
+            <a:ext cx="128016" cy="653903"/>
+          </a:xfrm>
+          <a:prstGeom prst="rect">
+            <a:avLst/>
+          </a:prstGeom>
+          <a:solidFill>
+            <a:schemeClr val="accent1"/>
+          </a:solidFill>
+          <a:ln>
+            <a:noFill/>
+          </a:ln>
+        </p:spPr>
+        <p:style>
+          <a:lnRef idx="2">
+            <a:schemeClr val="accent1">
+              <a:shade val="50000"/>
+            </a:schemeClr>
+          </a:lnRef>
+          <a:fillRef idx="1">
+            <a:schemeClr val="accent1"/>
+          </a:fillRef>
+          <a:effectRef idx="0">
+            <a:schemeClr val="accent1"/>
+          </a:effectRef>
+          <a:fontRef idx="minor">
+            <a:schemeClr val="lt1"/>
+          </a:fontRef>
+        </p:style>
+        <p:txBody>
+          <a:bodyPr rtlCol="0" anchor="ctr"/>
+          <a:lstStyle/>
+          <a:p>
+            <a:pPr marL="0" marR="0" lvl="0" indent="0" algn="ctr" defTabSz="914400" rtl="0" eaLnBrk="1" fontAlgn="auto" latinLnBrk="0" hangingPunct="1">
+              <a:lnSpc>
+                <a:spcPct val="100000"/>
+              </a:lnSpc>
+              <a:spcBef>
+                <a:spcPts val="0"/>
+              </a:spcBef>
+              <a:spcAft>
+                <a:spcPts val="0"/>
+              </a:spcAft>
+              <a:buClrTx/>
+              <a:buSzTx/>
+              <a:buFontTx/>
+              <a:buNone/>
+              <a:tabLst/>
+              <a:defRPr/>
+            </a:pPr>
+            <a:endParaRPr kumimoji="0" lang="en-US" sz="1800" b="0" i="0" u="none" strike="noStrike" kern="1200" cap="none" spc="0" normalizeH="0" baseline="0" noProof="0">
+              <a:ln>
+                <a:noFill/>
+              </a:ln>
+              <a:solidFill>
+                <a:prstClr val="white"/>
+              </a:solidFill>
+              <a:effectLst/>
+              <a:uLnTx/>
+              <a:uFillTx/>
+              <a:latin typeface="Calibri" panose="020F0502020204030204"/>
+              <a:ea typeface="+mn-ea"/>
+              <a:cs typeface="+mn-cs"/>
+            </a:endParaRPr>
+          </a:p>
+        </p:txBody>
+      </p:sp>
+      <p:sp>
+        <p:nvSpPr>
+          <p:cNvPr id="23" name="Rectangle 22">
+            <a:extLst>
+              <a:ext uri="{FF2B5EF4-FFF2-40B4-BE49-F238E27FC236}">
+                <a16:creationId xmlns:a16="http://schemas.microsoft.com/office/drawing/2014/main" id="{D5FD337D-4D6B-4C8B-B6F5-121097E09881}"/>
+              </a:ext>
+              <a:ext uri="{C183D7F6-B498-43B3-948B-1728B52AA6E4}">
+                <adec:decorative xmlns:adec="http://schemas.microsoft.com/office/drawing/2017/decorative" val="1"/>
+              </a:ext>
+            </a:extLst>
+          </p:cNvPr>
+          <p:cNvSpPr>
+            <a:spLocks noGrp="1" noRot="1" noChangeAspect="1" noMove="1" noResize="1" noEditPoints="1" noAdjustHandles="1" noChangeArrowheads="1" noChangeShapeType="1" noTextEdit="1"/>
+          </p:cNvSpPr>
+          <p:nvPr>
+            <p:extLst>
+              <p:ext uri="{386F3935-93C4-4BCD-93E2-E3B085C9AB24}">
+                <p16:designElem xmlns:p16="http://schemas.microsoft.com/office/powerpoint/2015/main" val="1"/>
+              </p:ext>
+            </p:extLst>
+          </p:nvPr>
+        </p:nvSpPr>
+        <p:spPr>
+          <a:xfrm rot="5400000">
+            <a:off x="7130604" y="1071836"/>
+            <a:ext cx="1021458" cy="9144"/>
+          </a:xfrm>
+          <a:prstGeom prst="rect">
+            <a:avLst/>
+          </a:prstGeom>
+          <a:solidFill>
+            <a:schemeClr val="tx2">
+              <a:lumMod val="25000"/>
+              <a:lumOff val="75000"/>
+            </a:schemeClr>
+          </a:solidFill>
+          <a:ln w="3175">
+            <a:noFill/>
+          </a:ln>
+          <a:effectLst/>
+        </p:spPr>
+        <p:style>
+          <a:lnRef idx="2">
+            <a:schemeClr val="accent1">
+              <a:shade val="50000"/>
+            </a:schemeClr>
+          </a:lnRef>
+          <a:fillRef idx="1">
+            <a:schemeClr val="accent1"/>
+          </a:fillRef>
+          <a:effectRef idx="0">
+            <a:schemeClr val="accent1"/>
+          </a:effectRef>
+          <a:fontRef idx="minor">
+            <a:schemeClr val="lt1"/>
+          </a:fontRef>
+        </p:style>
+        <p:txBody>
+          <a:bodyPr rtlCol="0" anchor="ctr"/>
+          <a:lstStyle/>
+          <a:p>
+            <a:pPr marL="0" marR="0" lvl="0" indent="0" algn="ctr" defTabSz="914400" rtl="0" eaLnBrk="1" fontAlgn="auto" latinLnBrk="0" hangingPunct="1">
+              <a:lnSpc>
+                <a:spcPct val="100000"/>
+              </a:lnSpc>
+              <a:spcBef>
+                <a:spcPts val="0"/>
+              </a:spcBef>
+              <a:spcAft>
+                <a:spcPts val="0"/>
+              </a:spcAft>
+              <a:buClrTx/>
+              <a:buSzTx/>
+              <a:buFontTx/>
+              <a:buNone/>
+              <a:tabLst/>
+              <a:defRPr/>
+            </a:pPr>
+            <a:endParaRPr kumimoji="0" lang="en-US" sz="1800" b="0" i="0" u="none" strike="noStrike" kern="1200" cap="none" spc="0" normalizeH="0" baseline="0" noProof="0">
+              <a:ln>
+                <a:noFill/>
+              </a:ln>
+              <a:solidFill>
+                <a:prstClr val="white"/>
+              </a:solidFill>
+              <a:effectLst/>
+              <a:uLnTx/>
+              <a:uFillTx/>
+              <a:latin typeface="Calibri" panose="020F0502020204030204"/>
+              <a:ea typeface="+mn-ea"/>
+              <a:cs typeface="+mn-cs"/>
+            </a:endParaRPr>
+          </a:p>
+        </p:txBody>
+      </p:sp>
+      <p:pic>
+        <p:nvPicPr>
+          <p:cNvPr id="8" name="Espace réservé du contenu 7">
+            <a:extLst>
+              <a:ext uri="{FF2B5EF4-FFF2-40B4-BE49-F238E27FC236}">
+                <a16:creationId xmlns:a16="http://schemas.microsoft.com/office/drawing/2014/main" id="{9F673349-9FE5-C9E3-3971-1DA1047D811B}"/>
+              </a:ext>
+            </a:extLst>
+          </p:cNvPr>
+          <p:cNvPicPr>
+            <a:picLocks noGrp="1" noChangeAspect="1"/>
+          </p:cNvPicPr>
+          <p:nvPr>
+            <p:ph idx="1"/>
+          </p:nvPr>
+        </p:nvPicPr>
+        <p:blipFill>
+          <a:blip r:embed="rId2">
+            <a:extLst>
+              <a:ext uri="{28A0092B-C50C-407E-A947-70E740481C1C}">
+                <a14:useLocalDpi xmlns:a14="http://schemas.microsoft.com/office/drawing/2010/main" val="0"/>
+              </a:ext>
+            </a:extLst>
+          </a:blip>
+          <a:stretch>
+            <a:fillRect/>
+          </a:stretch>
+        </p:blipFill>
+        <p:spPr>
+          <a:xfrm>
+            <a:off x="1738934" y="2091095"/>
+            <a:ext cx="8717597" cy="4206240"/>
+          </a:xfrm>
+          <a:prstGeom prst="rect">
+            <a:avLst/>
+          </a:prstGeom>
+        </p:spPr>
+      </p:pic>
+      <p:sp>
+        <p:nvSpPr>
+          <p:cNvPr id="4" name="Espace réservé du numéro de diapositive 3">
+            <a:extLst>
+              <a:ext uri="{FF2B5EF4-FFF2-40B4-BE49-F238E27FC236}">
+                <a16:creationId xmlns:a16="http://schemas.microsoft.com/office/drawing/2014/main" id="{A6219BC6-BEF2-9402-5374-72A41697B27E}"/>
+              </a:ext>
+            </a:extLst>
+          </p:cNvPr>
+          <p:cNvSpPr>
+            <a:spLocks noGrp="1"/>
+          </p:cNvSpPr>
+          <p:nvPr>
+            <p:ph type="sldNum" sz="quarter" idx="12"/>
+          </p:nvPr>
+        </p:nvSpPr>
+        <p:spPr>
+          <a:xfrm>
+            <a:off x="8869680" y="6356350"/>
+            <a:ext cx="2743200" cy="365125"/>
+          </a:xfrm>
+        </p:spPr>
+        <p:txBody>
+          <a:bodyPr vert="horz" lIns="91440" tIns="45720" rIns="91440" bIns="45720" rtlCol="0" anchor="ctr">
+            <a:normAutofit/>
+          </a:bodyPr>
+          <a:lstStyle/>
+          <a:p>
+            <a:pPr>
+              <a:spcAft>
+                <a:spcPts val="600"/>
+              </a:spcAft>
+            </a:pPr>
+            <a:fld id="{B2DC25EE-239B-4C5F-AAD1-255A7D5F1EE2}" type="slidenum">
+              <a:rPr lang="en-US">
+                <a:solidFill>
+                  <a:schemeClr val="tx2">
+                    <a:lumMod val="50000"/>
+                    <a:lumOff val="50000"/>
+                  </a:schemeClr>
+                </a:solidFill>
+              </a:rPr>
+              <a:pPr>
+                <a:spcAft>
+                  <a:spcPts val="600"/>
+                </a:spcAft>
+              </a:pPr>
+              <a:t>10</a:t>
+            </a:fld>
+            <a:endParaRPr lang="en-US">
+              <a:solidFill>
+                <a:schemeClr val="tx2">
+                  <a:lumMod val="50000"/>
+                  <a:lumOff val="50000"/>
+                </a:schemeClr>
+              </a:solidFill>
+            </a:endParaRPr>
+          </a:p>
+        </p:txBody>
+      </p:sp>
+    </p:spTree>
+    <p:extLst>
+      <p:ext uri="{BB962C8B-B14F-4D97-AF65-F5344CB8AC3E}">
+        <p14:creationId xmlns:p14="http://schemas.microsoft.com/office/powerpoint/2010/main" val="4043741653"/>
+      </p:ext>
+    </p:extLst>
+  </p:cSld>
+  <p:clrMapOvr>
+    <a:masterClrMapping/>
+  </p:clrMapOvr>
+</p:sld>
+</file>
+
+<file path=ppt/slides/slide11.xml><?xml version="1.0" encoding="utf-8"?>
+<p:sld xmlns:a="http://schemas.openxmlformats.org/drawingml/2006/main" xmlns:r="http://schemas.openxmlformats.org/officeDocument/2006/relationships" xmlns:p="http://schemas.openxmlformats.org/presentationml/2006/main">
+  <p:cSld>
+    <p:spTree>
+      <p:nvGrpSpPr>
+        <p:cNvPr id="1" name=""/>
+        <p:cNvGrpSpPr/>
+        <p:nvPr/>
+      </p:nvGrpSpPr>
+      <p:grpSpPr>
+        <a:xfrm>
+          <a:off x="0" y="0"/>
+          <a:ext cx="0" cy="0"/>
+          <a:chOff x="0" y="0"/>
+          <a:chExt cx="0" cy="0"/>
+        </a:xfrm>
+      </p:grpSpPr>
+      <p:sp>
+        <p:nvSpPr>
+          <p:cNvPr id="2" name="Titre 1">
+            <a:extLst>
+              <a:ext uri="{FF2B5EF4-FFF2-40B4-BE49-F238E27FC236}">
+                <a16:creationId xmlns:a16="http://schemas.microsoft.com/office/drawing/2014/main" id="{183CA210-FF80-5E5F-FE7B-15EAEA03DBAA}"/>
+              </a:ext>
+            </a:extLst>
+          </p:cNvPr>
+          <p:cNvSpPr>
+            <a:spLocks noGrp="1"/>
+          </p:cNvSpPr>
+          <p:nvPr>
+            <p:ph type="title"/>
+          </p:nvPr>
+        </p:nvSpPr>
+        <p:spPr>
+          <a:xfrm>
+            <a:off x="901690" y="405575"/>
+            <a:ext cx="6430414" cy="1371600"/>
+          </a:xfrm>
+        </p:spPr>
+        <p:txBody>
+          <a:bodyPr vert="horz" lIns="91440" tIns="45720" rIns="91440" bIns="45720" rtlCol="0" anchor="ctr">
+            <a:normAutofit/>
+          </a:bodyPr>
+          <a:lstStyle/>
+          <a:p>
+            <a:r>
+              <a:rPr lang="en-US"/>
+              <a:t>Exemples cas d’usages</a:t>
+            </a:r>
+          </a:p>
+        </p:txBody>
+      </p:sp>
+      <p:sp>
+        <p:nvSpPr>
+          <p:cNvPr id="4" name="Espace réservé du numéro de diapositive 3">
+            <a:extLst>
+              <a:ext uri="{FF2B5EF4-FFF2-40B4-BE49-F238E27FC236}">
+                <a16:creationId xmlns:a16="http://schemas.microsoft.com/office/drawing/2014/main" id="{A6219BC6-BEF2-9402-5374-72A41697B27E}"/>
+              </a:ext>
+            </a:extLst>
+          </p:cNvPr>
+          <p:cNvSpPr>
+            <a:spLocks noGrp="1"/>
+          </p:cNvSpPr>
+          <p:nvPr>
+            <p:ph type="sldNum" sz="quarter" idx="12"/>
+          </p:nvPr>
+        </p:nvSpPr>
+        <p:spPr>
+          <a:xfrm>
+            <a:off x="8869680" y="6356350"/>
+            <a:ext cx="2743200" cy="365125"/>
+          </a:xfrm>
+        </p:spPr>
+        <p:txBody>
+          <a:bodyPr vert="horz" lIns="91440" tIns="45720" rIns="91440" bIns="45720" rtlCol="0" anchor="ctr">
+            <a:normAutofit/>
+          </a:bodyPr>
+          <a:lstStyle/>
+          <a:p>
+            <a:pPr>
+              <a:spcAft>
+                <a:spcPts val="600"/>
+              </a:spcAft>
+            </a:pPr>
+            <a:fld id="{B2DC25EE-239B-4C5F-AAD1-255A7D5F1EE2}" type="slidenum">
+              <a:rPr lang="en-US">
+                <a:solidFill>
+                  <a:schemeClr val="tx2">
+                    <a:lumMod val="50000"/>
+                    <a:lumOff val="50000"/>
+                  </a:schemeClr>
+                </a:solidFill>
+              </a:rPr>
+              <a:pPr>
+                <a:spcAft>
+                  <a:spcPts val="600"/>
+                </a:spcAft>
+              </a:pPr>
+              <a:t>11</a:t>
+            </a:fld>
+            <a:endParaRPr lang="en-US">
+              <a:solidFill>
+                <a:schemeClr val="tx2">
+                  <a:lumMod val="50000"/>
+                  <a:lumOff val="50000"/>
+                </a:schemeClr>
+              </a:solidFill>
+            </a:endParaRPr>
+          </a:p>
+        </p:txBody>
+      </p:sp>
+      <p:pic>
+        <p:nvPicPr>
+          <p:cNvPr id="7" name="Espace réservé du contenu 6">
+            <a:extLst>
+              <a:ext uri="{FF2B5EF4-FFF2-40B4-BE49-F238E27FC236}">
+                <a16:creationId xmlns:a16="http://schemas.microsoft.com/office/drawing/2014/main" id="{9966A3E1-E6C3-842F-7AB7-AABBA50A56D3}"/>
+              </a:ext>
+            </a:extLst>
+          </p:cNvPr>
+          <p:cNvPicPr>
+            <a:picLocks noGrp="1" noChangeAspect="1"/>
+          </p:cNvPicPr>
+          <p:nvPr>
+            <p:ph idx="1"/>
+          </p:nvPr>
+        </p:nvPicPr>
+        <p:blipFill>
+          <a:blip r:embed="rId2">
+            <a:extLst>
+              <a:ext uri="{28A0092B-C50C-407E-A947-70E740481C1C}">
+                <a14:useLocalDpi xmlns:a14="http://schemas.microsoft.com/office/drawing/2010/main" val="0"/>
+              </a:ext>
+            </a:extLst>
+          </a:blip>
+          <a:stretch>
+            <a:fillRect/>
+          </a:stretch>
+        </p:blipFill>
+        <p:spPr>
+          <a:xfrm>
+            <a:off x="658111" y="2484453"/>
+            <a:ext cx="2303328" cy="3297946"/>
+          </a:xfrm>
+        </p:spPr>
+      </p:pic>
+      <p:pic>
+        <p:nvPicPr>
+          <p:cNvPr id="10" name="Image 9" descr="Une image contenant texte&#10;&#10;Description générée automatiquement">
+            <a:extLst>
+              <a:ext uri="{FF2B5EF4-FFF2-40B4-BE49-F238E27FC236}">
+                <a16:creationId xmlns:a16="http://schemas.microsoft.com/office/drawing/2014/main" id="{A5520474-0A85-96D1-3A91-02969613D501}"/>
+              </a:ext>
+            </a:extLst>
+          </p:cNvPr>
+          <p:cNvPicPr>
+            <a:picLocks noChangeAspect="1"/>
+          </p:cNvPicPr>
+          <p:nvPr/>
+        </p:nvPicPr>
+        <p:blipFill>
+          <a:blip r:embed="rId3">
+            <a:extLst>
+              <a:ext uri="{28A0092B-C50C-407E-A947-70E740481C1C}">
+                <a14:useLocalDpi xmlns:a14="http://schemas.microsoft.com/office/drawing/2010/main" val="0"/>
+              </a:ext>
+            </a:extLst>
+          </a:blip>
+          <a:stretch>
+            <a:fillRect/>
+          </a:stretch>
+        </p:blipFill>
+        <p:spPr>
+          <a:xfrm>
+            <a:off x="3294100" y="2484453"/>
+            <a:ext cx="2469239" cy="3352800"/>
+          </a:xfrm>
+          <a:prstGeom prst="rect">
+            <a:avLst/>
+          </a:prstGeom>
+        </p:spPr>
+      </p:pic>
+      <p:pic>
+        <p:nvPicPr>
+          <p:cNvPr id="12" name="Image 11" descr="Une image contenant texte&#10;&#10;Description générée automatiquement">
+            <a:extLst>
+              <a:ext uri="{FF2B5EF4-FFF2-40B4-BE49-F238E27FC236}">
+                <a16:creationId xmlns:a16="http://schemas.microsoft.com/office/drawing/2014/main" id="{3D231448-B4D0-55D6-6F88-913EE4C7A77D}"/>
+              </a:ext>
+            </a:extLst>
+          </p:cNvPr>
+          <p:cNvPicPr>
+            <a:picLocks noChangeAspect="1"/>
+          </p:cNvPicPr>
+          <p:nvPr/>
+        </p:nvPicPr>
+        <p:blipFill>
+          <a:blip r:embed="rId4">
+            <a:extLst>
+              <a:ext uri="{28A0092B-C50C-407E-A947-70E740481C1C}">
+                <a14:useLocalDpi xmlns:a14="http://schemas.microsoft.com/office/drawing/2010/main" val="0"/>
+              </a:ext>
+            </a:extLst>
+          </a:blip>
+          <a:stretch>
+            <a:fillRect/>
+          </a:stretch>
+        </p:blipFill>
+        <p:spPr>
+          <a:xfrm>
+            <a:off x="6096000" y="2484453"/>
+            <a:ext cx="2385060" cy="3352800"/>
+          </a:xfrm>
+          <a:prstGeom prst="rect">
+            <a:avLst/>
+          </a:prstGeom>
+        </p:spPr>
+      </p:pic>
+      <p:pic>
+        <p:nvPicPr>
+          <p:cNvPr id="16" name="Image 15" descr="Une image contenant texte&#10;&#10;Description générée automatiquement">
+            <a:extLst>
+              <a:ext uri="{FF2B5EF4-FFF2-40B4-BE49-F238E27FC236}">
+                <a16:creationId xmlns:a16="http://schemas.microsoft.com/office/drawing/2014/main" id="{5B2EF98E-10BF-9DBD-BEAD-8A8855CB7D23}"/>
+              </a:ext>
+            </a:extLst>
+          </p:cNvPr>
+          <p:cNvPicPr>
+            <a:picLocks noChangeAspect="1"/>
+          </p:cNvPicPr>
+          <p:nvPr/>
+        </p:nvPicPr>
+        <p:blipFill>
+          <a:blip r:embed="rId5">
+            <a:extLst>
+              <a:ext uri="{28A0092B-C50C-407E-A947-70E740481C1C}">
+                <a14:useLocalDpi xmlns:a14="http://schemas.microsoft.com/office/drawing/2010/main" val="0"/>
+              </a:ext>
+            </a:extLst>
+          </a:blip>
+          <a:stretch>
+            <a:fillRect/>
+          </a:stretch>
+        </p:blipFill>
+        <p:spPr>
+          <a:xfrm>
+            <a:off x="8813721" y="2484453"/>
+            <a:ext cx="2430218" cy="3352801"/>
+          </a:xfrm>
+          <a:prstGeom prst="rect">
+            <a:avLst/>
+          </a:prstGeom>
+        </p:spPr>
+      </p:pic>
+    </p:spTree>
+    <p:extLst>
+      <p:ext uri="{BB962C8B-B14F-4D97-AF65-F5344CB8AC3E}">
+        <p14:creationId xmlns:p14="http://schemas.microsoft.com/office/powerpoint/2010/main" val="3770055215"/>
+      </p:ext>
+    </p:extLst>
+  </p:cSld>
+  <p:clrMapOvr>
+    <a:masterClrMapping/>
+  </p:clrMapOvr>
+</p:sld>
+</file>
+
+<file path=ppt/slides/slide12.xml><?xml version="1.0" encoding="utf-8"?>
+<p:sld xmlns:a="http://schemas.openxmlformats.org/drawingml/2006/main" xmlns:r="http://schemas.openxmlformats.org/officeDocument/2006/relationships" xmlns:p="http://schemas.openxmlformats.org/presentationml/2006/main">
+  <p:cSld>
+    <p:spTree>
+      <p:nvGrpSpPr>
+        <p:cNvPr id="1" name=""/>
+        <p:cNvGrpSpPr/>
+        <p:nvPr/>
+      </p:nvGrpSpPr>
+      <p:grpSpPr>
+        <a:xfrm>
+          <a:off x="0" y="0"/>
+          <a:ext cx="0" cy="0"/>
+          <a:chOff x="0" y="0"/>
+          <a:chExt cx="0" cy="0"/>
+        </a:xfrm>
+      </p:grpSpPr>
+      <p:sp>
+        <p:nvSpPr>
+          <p:cNvPr id="2" name="Titre 1">
+            <a:extLst>
+              <a:ext uri="{FF2B5EF4-FFF2-40B4-BE49-F238E27FC236}">
+                <a16:creationId xmlns:a16="http://schemas.microsoft.com/office/drawing/2014/main" id="{183CA210-FF80-5E5F-FE7B-15EAEA03DBAA}"/>
+              </a:ext>
+            </a:extLst>
+          </p:cNvPr>
+          <p:cNvSpPr>
+            <a:spLocks noGrp="1"/>
+          </p:cNvSpPr>
+          <p:nvPr>
+            <p:ph type="title"/>
+          </p:nvPr>
+        </p:nvSpPr>
+        <p:spPr>
+          <a:xfrm>
+            <a:off x="901690" y="405575"/>
+            <a:ext cx="6430414" cy="1371600"/>
+          </a:xfrm>
+        </p:spPr>
+        <p:txBody>
+          <a:bodyPr vert="horz" lIns="91440" tIns="45720" rIns="91440" bIns="45720" rtlCol="0" anchor="ctr">
+            <a:normAutofit/>
+          </a:bodyPr>
+          <a:lstStyle/>
+          <a:p>
+            <a:r>
+              <a:rPr lang="en-US" dirty="0" err="1"/>
+              <a:t>Comparatif</a:t>
+            </a:r>
+            <a:r>
+              <a:rPr lang="en-US" dirty="0"/>
+              <a:t> avec </a:t>
+            </a:r>
+            <a:r>
+              <a:rPr lang="en-US" dirty="0" err="1"/>
+              <a:t>d’autres</a:t>
+            </a:r>
+            <a:r>
+              <a:rPr lang="en-US" dirty="0"/>
+              <a:t> bases de </a:t>
+            </a:r>
+            <a:r>
+              <a:rPr lang="en-US" dirty="0" err="1"/>
+              <a:t>données</a:t>
+            </a:r>
+            <a:endParaRPr lang="en-US" dirty="0"/>
+          </a:p>
+        </p:txBody>
+      </p:sp>
+      <p:sp>
+        <p:nvSpPr>
+          <p:cNvPr id="4" name="Espace réservé du numéro de diapositive 3">
+            <a:extLst>
+              <a:ext uri="{FF2B5EF4-FFF2-40B4-BE49-F238E27FC236}">
+                <a16:creationId xmlns:a16="http://schemas.microsoft.com/office/drawing/2014/main" id="{A6219BC6-BEF2-9402-5374-72A41697B27E}"/>
+              </a:ext>
+            </a:extLst>
+          </p:cNvPr>
+          <p:cNvSpPr>
+            <a:spLocks noGrp="1"/>
+          </p:cNvSpPr>
+          <p:nvPr>
+            <p:ph type="sldNum" sz="quarter" idx="12"/>
+          </p:nvPr>
+        </p:nvSpPr>
+        <p:spPr>
+          <a:xfrm>
+            <a:off x="8869680" y="6356350"/>
+            <a:ext cx="2743200" cy="365125"/>
+          </a:xfrm>
+        </p:spPr>
+        <p:txBody>
+          <a:bodyPr vert="horz" lIns="91440" tIns="45720" rIns="91440" bIns="45720" rtlCol="0" anchor="ctr">
+            <a:normAutofit/>
+          </a:bodyPr>
+          <a:lstStyle/>
+          <a:p>
+            <a:pPr>
+              <a:spcAft>
+                <a:spcPts val="600"/>
+              </a:spcAft>
+            </a:pPr>
+            <a:fld id="{B2DC25EE-239B-4C5F-AAD1-255A7D5F1EE2}" type="slidenum">
+              <a:rPr lang="en-US">
+                <a:solidFill>
+                  <a:schemeClr val="tx2">
+                    <a:lumMod val="50000"/>
+                    <a:lumOff val="50000"/>
+                  </a:schemeClr>
+                </a:solidFill>
+              </a:rPr>
+              <a:pPr>
+                <a:spcAft>
+                  <a:spcPts val="600"/>
+                </a:spcAft>
+              </a:pPr>
+              <a:t>12</a:t>
+            </a:fld>
+            <a:endParaRPr lang="en-US">
+              <a:solidFill>
+                <a:schemeClr val="tx2">
+                  <a:lumMod val="50000"/>
+                  <a:lumOff val="50000"/>
+                </a:schemeClr>
+              </a:solidFill>
+            </a:endParaRPr>
+          </a:p>
+        </p:txBody>
+      </p:sp>
+      <p:pic>
+        <p:nvPicPr>
+          <p:cNvPr id="8" name="Espace réservé du contenu 7" descr="Une image contenant texte&#10;&#10;Description générée automatiquement">
+            <a:extLst>
+              <a:ext uri="{FF2B5EF4-FFF2-40B4-BE49-F238E27FC236}">
+                <a16:creationId xmlns:a16="http://schemas.microsoft.com/office/drawing/2014/main" id="{CACA4C99-8DB6-E95D-8D3B-9438CC49B485}"/>
+              </a:ext>
+            </a:extLst>
+          </p:cNvPr>
+          <p:cNvPicPr>
+            <a:picLocks noGrp="1" noChangeAspect="1"/>
+          </p:cNvPicPr>
+          <p:nvPr>
+            <p:ph idx="1"/>
+          </p:nvPr>
+        </p:nvPicPr>
+        <p:blipFill>
+          <a:blip r:embed="rId2">
+            <a:extLst>
+              <a:ext uri="{28A0092B-C50C-407E-A947-70E740481C1C}">
+                <a14:useLocalDpi xmlns:a14="http://schemas.microsoft.com/office/drawing/2010/main" val="0"/>
+              </a:ext>
+            </a:extLst>
+          </a:blip>
+          <a:stretch>
+            <a:fillRect/>
+          </a:stretch>
+        </p:blipFill>
+        <p:spPr>
+          <a:xfrm>
+            <a:off x="2539214" y="2127655"/>
+            <a:ext cx="7113572" cy="4730345"/>
+          </a:xfrm>
+        </p:spPr>
+      </p:pic>
+    </p:spTree>
+    <p:extLst>
+      <p:ext uri="{BB962C8B-B14F-4D97-AF65-F5344CB8AC3E}">
+        <p14:creationId xmlns:p14="http://schemas.microsoft.com/office/powerpoint/2010/main" val="2209953106"/>
+      </p:ext>
+    </p:extLst>
+  </p:cSld>
+  <p:clrMapOvr>
+    <a:masterClrMapping/>
+  </p:clrMapOvr>
+</p:sld>
+</file>
+
+<file path=ppt/slides/slide13.xml><?xml version="1.0" encoding="utf-8"?>
+<p:sld xmlns:a="http://schemas.openxmlformats.org/drawingml/2006/main" xmlns:r="http://schemas.openxmlformats.org/officeDocument/2006/relationships" xmlns:p="http://schemas.openxmlformats.org/presentationml/2006/main">
+  <p:cSld>
+    <p:spTree>
+      <p:nvGrpSpPr>
+        <p:cNvPr id="1" name=""/>
+        <p:cNvGrpSpPr/>
+        <p:nvPr/>
+      </p:nvGrpSpPr>
+      <p:grpSpPr>
+        <a:xfrm>
+          <a:off x="0" y="0"/>
+          <a:ext cx="0" cy="0"/>
+          <a:chOff x="0" y="0"/>
+          <a:chExt cx="0" cy="0"/>
+        </a:xfrm>
+      </p:grpSpPr>
+      <p:sp>
+        <p:nvSpPr>
+          <p:cNvPr id="2" name="Titre 1">
+            <a:extLst>
+              <a:ext uri="{FF2B5EF4-FFF2-40B4-BE49-F238E27FC236}">
+                <a16:creationId xmlns:a16="http://schemas.microsoft.com/office/drawing/2014/main" id="{183CA210-FF80-5E5F-FE7B-15EAEA03DBAA}"/>
+              </a:ext>
+            </a:extLst>
+          </p:cNvPr>
+          <p:cNvSpPr>
+            <a:spLocks noGrp="1"/>
+          </p:cNvSpPr>
+          <p:nvPr>
+            <p:ph type="title"/>
+          </p:nvPr>
+        </p:nvSpPr>
+        <p:spPr>
+          <a:xfrm>
+            <a:off x="901690" y="405575"/>
+            <a:ext cx="6430414" cy="1371600"/>
+          </a:xfrm>
+        </p:spPr>
+        <p:txBody>
+          <a:bodyPr vert="horz" lIns="91440" tIns="45720" rIns="91440" bIns="45720" rtlCol="0" anchor="ctr">
+            <a:normAutofit/>
+          </a:bodyPr>
+          <a:lstStyle/>
+          <a:p>
+            <a:r>
+              <a:rPr lang="en-US" dirty="0" err="1"/>
+              <a:t>Comparatif</a:t>
+            </a:r>
+            <a:r>
+              <a:rPr lang="en-US" dirty="0"/>
+              <a:t> avec </a:t>
+            </a:r>
+            <a:r>
+              <a:rPr lang="en-US" dirty="0" err="1"/>
+              <a:t>d’autres</a:t>
+            </a:r>
+            <a:r>
+              <a:rPr lang="en-US" dirty="0"/>
+              <a:t> bases de </a:t>
+            </a:r>
+            <a:r>
+              <a:rPr lang="en-US" dirty="0" err="1"/>
+              <a:t>données</a:t>
+            </a:r>
+            <a:endParaRPr lang="en-US" dirty="0"/>
+          </a:p>
+        </p:txBody>
+      </p:sp>
+      <p:sp>
+        <p:nvSpPr>
+          <p:cNvPr id="4" name="Espace réservé du numéro de diapositive 3">
+            <a:extLst>
+              <a:ext uri="{FF2B5EF4-FFF2-40B4-BE49-F238E27FC236}">
+                <a16:creationId xmlns:a16="http://schemas.microsoft.com/office/drawing/2014/main" id="{A6219BC6-BEF2-9402-5374-72A41697B27E}"/>
+              </a:ext>
+            </a:extLst>
+          </p:cNvPr>
+          <p:cNvSpPr>
+            <a:spLocks noGrp="1"/>
+          </p:cNvSpPr>
+          <p:nvPr>
+            <p:ph type="sldNum" sz="quarter" idx="12"/>
+          </p:nvPr>
+        </p:nvSpPr>
+        <p:spPr>
+          <a:xfrm>
+            <a:off x="8869680" y="6356350"/>
+            <a:ext cx="2743200" cy="365125"/>
+          </a:xfrm>
+        </p:spPr>
+        <p:txBody>
+          <a:bodyPr vert="horz" lIns="91440" tIns="45720" rIns="91440" bIns="45720" rtlCol="0" anchor="ctr">
+            <a:normAutofit/>
+          </a:bodyPr>
+          <a:lstStyle/>
+          <a:p>
+            <a:pPr>
+              <a:spcAft>
+                <a:spcPts val="600"/>
+              </a:spcAft>
+            </a:pPr>
+            <a:fld id="{B2DC25EE-239B-4C5F-AAD1-255A7D5F1EE2}" type="slidenum">
+              <a:rPr lang="en-US">
+                <a:solidFill>
+                  <a:schemeClr val="tx2">
+                    <a:lumMod val="50000"/>
+                    <a:lumOff val="50000"/>
+                  </a:schemeClr>
+                </a:solidFill>
+              </a:rPr>
+              <a:pPr>
+                <a:spcAft>
+                  <a:spcPts val="600"/>
+                </a:spcAft>
+              </a:pPr>
+              <a:t>13</a:t>
+            </a:fld>
+            <a:endParaRPr lang="en-US">
+              <a:solidFill>
+                <a:schemeClr val="tx2">
+                  <a:lumMod val="50000"/>
+                  <a:lumOff val="50000"/>
+                </a:schemeClr>
+              </a:solidFill>
+            </a:endParaRPr>
+          </a:p>
+        </p:txBody>
+      </p:sp>
+      <p:pic>
+        <p:nvPicPr>
+          <p:cNvPr id="7" name="Espace réservé du contenu 6">
+            <a:extLst>
+              <a:ext uri="{FF2B5EF4-FFF2-40B4-BE49-F238E27FC236}">
+                <a16:creationId xmlns:a16="http://schemas.microsoft.com/office/drawing/2014/main" id="{CA2F5BE1-A450-FB79-2FAF-22D962BF51ED}"/>
+              </a:ext>
+            </a:extLst>
+          </p:cNvPr>
+          <p:cNvPicPr>
+            <a:picLocks noGrp="1" noChangeAspect="1"/>
+          </p:cNvPicPr>
+          <p:nvPr>
+            <p:ph idx="1"/>
+          </p:nvPr>
+        </p:nvPicPr>
+        <p:blipFill>
+          <a:blip r:embed="rId2">
+            <a:extLst>
+              <a:ext uri="{28A0092B-C50C-407E-A947-70E740481C1C}">
+                <a14:useLocalDpi xmlns:a14="http://schemas.microsoft.com/office/drawing/2010/main" val="0"/>
+              </a:ext>
+            </a:extLst>
+          </a:blip>
+          <a:stretch>
+            <a:fillRect/>
+          </a:stretch>
+        </p:blipFill>
+        <p:spPr>
+          <a:xfrm>
+            <a:off x="1863378" y="2239530"/>
+            <a:ext cx="8465243" cy="4481945"/>
+          </a:xfrm>
+        </p:spPr>
+      </p:pic>
+    </p:spTree>
+    <p:extLst>
+      <p:ext uri="{BB962C8B-B14F-4D97-AF65-F5344CB8AC3E}">
+        <p14:creationId xmlns:p14="http://schemas.microsoft.com/office/powerpoint/2010/main" val="3621432169"/>
+      </p:ext>
+    </p:extLst>
+  </p:cSld>
+  <p:clrMapOvr>
+    <a:masterClrMapping/>
+  </p:clrMapOvr>
+</p:sld>
+</file>
+
+<file path=ppt/slides/slide14.xml><?xml version="1.0" encoding="utf-8"?>
+<p:sld xmlns:a="http://schemas.openxmlformats.org/drawingml/2006/main" xmlns:r="http://schemas.openxmlformats.org/officeDocument/2006/relationships" xmlns:p="http://schemas.openxmlformats.org/presentationml/2006/main">
+  <p:cSld>
+    <p:spTree>
+      <p:nvGrpSpPr>
+        <p:cNvPr id="1" name=""/>
+        <p:cNvGrpSpPr/>
+        <p:nvPr/>
+      </p:nvGrpSpPr>
+      <p:grpSpPr>
+        <a:xfrm>
+          <a:off x="0" y="0"/>
+          <a:ext cx="0" cy="0"/>
+          <a:chOff x="0" y="0"/>
+          <a:chExt cx="0" cy="0"/>
+        </a:xfrm>
+      </p:grpSpPr>
+      <p:sp>
+        <p:nvSpPr>
+          <p:cNvPr id="2" name="Titre 1">
+            <a:extLst>
+              <a:ext uri="{FF2B5EF4-FFF2-40B4-BE49-F238E27FC236}">
+                <a16:creationId xmlns:a16="http://schemas.microsoft.com/office/drawing/2014/main" id="{183CA210-FF80-5E5F-FE7B-15EAEA03DBAA}"/>
+              </a:ext>
+            </a:extLst>
+          </p:cNvPr>
+          <p:cNvSpPr>
+            <a:spLocks noGrp="1"/>
+          </p:cNvSpPr>
+          <p:nvPr>
+            <p:ph type="title"/>
+          </p:nvPr>
+        </p:nvSpPr>
+        <p:spPr>
+          <a:xfrm>
+            <a:off x="901690" y="405575"/>
+            <a:ext cx="6430414" cy="1371600"/>
+          </a:xfrm>
+        </p:spPr>
+        <p:txBody>
+          <a:bodyPr vert="horz" lIns="91440" tIns="45720" rIns="91440" bIns="45720" rtlCol="0" anchor="ctr">
+            <a:normAutofit/>
+          </a:bodyPr>
+          <a:lstStyle/>
+          <a:p>
+            <a:r>
+              <a:rPr lang="en-US" dirty="0"/>
+              <a:t>Les points forts / </a:t>
+            </a:r>
+            <a:r>
+              <a:rPr lang="en-US" dirty="0" err="1"/>
+              <a:t>faibles</a:t>
+            </a:r>
+            <a:endParaRPr lang="en-US" dirty="0"/>
+          </a:p>
+        </p:txBody>
+      </p:sp>
+      <p:sp>
+        <p:nvSpPr>
+          <p:cNvPr id="4" name="Espace réservé du numéro de diapositive 3">
+            <a:extLst>
+              <a:ext uri="{FF2B5EF4-FFF2-40B4-BE49-F238E27FC236}">
+                <a16:creationId xmlns:a16="http://schemas.microsoft.com/office/drawing/2014/main" id="{A6219BC6-BEF2-9402-5374-72A41697B27E}"/>
+              </a:ext>
+            </a:extLst>
+          </p:cNvPr>
+          <p:cNvSpPr>
+            <a:spLocks noGrp="1"/>
+          </p:cNvSpPr>
+          <p:nvPr>
+            <p:ph type="sldNum" sz="quarter" idx="12"/>
+          </p:nvPr>
+        </p:nvSpPr>
+        <p:spPr>
+          <a:xfrm>
+            <a:off x="8869680" y="6356350"/>
+            <a:ext cx="2743200" cy="365125"/>
+          </a:xfrm>
+        </p:spPr>
+        <p:txBody>
+          <a:bodyPr vert="horz" lIns="91440" tIns="45720" rIns="91440" bIns="45720" rtlCol="0" anchor="ctr">
+            <a:normAutofit/>
+          </a:bodyPr>
+          <a:lstStyle/>
+          <a:p>
+            <a:pPr>
+              <a:spcAft>
+                <a:spcPts val="600"/>
+              </a:spcAft>
+            </a:pPr>
+            <a:fld id="{B2DC25EE-239B-4C5F-AAD1-255A7D5F1EE2}" type="slidenum">
+              <a:rPr lang="en-US">
+                <a:solidFill>
+                  <a:schemeClr val="tx2">
+                    <a:lumMod val="50000"/>
+                    <a:lumOff val="50000"/>
+                  </a:schemeClr>
+                </a:solidFill>
+              </a:rPr>
+              <a:pPr>
+                <a:spcAft>
+                  <a:spcPts val="600"/>
+                </a:spcAft>
+              </a:pPr>
+              <a:t>14</a:t>
+            </a:fld>
+            <a:endParaRPr lang="en-US">
+              <a:solidFill>
+                <a:schemeClr val="tx2">
+                  <a:lumMod val="50000"/>
+                  <a:lumOff val="50000"/>
+                </a:schemeClr>
+              </a:solidFill>
+            </a:endParaRPr>
+          </a:p>
+        </p:txBody>
+      </p:sp>
+      <p:pic>
+        <p:nvPicPr>
+          <p:cNvPr id="7" name="Espace réservé du contenu 6">
+            <a:extLst>
+              <a:ext uri="{FF2B5EF4-FFF2-40B4-BE49-F238E27FC236}">
+                <a16:creationId xmlns:a16="http://schemas.microsoft.com/office/drawing/2014/main" id="{CA2F5BE1-A450-FB79-2FAF-22D962BF51ED}"/>
+              </a:ext>
+            </a:extLst>
+          </p:cNvPr>
+          <p:cNvPicPr>
+            <a:picLocks noGrp="1" noChangeAspect="1"/>
+          </p:cNvPicPr>
+          <p:nvPr>
+            <p:ph idx="1"/>
+          </p:nvPr>
+        </p:nvPicPr>
+        <p:blipFill>
+          <a:blip r:embed="rId2">
+            <a:extLst>
+              <a:ext uri="{28A0092B-C50C-407E-A947-70E740481C1C}">
+                <a14:useLocalDpi xmlns:a14="http://schemas.microsoft.com/office/drawing/2010/main" val="0"/>
+              </a:ext>
+            </a:extLst>
+          </a:blip>
+          <a:stretch>
+            <a:fillRect/>
+          </a:stretch>
+        </p:blipFill>
+        <p:spPr>
+          <a:xfrm>
+            <a:off x="1863378" y="2239530"/>
+            <a:ext cx="8465243" cy="4481945"/>
+          </a:xfrm>
+        </p:spPr>
+      </p:pic>
+    </p:spTree>
+    <p:extLst>
+      <p:ext uri="{BB962C8B-B14F-4D97-AF65-F5344CB8AC3E}">
+        <p14:creationId xmlns:p14="http://schemas.microsoft.com/office/powerpoint/2010/main" val="89776349"/>
+      </p:ext>
+    </p:extLst>
+  </p:cSld>
+  <p:clrMapOvr>
+    <a:masterClrMapping/>
+  </p:clrMapOvr>
+</p:sld>
+</file>
+
+<file path=ppt/slides/slide15.xml><?xml version="1.0" encoding="utf-8"?>
+<p:sld xmlns:a="http://schemas.openxmlformats.org/drawingml/2006/main" xmlns:r="http://schemas.openxmlformats.org/officeDocument/2006/relationships" xmlns:p="http://schemas.openxmlformats.org/presentationml/2006/main">
+  <p:cSld>
+    <p:bg>
+      <p:bgPr>
+        <a:solidFill>
+          <a:schemeClr val="bg1"/>
+        </a:solidFill>
+        <a:effectLst/>
+      </p:bgPr>
+    </p:bg>
+    <p:spTree>
+      <p:nvGrpSpPr>
+        <p:cNvPr id="1" name=""/>
+        <p:cNvGrpSpPr/>
+        <p:nvPr/>
+      </p:nvGrpSpPr>
+      <p:grpSpPr>
+        <a:xfrm>
+          <a:off x="0" y="0"/>
+          <a:ext cx="0" cy="0"/>
+          <a:chOff x="0" y="0"/>
+          <a:chExt cx="0" cy="0"/>
+        </a:xfrm>
+      </p:grpSpPr>
+      <p:sp>
+        <p:nvSpPr>
+          <p:cNvPr id="12" name="Rectangle 11">
+            <a:extLst>
+              <a:ext uri="{FF2B5EF4-FFF2-40B4-BE49-F238E27FC236}">
+                <a16:creationId xmlns:a16="http://schemas.microsoft.com/office/drawing/2014/main" id="{8D06CE56-3881-4ADA-8CEF-D18B02C242A3}"/>
+              </a:ext>
+              <a:ext uri="{C183D7F6-B498-43B3-948B-1728B52AA6E4}">
+                <adec:decorative xmlns:adec="http://schemas.microsoft.com/office/drawing/2017/decorative" val="1"/>
+              </a:ext>
+            </a:extLst>
+          </p:cNvPr>
+          <p:cNvSpPr>
+            <a:spLocks noGrp="1" noRot="1" noChangeAspect="1" noMove="1" noResize="1" noEditPoints="1" noAdjustHandles="1" noChangeArrowheads="1" noChangeShapeType="1" noTextEdit="1"/>
+          </p:cNvSpPr>
+          <p:nvPr>
+            <p:extLst>
+              <p:ext uri="{386F3935-93C4-4BCD-93E2-E3B085C9AB24}">
+                <p16:designElem xmlns:p16="http://schemas.microsoft.com/office/powerpoint/2015/main" val="1"/>
+              </p:ext>
+            </p:extLst>
+          </p:nvPr>
+        </p:nvSpPr>
+        <p:spPr>
+          <a:xfrm rot="5400000">
+            <a:off x="857544" y="346791"/>
+            <a:ext cx="146304" cy="704088"/>
+          </a:xfrm>
+          <a:prstGeom prst="rect">
+            <a:avLst/>
+          </a:prstGeom>
+          <a:solidFill>
+            <a:schemeClr val="accent1"/>
+          </a:solidFill>
+          <a:ln>
+            <a:noFill/>
+          </a:ln>
+        </p:spPr>
+        <p:style>
+          <a:lnRef idx="2">
+            <a:schemeClr val="accent1">
+              <a:shade val="50000"/>
+            </a:schemeClr>
+          </a:lnRef>
+          <a:fillRef idx="1">
+            <a:schemeClr val="accent1"/>
+          </a:fillRef>
+          <a:effectRef idx="0">
+            <a:schemeClr val="accent1"/>
+          </a:effectRef>
+          <a:fontRef idx="minor">
+            <a:schemeClr val="lt1"/>
+          </a:fontRef>
+        </p:style>
+        <p:txBody>
+          <a:bodyPr rtlCol="0" anchor="ctr"/>
+          <a:lstStyle/>
+          <a:p>
+            <a:pPr marL="0" marR="0" lvl="0" indent="0" algn="ctr" defTabSz="914400" rtl="0" eaLnBrk="1" fontAlgn="auto" latinLnBrk="0" hangingPunct="1">
+              <a:lnSpc>
+                <a:spcPct val="100000"/>
+              </a:lnSpc>
+              <a:spcBef>
+                <a:spcPts val="0"/>
+              </a:spcBef>
+              <a:spcAft>
+                <a:spcPts val="0"/>
+              </a:spcAft>
+              <a:buClrTx/>
+              <a:buSzTx/>
+              <a:buFontTx/>
+              <a:buNone/>
+              <a:tabLst/>
+              <a:defRPr/>
+            </a:pPr>
+            <a:endParaRPr kumimoji="0" lang="en-US" sz="1800" b="0" i="0" u="none" strike="noStrike" kern="1200" cap="none" spc="0" normalizeH="0" baseline="0" noProof="0">
+              <a:ln>
+                <a:noFill/>
+              </a:ln>
+              <a:solidFill>
+                <a:prstClr val="white"/>
+              </a:solidFill>
+              <a:effectLst/>
+              <a:uLnTx/>
+              <a:uFillTx/>
+              <a:latin typeface="Calibri" panose="020F0502020204030204"/>
+              <a:ea typeface="+mn-ea"/>
+              <a:cs typeface="+mn-cs"/>
+            </a:endParaRPr>
+          </a:p>
+        </p:txBody>
+      </p:sp>
+      <p:sp>
+        <p:nvSpPr>
+          <p:cNvPr id="14" name="Rectangle 13">
+            <a:extLst>
+              <a:ext uri="{FF2B5EF4-FFF2-40B4-BE49-F238E27FC236}">
+                <a16:creationId xmlns:a16="http://schemas.microsoft.com/office/drawing/2014/main" id="{79F3C543-62EC-4433-9C93-A2CD8764E9B4}"/>
+              </a:ext>
+              <a:ext uri="{C183D7F6-B498-43B3-948B-1728B52AA6E4}">
+                <adec:decorative xmlns:adec="http://schemas.microsoft.com/office/drawing/2017/decorative" val="1"/>
+              </a:ext>
+            </a:extLst>
+          </p:cNvPr>
+          <p:cNvSpPr>
+            <a:spLocks noGrp="1" noRot="1" noChangeAspect="1" noMove="1" noResize="1" noEditPoints="1" noAdjustHandles="1" noChangeArrowheads="1" noChangeShapeType="1" noTextEdit="1"/>
+          </p:cNvSpPr>
+          <p:nvPr>
+            <p:extLst>
+              <p:ext uri="{386F3935-93C4-4BCD-93E2-E3B085C9AB24}">
+                <p16:designElem xmlns:p16="http://schemas.microsoft.com/office/powerpoint/2015/main" val="1"/>
+              </p:ext>
+            </p:extLst>
+          </p:nvPr>
+        </p:nvSpPr>
+        <p:spPr>
+          <a:xfrm flipV="1">
+            <a:off x="578652" y="4501201"/>
+            <a:ext cx="11034696" cy="18288"/>
+          </a:xfrm>
+          <a:prstGeom prst="rect">
+            <a:avLst/>
+          </a:prstGeom>
+          <a:solidFill>
+            <a:schemeClr val="tx2">
+              <a:lumMod val="25000"/>
+              <a:lumOff val="75000"/>
+            </a:schemeClr>
+          </a:solidFill>
+          <a:ln w="3175">
+            <a:noFill/>
+          </a:ln>
+          <a:effectLst/>
+        </p:spPr>
+        <p:style>
+          <a:lnRef idx="2">
+            <a:schemeClr val="accent1">
+              <a:shade val="50000"/>
+            </a:schemeClr>
+          </a:lnRef>
+          <a:fillRef idx="1">
+            <a:schemeClr val="accent1"/>
+          </a:fillRef>
+          <a:effectRef idx="0">
+            <a:schemeClr val="accent1"/>
+          </a:effectRef>
+          <a:fontRef idx="minor">
+            <a:schemeClr val="lt1"/>
+          </a:fontRef>
+        </p:style>
+        <p:txBody>
+          <a:bodyPr rtlCol="0" anchor="ctr"/>
+          <a:lstStyle/>
+          <a:p>
+            <a:pPr marL="0" marR="0" lvl="0" indent="0" algn="ctr" defTabSz="914400" rtl="0" eaLnBrk="1" fontAlgn="auto" latinLnBrk="0" hangingPunct="1">
+              <a:lnSpc>
+                <a:spcPct val="100000"/>
+              </a:lnSpc>
+              <a:spcBef>
+                <a:spcPts val="0"/>
+              </a:spcBef>
+              <a:spcAft>
+                <a:spcPts val="0"/>
+              </a:spcAft>
+              <a:buClrTx/>
+              <a:buSzTx/>
+              <a:buFontTx/>
+              <a:buNone/>
+              <a:tabLst/>
+              <a:defRPr/>
+            </a:pPr>
+            <a:endParaRPr kumimoji="0" lang="en-US" sz="1800" b="0" i="0" u="none" strike="noStrike" kern="1200" cap="none" spc="0" normalizeH="0" baseline="0" noProof="0">
+              <a:ln>
+                <a:noFill/>
+              </a:ln>
+              <a:solidFill>
+                <a:prstClr val="white"/>
+              </a:solidFill>
+              <a:effectLst/>
+              <a:uLnTx/>
+              <a:uFillTx/>
+              <a:latin typeface="Calibri" panose="020F0502020204030204"/>
+              <a:ea typeface="+mn-ea"/>
+              <a:cs typeface="+mn-cs"/>
+            </a:endParaRPr>
+          </a:p>
+        </p:txBody>
+      </p:sp>
+      <p:sp useBgFill="1">
+        <p:nvSpPr>
+          <p:cNvPr id="16" name="Rectangle 15">
+            <a:extLst>
+              <a:ext uri="{FF2B5EF4-FFF2-40B4-BE49-F238E27FC236}">
+                <a16:creationId xmlns:a16="http://schemas.microsoft.com/office/drawing/2014/main" id="{C1A1C5D3-C053-4EE9-BE1A-419B6E27CCAE}"/>
+              </a:ext>
+              <a:ext uri="{C183D7F6-B498-43B3-948B-1728B52AA6E4}">
+                <adec:decorative xmlns:adec="http://schemas.microsoft.com/office/drawing/2017/decorative" val="1"/>
+              </a:ext>
+            </a:extLst>
+          </p:cNvPr>
+          <p:cNvSpPr>
+            <a:spLocks noGrp="1" noRot="1" noChangeAspect="1" noMove="1" noResize="1" noEditPoints="1" noAdjustHandles="1" noChangeArrowheads="1" noChangeShapeType="1" noTextEdit="1"/>
+          </p:cNvSpPr>
+          <p:nvPr>
+            <p:extLst>
+              <p:ext uri="{386F3935-93C4-4BCD-93E2-E3B085C9AB24}">
+                <p16:designElem xmlns:p16="http://schemas.microsoft.com/office/powerpoint/2015/main" val="1"/>
+              </p:ext>
+            </p:extLst>
+          </p:nvPr>
+        </p:nvSpPr>
+        <p:spPr>
+          <a:xfrm>
+            <a:off x="0" y="0"/>
+            <a:ext cx="12192000" cy="6858000"/>
+          </a:xfrm>
+          <a:prstGeom prst="rect">
+            <a:avLst/>
+          </a:prstGeom>
+          <a:ln>
+            <a:noFill/>
+          </a:ln>
+        </p:spPr>
+        <p:style>
+          <a:lnRef idx="2">
+            <a:schemeClr val="accent1">
+              <a:shade val="50000"/>
+            </a:schemeClr>
+          </a:lnRef>
+          <a:fillRef idx="1">
+            <a:schemeClr val="accent1"/>
+          </a:fillRef>
+          <a:effectRef idx="0">
+            <a:schemeClr val="accent1"/>
+          </a:effectRef>
+          <a:fontRef idx="minor">
+            <a:schemeClr val="lt1"/>
+          </a:fontRef>
+        </p:style>
+        <p:txBody>
+          <a:bodyPr rtlCol="0" anchor="ctr"/>
+          <a:lstStyle/>
+          <a:p>
+            <a:pPr algn="ctr"/>
+            <a:endParaRPr lang="en-US"/>
+          </a:p>
+        </p:txBody>
+      </p:sp>
+      <p:sp useBgFill="1">
+        <p:nvSpPr>
+          <p:cNvPr id="18" name="Rectangle 17">
             <a:extLst>
               <a:ext uri="{FF2B5EF4-FFF2-40B4-BE49-F238E27FC236}">
                 <a16:creationId xmlns:a16="http://schemas.microsoft.com/office/drawing/2014/main" id="{A3473CF9-37EB-43E7-89EF-D2D1C53D1DAC}"/>
@@ -9755,21 +11037,38 @@
         </p:spPr>
         <p:txBody>
           <a:bodyPr vert="horz" lIns="91440" tIns="45720" rIns="91440" bIns="45720" rtlCol="0" anchor="ctr">
-            <a:normAutofit/>
+            <a:normAutofit fontScale="90000"/>
           </a:bodyPr>
           <a:lstStyle/>
           <a:p>
             <a:pPr algn="ctr"/>
             <a:r>
+              <a:rPr lang="en-US" dirty="0" err="1"/>
+              <a:t>Implémentation</a:t>
+            </a:r>
+            <a:r>
               <a:rPr lang="en-US" dirty="0"/>
-              <a:t>Conclusion</a:t>
-            </a:r>
+              <a:t> d’un </a:t>
+            </a:r>
+            <a:r>
+              <a:rPr lang="en-US" dirty="0" err="1"/>
+              <a:t>cas</a:t>
+            </a:r>
+            <a:r>
+              <a:rPr lang="en-US" dirty="0"/>
+              <a:t> </a:t>
+            </a:r>
+            <a:r>
+              <a:rPr lang="en-US" dirty="0" err="1"/>
+              <a:t>d’usage</a:t>
+            </a:r>
+            <a:endParaRPr lang="en-US" dirty="0"/>
           </a:p>
         </p:txBody>
       </p:sp>
       <p:sp>
         <p:nvSpPr>
-          <p:cNvPr id="21" name="Rectangle: Rounded Corners 20">
+          <p:cNvPr id="20" name="Rectangle: Rounded Corners 19">
             <a:extLst>
               <a:ext uri="{FF2B5EF4-FFF2-40B4-BE49-F238E27FC236}">
                 <a16:creationId xmlns:a16="http://schemas.microsoft.com/office/drawing/2014/main" id="{586B4EF9-43BA-4655-A6FF-1D8E21574C95}"/>
@@ -9863,10 +11162,10 @@
       </p:sp>
       <p:pic>
         <p:nvPicPr>
-          <p:cNvPr id="8" name="Espace réservé du contenu 7" descr="Coche avec un remplissage uni">
-            <a:extLst>
-              <a:ext uri="{FF2B5EF4-FFF2-40B4-BE49-F238E27FC236}">
-                <a16:creationId xmlns:a16="http://schemas.microsoft.com/office/drawing/2014/main" id="{66A8D1D9-8487-FDD4-B790-707C74EA2973}"/>
+          <p:cNvPr id="7" name="Espace réservé du contenu 6" descr="Base de données avec un remplissage uni">
+            <a:extLst>
+              <a:ext uri="{FF2B5EF4-FFF2-40B4-BE49-F238E27FC236}">
+                <a16:creationId xmlns:a16="http://schemas.microsoft.com/office/drawing/2014/main" id="{ECCC4FBD-FA28-483B-9669-73748CB188E9}"/>
               </a:ext>
             </a:extLst>
           </p:cNvPr>
@@ -9949,7 +11248,7 @@
                   <a:spcPts val="600"/>
                 </a:spcAft>
               </a:pPr>
-              <a:t>12</a:t>
+              <a:t>15</a:t>
             </a:fld>
             <a:endParaRPr lang="en-US">
               <a:solidFill>
@@ -9965,7 +11264,820 @@
     </p:spTree>
     <p:extLst>
       <p:ext uri="{BB962C8B-B14F-4D97-AF65-F5344CB8AC3E}">
-        <p14:creationId xmlns:p14="http://schemas.microsoft.com/office/powerpoint/2010/main" val="3881536513"/>
+        <p14:creationId xmlns:p14="http://schemas.microsoft.com/office/powerpoint/2010/main" val="1278490531"/>
+      </p:ext>
+    </p:extLst>
+  </p:cSld>
+  <p:clrMapOvr>
+    <a:masterClrMapping/>
+  </p:clrMapOvr>
+</p:sld>
+</file>
+
+<file path=ppt/slides/slide16.xml><?xml version="1.0" encoding="utf-8"?>
+<p:sld xmlns:a="http://schemas.openxmlformats.org/drawingml/2006/main" xmlns:r="http://schemas.openxmlformats.org/officeDocument/2006/relationships" xmlns:p="http://schemas.openxmlformats.org/presentationml/2006/main">
+  <p:cSld>
+    <p:spTree>
+      <p:nvGrpSpPr>
+        <p:cNvPr id="1" name=""/>
+        <p:cNvGrpSpPr/>
+        <p:nvPr/>
+      </p:nvGrpSpPr>
+      <p:grpSpPr>
+        <a:xfrm>
+          <a:off x="0" y="0"/>
+          <a:ext cx="0" cy="0"/>
+          <a:chOff x="0" y="0"/>
+          <a:chExt cx="0" cy="0"/>
+        </a:xfrm>
+      </p:grpSpPr>
+      <p:sp>
+        <p:nvSpPr>
+          <p:cNvPr id="2" name="Titre 1">
+            <a:extLst>
+              <a:ext uri="{FF2B5EF4-FFF2-40B4-BE49-F238E27FC236}">
+                <a16:creationId xmlns:a16="http://schemas.microsoft.com/office/drawing/2014/main" id="{183CA210-FF80-5E5F-FE7B-15EAEA03DBAA}"/>
+              </a:ext>
+            </a:extLst>
+          </p:cNvPr>
+          <p:cNvSpPr>
+            <a:spLocks noGrp="1"/>
+          </p:cNvSpPr>
+          <p:nvPr>
+            <p:ph type="title"/>
+          </p:nvPr>
+        </p:nvSpPr>
+        <p:spPr/>
+        <p:txBody>
+          <a:bodyPr>
+            <a:normAutofit fontScale="90000"/>
+          </a:bodyPr>
+          <a:lstStyle/>
+          <a:p>
+            <a:r>
+              <a:rPr lang="fr-FR" dirty="0"/>
+              <a:t>Déploiement sur une VM – 1 Installer Neo4j</a:t>
+            </a:r>
+          </a:p>
+        </p:txBody>
+      </p:sp>
+      <p:pic>
+        <p:nvPicPr>
+          <p:cNvPr id="10" name="Espace réservé du contenu 9">
+            <a:extLst>
+              <a:ext uri="{FF2B5EF4-FFF2-40B4-BE49-F238E27FC236}">
+                <a16:creationId xmlns:a16="http://schemas.microsoft.com/office/drawing/2014/main" id="{69F1CB29-8F74-F265-335C-68698C97D69C}"/>
+              </a:ext>
+            </a:extLst>
+          </p:cNvPr>
+          <p:cNvPicPr>
+            <a:picLocks noGrp="1" noChangeAspect="1"/>
+          </p:cNvPicPr>
+          <p:nvPr>
+            <p:ph sz="half" idx="1"/>
+          </p:nvPr>
+        </p:nvPicPr>
+        <p:blipFill>
+          <a:blip r:embed="rId2">
+            <a:extLst>
+              <a:ext uri="{28A0092B-C50C-407E-A947-70E740481C1C}">
+                <a14:useLocalDpi xmlns:a14="http://schemas.microsoft.com/office/drawing/2010/main" val="0"/>
+              </a:ext>
+            </a:extLst>
+          </a:blip>
+          <a:stretch>
+            <a:fillRect/>
+          </a:stretch>
+        </p:blipFill>
+        <p:spPr>
+          <a:xfrm>
+            <a:off x="1540228" y="2478088"/>
+            <a:ext cx="4088694" cy="3694112"/>
+          </a:xfrm>
+        </p:spPr>
+      </p:pic>
+      <p:sp>
+        <p:nvSpPr>
+          <p:cNvPr id="8" name="Espace réservé du contenu 7">
+            <a:extLst>
+              <a:ext uri="{FF2B5EF4-FFF2-40B4-BE49-F238E27FC236}">
+                <a16:creationId xmlns:a16="http://schemas.microsoft.com/office/drawing/2014/main" id="{0C429077-CAD0-3527-79E5-AEA8A9C62913}"/>
+              </a:ext>
+            </a:extLst>
+          </p:cNvPr>
+          <p:cNvSpPr>
+            <a:spLocks noGrp="1"/>
+          </p:cNvSpPr>
+          <p:nvPr>
+            <p:ph sz="half" idx="2"/>
+          </p:nvPr>
+        </p:nvSpPr>
+        <p:spPr/>
+        <p:txBody>
+          <a:bodyPr/>
+          <a:lstStyle/>
+          <a:p>
+            <a:pPr marL="457200" indent="-457200">
+              <a:lnSpc>
+                <a:spcPct val="150000"/>
+              </a:lnSpc>
+              <a:buFont typeface="+mj-lt"/>
+              <a:buAutoNum type="arabicPeriod"/>
+            </a:pPr>
+            <a:r>
+              <a:rPr lang="fr-FR" i="1" dirty="0"/>
+              <a:t>$ </a:t>
+            </a:r>
+            <a:r>
+              <a:rPr lang="fr-FR" i="1" dirty="0" err="1"/>
+              <a:t>sudo</a:t>
+            </a:r>
+            <a:r>
+              <a:rPr lang="fr-FR" i="1" dirty="0"/>
+              <a:t> </a:t>
+            </a:r>
+            <a:r>
+              <a:rPr lang="fr-FR" i="1" dirty="0" err="1"/>
+              <a:t>apt</a:t>
+            </a:r>
+            <a:r>
+              <a:rPr lang="fr-FR" i="1" dirty="0"/>
+              <a:t> </a:t>
+            </a:r>
+            <a:r>
+              <a:rPr lang="fr-FR" i="1" dirty="0" err="1"/>
+              <a:t>install</a:t>
+            </a:r>
+            <a:r>
+              <a:rPr lang="fr-FR" i="1" dirty="0"/>
+              <a:t> neo4j</a:t>
+            </a:r>
+          </a:p>
+          <a:p>
+            <a:pPr marL="457200" indent="-457200">
+              <a:lnSpc>
+                <a:spcPct val="150000"/>
+              </a:lnSpc>
+              <a:buFont typeface="+mj-lt"/>
+              <a:buAutoNum type="arabicPeriod"/>
+            </a:pPr>
+            <a:r>
+              <a:rPr lang="fr-FR" i="1" dirty="0"/>
+              <a:t>$ </a:t>
+            </a:r>
+            <a:r>
+              <a:rPr lang="fr-FR" i="1" dirty="0" err="1"/>
+              <a:t>sudo</a:t>
+            </a:r>
+            <a:r>
+              <a:rPr lang="fr-FR" i="1" dirty="0"/>
+              <a:t> </a:t>
+            </a:r>
+            <a:r>
+              <a:rPr lang="fr-FR" i="1" dirty="0" err="1"/>
+              <a:t>systemctl</a:t>
+            </a:r>
+            <a:r>
+              <a:rPr lang="fr-FR" i="1" dirty="0"/>
+              <a:t> enable neo4j.service</a:t>
+            </a:r>
+          </a:p>
+          <a:p>
+            <a:pPr marL="457200" indent="-457200">
+              <a:lnSpc>
+                <a:spcPct val="150000"/>
+              </a:lnSpc>
+              <a:buFont typeface="+mj-lt"/>
+              <a:buAutoNum type="arabicPeriod"/>
+            </a:pPr>
+            <a:r>
+              <a:rPr lang="fr-FR" i="1" dirty="0"/>
+              <a:t>$ </a:t>
+            </a:r>
+            <a:r>
+              <a:rPr lang="fr-FR" i="1" dirty="0" err="1"/>
+              <a:t>sudo</a:t>
+            </a:r>
+            <a:r>
+              <a:rPr lang="fr-FR" i="1" dirty="0"/>
+              <a:t> </a:t>
+            </a:r>
+            <a:r>
+              <a:rPr lang="fr-FR" i="1" dirty="0" err="1"/>
+              <a:t>systemctl</a:t>
+            </a:r>
+            <a:r>
+              <a:rPr lang="fr-FR" i="1" dirty="0"/>
+              <a:t> start neo4j.service</a:t>
+            </a:r>
+          </a:p>
+        </p:txBody>
+      </p:sp>
+      <p:sp>
+        <p:nvSpPr>
+          <p:cNvPr id="4" name="Espace réservé du numéro de diapositive 3">
+            <a:extLst>
+              <a:ext uri="{FF2B5EF4-FFF2-40B4-BE49-F238E27FC236}">
+                <a16:creationId xmlns:a16="http://schemas.microsoft.com/office/drawing/2014/main" id="{A6219BC6-BEF2-9402-5374-72A41697B27E}"/>
+              </a:ext>
+            </a:extLst>
+          </p:cNvPr>
+          <p:cNvSpPr>
+            <a:spLocks noGrp="1"/>
+          </p:cNvSpPr>
+          <p:nvPr>
+            <p:ph type="sldNum" sz="quarter" idx="12"/>
+          </p:nvPr>
+        </p:nvSpPr>
+        <p:spPr/>
+        <p:txBody>
+          <a:bodyPr/>
+          <a:lstStyle/>
+          <a:p>
+            <a:fld id="{B2DC25EE-239B-4C5F-AAD1-255A7D5F1EE2}" type="slidenum">
+              <a:rPr lang="en-US" smtClean="0"/>
+              <a:t>16</a:t>
+            </a:fld>
+            <a:endParaRPr lang="en-US"/>
+          </a:p>
+        </p:txBody>
+      </p:sp>
+    </p:spTree>
+    <p:extLst>
+      <p:ext uri="{BB962C8B-B14F-4D97-AF65-F5344CB8AC3E}">
+        <p14:creationId xmlns:p14="http://schemas.microsoft.com/office/powerpoint/2010/main" val="3564188170"/>
+      </p:ext>
+    </p:extLst>
+  </p:cSld>
+  <p:clrMapOvr>
+    <a:masterClrMapping/>
+  </p:clrMapOvr>
+</p:sld>
+</file>
+
+<file path=ppt/slides/slide17.xml><?xml version="1.0" encoding="utf-8"?>
+<p:sld xmlns:a="http://schemas.openxmlformats.org/drawingml/2006/main" xmlns:r="http://schemas.openxmlformats.org/officeDocument/2006/relationships" xmlns:p="http://schemas.openxmlformats.org/presentationml/2006/main">
+  <p:cSld>
+    <p:spTree>
+      <p:nvGrpSpPr>
+        <p:cNvPr id="1" name=""/>
+        <p:cNvGrpSpPr/>
+        <p:nvPr/>
+      </p:nvGrpSpPr>
+      <p:grpSpPr>
+        <a:xfrm>
+          <a:off x="0" y="0"/>
+          <a:ext cx="0" cy="0"/>
+          <a:chOff x="0" y="0"/>
+          <a:chExt cx="0" cy="0"/>
+        </a:xfrm>
+      </p:grpSpPr>
+      <p:sp>
+        <p:nvSpPr>
+          <p:cNvPr id="2" name="Titre 1">
+            <a:extLst>
+              <a:ext uri="{FF2B5EF4-FFF2-40B4-BE49-F238E27FC236}">
+                <a16:creationId xmlns:a16="http://schemas.microsoft.com/office/drawing/2014/main" id="{183CA210-FF80-5E5F-FE7B-15EAEA03DBAA}"/>
+              </a:ext>
+            </a:extLst>
+          </p:cNvPr>
+          <p:cNvSpPr>
+            <a:spLocks noGrp="1"/>
+          </p:cNvSpPr>
+          <p:nvPr>
+            <p:ph type="title"/>
+          </p:nvPr>
+        </p:nvSpPr>
+        <p:spPr/>
+        <p:txBody>
+          <a:bodyPr>
+            <a:normAutofit fontScale="90000"/>
+          </a:bodyPr>
+          <a:lstStyle/>
+          <a:p>
+            <a:r>
+              <a:rPr lang="fr-FR" dirty="0"/>
+              <a:t>Déploiement sur une VM – 1 Installer Neo4j</a:t>
+            </a:r>
+          </a:p>
+        </p:txBody>
+      </p:sp>
+      <p:pic>
+        <p:nvPicPr>
+          <p:cNvPr id="11" name="Espace réservé du contenu 10" descr="Une image contenant texte&#10;&#10;Description générée automatiquement">
+            <a:extLst>
+              <a:ext uri="{FF2B5EF4-FFF2-40B4-BE49-F238E27FC236}">
+                <a16:creationId xmlns:a16="http://schemas.microsoft.com/office/drawing/2014/main" id="{3922A4D1-889F-C239-C3CE-E4862A302D61}"/>
+              </a:ext>
+            </a:extLst>
+          </p:cNvPr>
+          <p:cNvPicPr>
+            <a:picLocks noGrp="1" noChangeAspect="1"/>
+          </p:cNvPicPr>
+          <p:nvPr>
+            <p:ph sz="half" idx="2"/>
+          </p:nvPr>
+        </p:nvPicPr>
+        <p:blipFill>
+          <a:blip r:embed="rId2">
+            <a:extLst>
+              <a:ext uri="{28A0092B-C50C-407E-A947-70E740481C1C}">
+                <a14:useLocalDpi xmlns:a14="http://schemas.microsoft.com/office/drawing/2010/main" val="0"/>
+              </a:ext>
+            </a:extLst>
+          </a:blip>
+          <a:stretch>
+            <a:fillRect/>
+          </a:stretch>
+        </p:blipFill>
+        <p:spPr>
+          <a:xfrm>
+            <a:off x="6345238" y="3642131"/>
+            <a:ext cx="4938712" cy="1366026"/>
+          </a:xfrm>
+        </p:spPr>
+      </p:pic>
+      <p:sp>
+        <p:nvSpPr>
+          <p:cNvPr id="4" name="Espace réservé du numéro de diapositive 3">
+            <a:extLst>
+              <a:ext uri="{FF2B5EF4-FFF2-40B4-BE49-F238E27FC236}">
+                <a16:creationId xmlns:a16="http://schemas.microsoft.com/office/drawing/2014/main" id="{A6219BC6-BEF2-9402-5374-72A41697B27E}"/>
+              </a:ext>
+            </a:extLst>
+          </p:cNvPr>
+          <p:cNvSpPr>
+            <a:spLocks noGrp="1"/>
+          </p:cNvSpPr>
+          <p:nvPr>
+            <p:ph type="sldNum" sz="quarter" idx="12"/>
+          </p:nvPr>
+        </p:nvSpPr>
+        <p:spPr/>
+        <p:txBody>
+          <a:bodyPr/>
+          <a:lstStyle/>
+          <a:p>
+            <a:fld id="{B2DC25EE-239B-4C5F-AAD1-255A7D5F1EE2}" type="slidenum">
+              <a:rPr lang="en-US" smtClean="0"/>
+              <a:t>17</a:t>
+            </a:fld>
+            <a:endParaRPr lang="en-US"/>
+          </a:p>
+        </p:txBody>
+      </p:sp>
+      <p:sp>
+        <p:nvSpPr>
+          <p:cNvPr id="5" name="Espace réservé du contenu 4">
+            <a:extLst>
+              <a:ext uri="{FF2B5EF4-FFF2-40B4-BE49-F238E27FC236}">
+                <a16:creationId xmlns:a16="http://schemas.microsoft.com/office/drawing/2014/main" id="{89C2D0E6-58A5-A995-C8ED-252AA7F1276B}"/>
+              </a:ext>
+            </a:extLst>
+          </p:cNvPr>
+          <p:cNvSpPr>
+            <a:spLocks noGrp="1"/>
+          </p:cNvSpPr>
+          <p:nvPr>
+            <p:ph sz="half" idx="1"/>
+          </p:nvPr>
+        </p:nvSpPr>
+        <p:spPr/>
+        <p:txBody>
+          <a:bodyPr/>
+          <a:lstStyle/>
+          <a:p>
+            <a:r>
+              <a:rPr lang="fr-FR" i="1" dirty="0"/>
+              <a:t>$ </a:t>
+            </a:r>
+            <a:r>
+              <a:rPr lang="fr-FR" i="1" dirty="0" err="1"/>
+              <a:t>sudo</a:t>
+            </a:r>
+            <a:r>
+              <a:rPr lang="fr-FR" i="1" dirty="0"/>
+              <a:t> </a:t>
+            </a:r>
+            <a:r>
+              <a:rPr lang="fr-FR" i="1" dirty="0" err="1"/>
+              <a:t>systemctl</a:t>
+            </a:r>
+            <a:r>
+              <a:rPr lang="fr-FR" i="1" dirty="0"/>
+              <a:t> </a:t>
+            </a:r>
+            <a:r>
+              <a:rPr lang="fr-FR" i="1" dirty="0" err="1"/>
+              <a:t>status</a:t>
+            </a:r>
+            <a:r>
+              <a:rPr lang="fr-FR" i="1" dirty="0"/>
+              <a:t> neo4j.service</a:t>
+            </a:r>
+          </a:p>
+          <a:p>
+            <a:pPr marL="0" indent="0">
+              <a:buNone/>
+            </a:pPr>
+            <a:r>
+              <a:rPr lang="fr-FR" i="1" dirty="0">
+                <a:sym typeface="Wingdings" panose="05000000000000000000" pitchFamily="2" charset="2"/>
+              </a:rPr>
+              <a:t> Vérifier que le service est « enable » et « </a:t>
+            </a:r>
+            <a:r>
+              <a:rPr lang="fr-FR" i="1" dirty="0" err="1">
+                <a:sym typeface="Wingdings" panose="05000000000000000000" pitchFamily="2" charset="2"/>
+              </a:rPr>
+              <a:t>runnning</a:t>
+            </a:r>
+            <a:r>
+              <a:rPr lang="fr-FR" i="1" dirty="0">
+                <a:sym typeface="Wingdings" panose="05000000000000000000" pitchFamily="2" charset="2"/>
+              </a:rPr>
+              <a:t> »</a:t>
+            </a:r>
+            <a:endParaRPr lang="fr-FR" i="1" dirty="0"/>
+          </a:p>
+        </p:txBody>
+      </p:sp>
+    </p:spTree>
+    <p:extLst>
+      <p:ext uri="{BB962C8B-B14F-4D97-AF65-F5344CB8AC3E}">
+        <p14:creationId xmlns:p14="http://schemas.microsoft.com/office/powerpoint/2010/main" val="2950353427"/>
+      </p:ext>
+    </p:extLst>
+  </p:cSld>
+  <p:clrMapOvr>
+    <a:masterClrMapping/>
+  </p:clrMapOvr>
+</p:sld>
+</file>
+
+<file path=ppt/slides/slide18.xml><?xml version="1.0" encoding="utf-8"?>
+<p:sld xmlns:a="http://schemas.openxmlformats.org/drawingml/2006/main" xmlns:r="http://schemas.openxmlformats.org/officeDocument/2006/relationships" xmlns:p="http://schemas.openxmlformats.org/presentationml/2006/main">
+  <p:cSld>
+    <p:spTree>
+      <p:nvGrpSpPr>
+        <p:cNvPr id="1" name=""/>
+        <p:cNvGrpSpPr/>
+        <p:nvPr/>
+      </p:nvGrpSpPr>
+      <p:grpSpPr>
+        <a:xfrm>
+          <a:off x="0" y="0"/>
+          <a:ext cx="0" cy="0"/>
+          <a:chOff x="0" y="0"/>
+          <a:chExt cx="0" cy="0"/>
+        </a:xfrm>
+      </p:grpSpPr>
+      <p:sp>
+        <p:nvSpPr>
+          <p:cNvPr id="2" name="Titre 1">
+            <a:extLst>
+              <a:ext uri="{FF2B5EF4-FFF2-40B4-BE49-F238E27FC236}">
+                <a16:creationId xmlns:a16="http://schemas.microsoft.com/office/drawing/2014/main" id="{183CA210-FF80-5E5F-FE7B-15EAEA03DBAA}"/>
+              </a:ext>
+            </a:extLst>
+          </p:cNvPr>
+          <p:cNvSpPr>
+            <a:spLocks noGrp="1"/>
+          </p:cNvSpPr>
+          <p:nvPr>
+            <p:ph type="title"/>
+          </p:nvPr>
+        </p:nvSpPr>
+        <p:spPr/>
+        <p:txBody>
+          <a:bodyPr>
+            <a:normAutofit fontScale="90000"/>
+          </a:bodyPr>
+          <a:lstStyle/>
+          <a:p>
+            <a:r>
+              <a:rPr lang="fr-FR" dirty="0"/>
+              <a:t>Déploiement sur une VM – 2 Se connecter</a:t>
+            </a:r>
+          </a:p>
+        </p:txBody>
+      </p:sp>
+      <p:sp>
+        <p:nvSpPr>
+          <p:cNvPr id="4" name="Espace réservé du numéro de diapositive 3">
+            <a:extLst>
+              <a:ext uri="{FF2B5EF4-FFF2-40B4-BE49-F238E27FC236}">
+                <a16:creationId xmlns:a16="http://schemas.microsoft.com/office/drawing/2014/main" id="{A6219BC6-BEF2-9402-5374-72A41697B27E}"/>
+              </a:ext>
+            </a:extLst>
+          </p:cNvPr>
+          <p:cNvSpPr>
+            <a:spLocks noGrp="1"/>
+          </p:cNvSpPr>
+          <p:nvPr>
+            <p:ph type="sldNum" sz="quarter" idx="12"/>
+          </p:nvPr>
+        </p:nvSpPr>
+        <p:spPr/>
+        <p:txBody>
+          <a:bodyPr/>
+          <a:lstStyle/>
+          <a:p>
+            <a:fld id="{B2DC25EE-239B-4C5F-AAD1-255A7D5F1EE2}" type="slidenum">
+              <a:rPr lang="en-US" smtClean="0"/>
+              <a:t>18</a:t>
+            </a:fld>
+            <a:endParaRPr lang="en-US"/>
+          </a:p>
+        </p:txBody>
+      </p:sp>
+      <p:sp>
+        <p:nvSpPr>
+          <p:cNvPr id="5" name="Espace réservé du contenu 4">
+            <a:extLst>
+              <a:ext uri="{FF2B5EF4-FFF2-40B4-BE49-F238E27FC236}">
+                <a16:creationId xmlns:a16="http://schemas.microsoft.com/office/drawing/2014/main" id="{89C2D0E6-58A5-A995-C8ED-252AA7F1276B}"/>
+              </a:ext>
+            </a:extLst>
+          </p:cNvPr>
+          <p:cNvSpPr>
+            <a:spLocks noGrp="1"/>
+          </p:cNvSpPr>
+          <p:nvPr>
+            <p:ph sz="half" idx="1"/>
+          </p:nvPr>
+        </p:nvSpPr>
+        <p:spPr/>
+        <p:txBody>
+          <a:bodyPr/>
+          <a:lstStyle/>
+          <a:p>
+            <a:r>
+              <a:rPr lang="fr-FR" i="1" dirty="0"/>
+              <a:t>$ </a:t>
+            </a:r>
+            <a:r>
+              <a:rPr lang="fr-FR" i="1" dirty="0" err="1"/>
+              <a:t>cypher-shell</a:t>
+            </a:r>
+            <a:endParaRPr lang="fr-FR" i="1" dirty="0"/>
+          </a:p>
+          <a:p>
+            <a:pPr>
+              <a:buFont typeface="Wingdings" panose="05000000000000000000" pitchFamily="2" charset="2"/>
+              <a:buChar char="à"/>
+            </a:pPr>
+            <a:r>
+              <a:rPr lang="fr-FR" i="1" dirty="0">
+                <a:sym typeface="Wingdings" panose="05000000000000000000" pitchFamily="2" charset="2"/>
+              </a:rPr>
+              <a:t>Mettre le </a:t>
+            </a:r>
+            <a:r>
+              <a:rPr lang="fr-FR" i="1" dirty="0" err="1">
+                <a:sym typeface="Wingdings" panose="05000000000000000000" pitchFamily="2" charset="2"/>
+              </a:rPr>
+              <a:t>username</a:t>
+            </a:r>
+            <a:r>
+              <a:rPr lang="fr-FR" i="1" dirty="0">
+                <a:sym typeface="Wingdings" panose="05000000000000000000" pitchFamily="2" charset="2"/>
+              </a:rPr>
+              <a:t> et le mot de passe par défaut : neo4j – neo4j et changer le mot de passe</a:t>
+            </a:r>
+          </a:p>
+        </p:txBody>
+      </p:sp>
+      <p:pic>
+        <p:nvPicPr>
+          <p:cNvPr id="8" name="Espace réservé du contenu 7" descr="Une image contenant texte&#10;&#10;Description générée automatiquement">
+            <a:extLst>
+              <a:ext uri="{FF2B5EF4-FFF2-40B4-BE49-F238E27FC236}">
+                <a16:creationId xmlns:a16="http://schemas.microsoft.com/office/drawing/2014/main" id="{07648EF1-A1DA-35D0-BE10-13B87146F535}"/>
+              </a:ext>
+            </a:extLst>
+          </p:cNvPr>
+          <p:cNvPicPr>
+            <a:picLocks noGrp="1" noChangeAspect="1"/>
+          </p:cNvPicPr>
+          <p:nvPr>
+            <p:ph sz="half" idx="2"/>
+          </p:nvPr>
+        </p:nvPicPr>
+        <p:blipFill>
+          <a:blip r:embed="rId2">
+            <a:extLst>
+              <a:ext uri="{28A0092B-C50C-407E-A947-70E740481C1C}">
+                <a14:useLocalDpi xmlns:a14="http://schemas.microsoft.com/office/drawing/2010/main" val="0"/>
+              </a:ext>
+            </a:extLst>
+          </a:blip>
+          <a:stretch>
+            <a:fillRect/>
+          </a:stretch>
+        </p:blipFill>
+        <p:spPr>
+          <a:xfrm>
+            <a:off x="6345238" y="3507632"/>
+            <a:ext cx="4938712" cy="1635023"/>
+          </a:xfrm>
+        </p:spPr>
+      </p:pic>
+    </p:spTree>
+    <p:extLst>
+      <p:ext uri="{BB962C8B-B14F-4D97-AF65-F5344CB8AC3E}">
+        <p14:creationId xmlns:p14="http://schemas.microsoft.com/office/powerpoint/2010/main" val="2752524056"/>
+      </p:ext>
+    </p:extLst>
+  </p:cSld>
+  <p:clrMapOvr>
+    <a:masterClrMapping/>
+  </p:clrMapOvr>
+</p:sld>
+</file>
+
+<file path=ppt/slides/slide19.xml><?xml version="1.0" encoding="utf-8"?>
+<p:sld xmlns:a="http://schemas.openxmlformats.org/drawingml/2006/main" xmlns:r="http://schemas.openxmlformats.org/officeDocument/2006/relationships" xmlns:p="http://schemas.openxmlformats.org/presentationml/2006/main">
+  <p:cSld>
+    <p:spTree>
+      <p:nvGrpSpPr>
+        <p:cNvPr id="1" name=""/>
+        <p:cNvGrpSpPr/>
+        <p:nvPr/>
+      </p:nvGrpSpPr>
+      <p:grpSpPr>
+        <a:xfrm>
+          <a:off x="0" y="0"/>
+          <a:ext cx="0" cy="0"/>
+          <a:chOff x="0" y="0"/>
+          <a:chExt cx="0" cy="0"/>
+        </a:xfrm>
+      </p:grpSpPr>
+      <p:sp>
+        <p:nvSpPr>
+          <p:cNvPr id="2" name="Titre 1">
+            <a:extLst>
+              <a:ext uri="{FF2B5EF4-FFF2-40B4-BE49-F238E27FC236}">
+                <a16:creationId xmlns:a16="http://schemas.microsoft.com/office/drawing/2014/main" id="{183CA210-FF80-5E5F-FE7B-15EAEA03DBAA}"/>
+              </a:ext>
+            </a:extLst>
+          </p:cNvPr>
+          <p:cNvSpPr>
+            <a:spLocks noGrp="1"/>
+          </p:cNvSpPr>
+          <p:nvPr>
+            <p:ph type="title"/>
+          </p:nvPr>
+        </p:nvSpPr>
+        <p:spPr/>
+        <p:txBody>
+          <a:bodyPr>
+            <a:normAutofit fontScale="90000"/>
+          </a:bodyPr>
+          <a:lstStyle/>
+          <a:p>
+            <a:r>
+              <a:rPr lang="fr-FR" dirty="0"/>
+              <a:t>Déploiement sur une VM – 3 Accès </a:t>
+            </a:r>
+            <a:r>
+              <a:rPr lang="fr-FR" dirty="0" err="1"/>
+              <a:t>remote</a:t>
+            </a:r>
+            <a:endParaRPr lang="fr-FR" dirty="0"/>
+          </a:p>
+        </p:txBody>
+      </p:sp>
+      <p:sp>
+        <p:nvSpPr>
+          <p:cNvPr id="4" name="Espace réservé du numéro de diapositive 3">
+            <a:extLst>
+              <a:ext uri="{FF2B5EF4-FFF2-40B4-BE49-F238E27FC236}">
+                <a16:creationId xmlns:a16="http://schemas.microsoft.com/office/drawing/2014/main" id="{A6219BC6-BEF2-9402-5374-72A41697B27E}"/>
+              </a:ext>
+            </a:extLst>
+          </p:cNvPr>
+          <p:cNvSpPr>
+            <a:spLocks noGrp="1"/>
+          </p:cNvSpPr>
+          <p:nvPr>
+            <p:ph type="sldNum" sz="quarter" idx="12"/>
+          </p:nvPr>
+        </p:nvSpPr>
+        <p:spPr/>
+        <p:txBody>
+          <a:bodyPr/>
+          <a:lstStyle/>
+          <a:p>
+            <a:fld id="{B2DC25EE-239B-4C5F-AAD1-255A7D5F1EE2}" type="slidenum">
+              <a:rPr lang="en-US" smtClean="0"/>
+              <a:t>19</a:t>
+            </a:fld>
+            <a:endParaRPr lang="en-US"/>
+          </a:p>
+        </p:txBody>
+      </p:sp>
+      <p:sp>
+        <p:nvSpPr>
+          <p:cNvPr id="5" name="Espace réservé du contenu 4">
+            <a:extLst>
+              <a:ext uri="{FF2B5EF4-FFF2-40B4-BE49-F238E27FC236}">
+                <a16:creationId xmlns:a16="http://schemas.microsoft.com/office/drawing/2014/main" id="{89C2D0E6-58A5-A995-C8ED-252AA7F1276B}"/>
+              </a:ext>
+            </a:extLst>
+          </p:cNvPr>
+          <p:cNvSpPr>
+            <a:spLocks noGrp="1"/>
+          </p:cNvSpPr>
+          <p:nvPr>
+            <p:ph sz="half" idx="1"/>
+          </p:nvPr>
+        </p:nvSpPr>
+        <p:spPr/>
+        <p:txBody>
+          <a:bodyPr/>
+          <a:lstStyle/>
+          <a:p>
+            <a:r>
+              <a:rPr lang="fr-FR" i="1" dirty="0"/>
+              <a:t>$ </a:t>
+            </a:r>
+            <a:r>
+              <a:rPr lang="fr-FR" i="1" dirty="0" err="1"/>
+              <a:t>sudo</a:t>
+            </a:r>
+            <a:r>
+              <a:rPr lang="fr-FR" i="1" dirty="0"/>
+              <a:t> nano /</a:t>
+            </a:r>
+            <a:r>
+              <a:rPr lang="fr-FR" i="1" dirty="0" err="1"/>
+              <a:t>etc</a:t>
+            </a:r>
+            <a:r>
+              <a:rPr lang="fr-FR" i="1" dirty="0"/>
+              <a:t>/neo4j/neo4j.conf</a:t>
+            </a:r>
+          </a:p>
+          <a:p>
+            <a:pPr marL="0" indent="0">
+              <a:buNone/>
+            </a:pPr>
+            <a:r>
+              <a:rPr lang="fr-FR" i="1" dirty="0">
+                <a:sym typeface="Wingdings" panose="05000000000000000000" pitchFamily="2" charset="2"/>
+              </a:rPr>
+              <a:t> Décommenter la ligne pour autoriser l’accès en </a:t>
+            </a:r>
+            <a:r>
+              <a:rPr lang="fr-FR" i="1" dirty="0" err="1">
+                <a:sym typeface="Wingdings" panose="05000000000000000000" pitchFamily="2" charset="2"/>
+              </a:rPr>
+              <a:t>remote</a:t>
+            </a:r>
+            <a:endParaRPr lang="fr-FR" i="1" dirty="0"/>
+          </a:p>
+        </p:txBody>
+      </p:sp>
+      <p:pic>
+        <p:nvPicPr>
+          <p:cNvPr id="9" name="Espace réservé du contenu 8" descr="Une image contenant texte&#10;&#10;Description générée automatiquement">
+            <a:extLst>
+              <a:ext uri="{FF2B5EF4-FFF2-40B4-BE49-F238E27FC236}">
+                <a16:creationId xmlns:a16="http://schemas.microsoft.com/office/drawing/2014/main" id="{56160175-C0FC-9826-AD1B-585900FDE86C}"/>
+              </a:ext>
+            </a:extLst>
+          </p:cNvPr>
+          <p:cNvPicPr>
+            <a:picLocks noGrp="1" noChangeAspect="1"/>
+          </p:cNvPicPr>
+          <p:nvPr>
+            <p:ph sz="half" idx="2"/>
+          </p:nvPr>
+        </p:nvPicPr>
+        <p:blipFill>
+          <a:blip r:embed="rId2">
+            <a:extLst>
+              <a:ext uri="{28A0092B-C50C-407E-A947-70E740481C1C}">
+                <a14:useLocalDpi xmlns:a14="http://schemas.microsoft.com/office/drawing/2010/main" val="0"/>
+              </a:ext>
+            </a:extLst>
+          </a:blip>
+          <a:stretch>
+            <a:fillRect/>
+          </a:stretch>
+        </p:blipFill>
+        <p:spPr>
+          <a:xfrm>
+            <a:off x="6345238" y="3500899"/>
+            <a:ext cx="4938712" cy="1648489"/>
+          </a:xfrm>
+        </p:spPr>
+      </p:pic>
+    </p:spTree>
+    <p:extLst>
+      <p:ext uri="{BB962C8B-B14F-4D97-AF65-F5344CB8AC3E}">
+        <p14:creationId xmlns:p14="http://schemas.microsoft.com/office/powerpoint/2010/main" val="2581331787"/>
       </p:ext>
     </p:extLst>
   </p:cSld>
@@ -10362,7 +12474,878 @@
 </p:sld>
 </file>
 
-<file path=ppt/slides/slide3.xml><?xml version="1.0" encoding="utf-8"?>
+<file path=ppt/slides/slide20.xml><?xml version="1.0" encoding="utf-8"?>
+<p:sld xmlns:a="http://schemas.openxmlformats.org/drawingml/2006/main" xmlns:r="http://schemas.openxmlformats.org/officeDocument/2006/relationships" xmlns:p="http://schemas.openxmlformats.org/presentationml/2006/main">
+  <p:cSld>
+    <p:spTree>
+      <p:nvGrpSpPr>
+        <p:cNvPr id="1" name=""/>
+        <p:cNvGrpSpPr/>
+        <p:nvPr/>
+      </p:nvGrpSpPr>
+      <p:grpSpPr>
+        <a:xfrm>
+          <a:off x="0" y="0"/>
+          <a:ext cx="0" cy="0"/>
+          <a:chOff x="0" y="0"/>
+          <a:chExt cx="0" cy="0"/>
+        </a:xfrm>
+      </p:grpSpPr>
+      <p:sp>
+        <p:nvSpPr>
+          <p:cNvPr id="2" name="Titre 1">
+            <a:extLst>
+              <a:ext uri="{FF2B5EF4-FFF2-40B4-BE49-F238E27FC236}">
+                <a16:creationId xmlns:a16="http://schemas.microsoft.com/office/drawing/2014/main" id="{183CA210-FF80-5E5F-FE7B-15EAEA03DBAA}"/>
+              </a:ext>
+            </a:extLst>
+          </p:cNvPr>
+          <p:cNvSpPr>
+            <a:spLocks noGrp="1"/>
+          </p:cNvSpPr>
+          <p:nvPr>
+            <p:ph type="title"/>
+          </p:nvPr>
+        </p:nvSpPr>
+        <p:spPr/>
+        <p:txBody>
+          <a:bodyPr>
+            <a:normAutofit fontScale="90000"/>
+          </a:bodyPr>
+          <a:lstStyle/>
+          <a:p>
+            <a:r>
+              <a:rPr lang="fr-FR"/>
+              <a:t>Déploiement sur une VM – 3 Accès remote</a:t>
+            </a:r>
+            <a:endParaRPr lang="fr-FR" dirty="0"/>
+          </a:p>
+        </p:txBody>
+      </p:sp>
+      <p:sp>
+        <p:nvSpPr>
+          <p:cNvPr id="5" name="Espace réservé du contenu 4">
+            <a:extLst>
+              <a:ext uri="{FF2B5EF4-FFF2-40B4-BE49-F238E27FC236}">
+                <a16:creationId xmlns:a16="http://schemas.microsoft.com/office/drawing/2014/main" id="{89C2D0E6-58A5-A995-C8ED-252AA7F1276B}"/>
+              </a:ext>
+            </a:extLst>
+          </p:cNvPr>
+          <p:cNvSpPr>
+            <a:spLocks noGrp="1"/>
+          </p:cNvSpPr>
+          <p:nvPr>
+            <p:ph idx="1"/>
+          </p:nvPr>
+        </p:nvSpPr>
+        <p:spPr/>
+        <p:txBody>
+          <a:bodyPr/>
+          <a:lstStyle/>
+          <a:p>
+            <a:r>
+              <a:rPr lang="fr-FR" i="1" dirty="0"/>
+              <a:t>Depuis un </a:t>
+            </a:r>
+            <a:r>
+              <a:rPr lang="fr-FR" i="1" dirty="0" err="1"/>
+              <a:t>shell</a:t>
+            </a:r>
+            <a:r>
+              <a:rPr lang="fr-FR" i="1" dirty="0"/>
+              <a:t> :</a:t>
+            </a:r>
+          </a:p>
+          <a:p>
+            <a:endParaRPr lang="fr-FR" i="1" dirty="0"/>
+          </a:p>
+          <a:p>
+            <a:pPr marL="0" indent="0">
+              <a:buNone/>
+            </a:pPr>
+            <a:endParaRPr lang="fr-FR" i="1" dirty="0"/>
+          </a:p>
+          <a:p>
+            <a:pPr marL="0" indent="0">
+              <a:buNone/>
+            </a:pPr>
+            <a:r>
+              <a:rPr lang="fr-FR" i="1" dirty="0"/>
+              <a:t>$ </a:t>
+            </a:r>
+            <a:r>
+              <a:rPr lang="fr-FR" i="1" dirty="0" err="1"/>
+              <a:t>cypher-shell</a:t>
+            </a:r>
+            <a:r>
+              <a:rPr lang="fr-FR" i="1" dirty="0"/>
+              <a:t> –a neo4j://10.8.2.35:7687</a:t>
+            </a:r>
+          </a:p>
+        </p:txBody>
+      </p:sp>
+      <p:sp>
+        <p:nvSpPr>
+          <p:cNvPr id="4" name="Espace réservé du numéro de diapositive 3">
+            <a:extLst>
+              <a:ext uri="{FF2B5EF4-FFF2-40B4-BE49-F238E27FC236}">
+                <a16:creationId xmlns:a16="http://schemas.microsoft.com/office/drawing/2014/main" id="{A6219BC6-BEF2-9402-5374-72A41697B27E}"/>
+              </a:ext>
+            </a:extLst>
+          </p:cNvPr>
+          <p:cNvSpPr>
+            <a:spLocks noGrp="1"/>
+          </p:cNvSpPr>
+          <p:nvPr>
+            <p:ph type="sldNum" sz="quarter" idx="12"/>
+          </p:nvPr>
+        </p:nvSpPr>
+        <p:spPr/>
+        <p:txBody>
+          <a:bodyPr/>
+          <a:lstStyle/>
+          <a:p>
+            <a:fld id="{B2DC25EE-239B-4C5F-AAD1-255A7D5F1EE2}" type="slidenum">
+              <a:rPr lang="en-US" smtClean="0"/>
+              <a:t>20</a:t>
+            </a:fld>
+            <a:endParaRPr lang="en-US"/>
+          </a:p>
+        </p:txBody>
+      </p:sp>
+    </p:spTree>
+    <p:extLst>
+      <p:ext uri="{BB962C8B-B14F-4D97-AF65-F5344CB8AC3E}">
+        <p14:creationId xmlns:p14="http://schemas.microsoft.com/office/powerpoint/2010/main" val="3437069271"/>
+      </p:ext>
+    </p:extLst>
+  </p:cSld>
+  <p:clrMapOvr>
+    <a:masterClrMapping/>
+  </p:clrMapOvr>
+</p:sld>
+</file>
+
+<file path=ppt/slides/slide21.xml><?xml version="1.0" encoding="utf-8"?>
+<p:sld xmlns:a="http://schemas.openxmlformats.org/drawingml/2006/main" xmlns:r="http://schemas.openxmlformats.org/officeDocument/2006/relationships" xmlns:p="http://schemas.openxmlformats.org/presentationml/2006/main">
+  <p:cSld>
+    <p:spTree>
+      <p:nvGrpSpPr>
+        <p:cNvPr id="1" name=""/>
+        <p:cNvGrpSpPr/>
+        <p:nvPr/>
+      </p:nvGrpSpPr>
+      <p:grpSpPr>
+        <a:xfrm>
+          <a:off x="0" y="0"/>
+          <a:ext cx="0" cy="0"/>
+          <a:chOff x="0" y="0"/>
+          <a:chExt cx="0" cy="0"/>
+        </a:xfrm>
+      </p:grpSpPr>
+      <p:sp>
+        <p:nvSpPr>
+          <p:cNvPr id="2" name="Titre 1">
+            <a:extLst>
+              <a:ext uri="{FF2B5EF4-FFF2-40B4-BE49-F238E27FC236}">
+                <a16:creationId xmlns:a16="http://schemas.microsoft.com/office/drawing/2014/main" id="{183CA210-FF80-5E5F-FE7B-15EAEA03DBAA}"/>
+              </a:ext>
+            </a:extLst>
+          </p:cNvPr>
+          <p:cNvSpPr>
+            <a:spLocks noGrp="1"/>
+          </p:cNvSpPr>
+          <p:nvPr>
+            <p:ph type="title"/>
+          </p:nvPr>
+        </p:nvSpPr>
+        <p:spPr/>
+        <p:txBody>
+          <a:bodyPr>
+            <a:normAutofit fontScale="90000"/>
+          </a:bodyPr>
+          <a:lstStyle/>
+          <a:p>
+            <a:r>
+              <a:rPr lang="fr-FR"/>
+              <a:t>Déploiement sur une VM – 3 Accès remote</a:t>
+            </a:r>
+            <a:endParaRPr lang="fr-FR" dirty="0"/>
+          </a:p>
+        </p:txBody>
+      </p:sp>
+      <p:sp>
+        <p:nvSpPr>
+          <p:cNvPr id="5" name="Espace réservé du contenu 4">
+            <a:extLst>
+              <a:ext uri="{FF2B5EF4-FFF2-40B4-BE49-F238E27FC236}">
+                <a16:creationId xmlns:a16="http://schemas.microsoft.com/office/drawing/2014/main" id="{89C2D0E6-58A5-A995-C8ED-252AA7F1276B}"/>
+              </a:ext>
+            </a:extLst>
+          </p:cNvPr>
+          <p:cNvSpPr>
+            <a:spLocks noGrp="1"/>
+          </p:cNvSpPr>
+          <p:nvPr>
+            <p:ph idx="1"/>
+          </p:nvPr>
+        </p:nvSpPr>
+        <p:spPr/>
+        <p:txBody>
+          <a:bodyPr/>
+          <a:lstStyle/>
+          <a:p>
+            <a:r>
+              <a:rPr lang="fr-FR" i="1" dirty="0"/>
+              <a:t>Depuis une interface graphique – Neo4j Desktop:</a:t>
+            </a:r>
+          </a:p>
+          <a:p>
+            <a:pPr marL="0" indent="0">
+              <a:buNone/>
+            </a:pPr>
+            <a:endParaRPr lang="fr-FR" i="1" dirty="0"/>
+          </a:p>
+        </p:txBody>
+      </p:sp>
+      <p:sp>
+        <p:nvSpPr>
+          <p:cNvPr id="4" name="Espace réservé du numéro de diapositive 3">
+            <a:extLst>
+              <a:ext uri="{FF2B5EF4-FFF2-40B4-BE49-F238E27FC236}">
+                <a16:creationId xmlns:a16="http://schemas.microsoft.com/office/drawing/2014/main" id="{A6219BC6-BEF2-9402-5374-72A41697B27E}"/>
+              </a:ext>
+            </a:extLst>
+          </p:cNvPr>
+          <p:cNvSpPr>
+            <a:spLocks noGrp="1"/>
+          </p:cNvSpPr>
+          <p:nvPr>
+            <p:ph type="sldNum" sz="quarter" idx="12"/>
+          </p:nvPr>
+        </p:nvSpPr>
+        <p:spPr/>
+        <p:txBody>
+          <a:bodyPr/>
+          <a:lstStyle/>
+          <a:p>
+            <a:fld id="{B2DC25EE-239B-4C5F-AAD1-255A7D5F1EE2}" type="slidenum">
+              <a:rPr lang="en-US" smtClean="0"/>
+              <a:t>21</a:t>
+            </a:fld>
+            <a:endParaRPr lang="en-US"/>
+          </a:p>
+        </p:txBody>
+      </p:sp>
+      <p:pic>
+        <p:nvPicPr>
+          <p:cNvPr id="6" name="Image 5">
+            <a:extLst>
+              <a:ext uri="{FF2B5EF4-FFF2-40B4-BE49-F238E27FC236}">
+                <a16:creationId xmlns:a16="http://schemas.microsoft.com/office/drawing/2014/main" id="{19844FA1-56AB-DBC7-5A85-33F62A916FCC}"/>
+              </a:ext>
+            </a:extLst>
+          </p:cNvPr>
+          <p:cNvPicPr>
+            <a:picLocks noChangeAspect="1"/>
+          </p:cNvPicPr>
+          <p:nvPr/>
+        </p:nvPicPr>
+        <p:blipFill>
+          <a:blip r:embed="rId2">
+            <a:extLst>
+              <a:ext uri="{28A0092B-C50C-407E-A947-70E740481C1C}">
+                <a14:useLocalDpi xmlns:a14="http://schemas.microsoft.com/office/drawing/2010/main" val="0"/>
+              </a:ext>
+            </a:extLst>
+          </a:blip>
+          <a:stretch>
+            <a:fillRect/>
+          </a:stretch>
+        </p:blipFill>
+        <p:spPr>
+          <a:xfrm>
+            <a:off x="632460" y="3177540"/>
+            <a:ext cx="10927080" cy="2598420"/>
+          </a:xfrm>
+          <a:prstGeom prst="rect">
+            <a:avLst/>
+          </a:prstGeom>
+        </p:spPr>
+      </p:pic>
+    </p:spTree>
+    <p:extLst>
+      <p:ext uri="{BB962C8B-B14F-4D97-AF65-F5344CB8AC3E}">
+        <p14:creationId xmlns:p14="http://schemas.microsoft.com/office/powerpoint/2010/main" val="884235359"/>
+      </p:ext>
+    </p:extLst>
+  </p:cSld>
+  <p:clrMapOvr>
+    <a:masterClrMapping/>
+  </p:clrMapOvr>
+</p:sld>
+</file>
+
+<file path=ppt/slides/slide22.xml><?xml version="1.0" encoding="utf-8"?>
+<p:sld xmlns:a="http://schemas.openxmlformats.org/drawingml/2006/main" xmlns:r="http://schemas.openxmlformats.org/officeDocument/2006/relationships" xmlns:p="http://schemas.openxmlformats.org/presentationml/2006/main">
+  <p:cSld>
+    <p:spTree>
+      <p:nvGrpSpPr>
+        <p:cNvPr id="1" name=""/>
+        <p:cNvGrpSpPr/>
+        <p:nvPr/>
+      </p:nvGrpSpPr>
+      <p:grpSpPr>
+        <a:xfrm>
+          <a:off x="0" y="0"/>
+          <a:ext cx="0" cy="0"/>
+          <a:chOff x="0" y="0"/>
+          <a:chExt cx="0" cy="0"/>
+        </a:xfrm>
+      </p:grpSpPr>
+      <p:sp>
+        <p:nvSpPr>
+          <p:cNvPr id="2" name="Titre 1">
+            <a:extLst>
+              <a:ext uri="{FF2B5EF4-FFF2-40B4-BE49-F238E27FC236}">
+                <a16:creationId xmlns:a16="http://schemas.microsoft.com/office/drawing/2014/main" id="{183CA210-FF80-5E5F-FE7B-15EAEA03DBAA}"/>
+              </a:ext>
+            </a:extLst>
+          </p:cNvPr>
+          <p:cNvSpPr>
+            <a:spLocks noGrp="1"/>
+          </p:cNvSpPr>
+          <p:nvPr>
+            <p:ph type="title"/>
+          </p:nvPr>
+        </p:nvSpPr>
+        <p:spPr/>
+        <p:txBody>
+          <a:bodyPr>
+            <a:normAutofit fontScale="90000"/>
+          </a:bodyPr>
+          <a:lstStyle/>
+          <a:p>
+            <a:r>
+              <a:rPr lang="fr-FR"/>
+              <a:t>Déploiement sur une VM – 3 Accès remote</a:t>
+            </a:r>
+            <a:endParaRPr lang="fr-FR" dirty="0"/>
+          </a:p>
+        </p:txBody>
+      </p:sp>
+      <p:sp>
+        <p:nvSpPr>
+          <p:cNvPr id="5" name="Espace réservé du contenu 4">
+            <a:extLst>
+              <a:ext uri="{FF2B5EF4-FFF2-40B4-BE49-F238E27FC236}">
+                <a16:creationId xmlns:a16="http://schemas.microsoft.com/office/drawing/2014/main" id="{89C2D0E6-58A5-A995-C8ED-252AA7F1276B}"/>
+              </a:ext>
+            </a:extLst>
+          </p:cNvPr>
+          <p:cNvSpPr>
+            <a:spLocks noGrp="1"/>
+          </p:cNvSpPr>
+          <p:nvPr>
+            <p:ph idx="1"/>
+          </p:nvPr>
+        </p:nvSpPr>
+        <p:spPr/>
+        <p:txBody>
+          <a:bodyPr/>
+          <a:lstStyle/>
+          <a:p>
+            <a:r>
+              <a:rPr lang="fr-FR" i="1" dirty="0"/>
+              <a:t>Depuis une interface graphique – Neo4j Desktop:</a:t>
+            </a:r>
+          </a:p>
+          <a:p>
+            <a:pPr marL="0" indent="0">
+              <a:buNone/>
+            </a:pPr>
+            <a:endParaRPr lang="fr-FR" i="1" dirty="0"/>
+          </a:p>
+        </p:txBody>
+      </p:sp>
+      <p:sp>
+        <p:nvSpPr>
+          <p:cNvPr id="4" name="Espace réservé du numéro de diapositive 3">
+            <a:extLst>
+              <a:ext uri="{FF2B5EF4-FFF2-40B4-BE49-F238E27FC236}">
+                <a16:creationId xmlns:a16="http://schemas.microsoft.com/office/drawing/2014/main" id="{A6219BC6-BEF2-9402-5374-72A41697B27E}"/>
+              </a:ext>
+            </a:extLst>
+          </p:cNvPr>
+          <p:cNvSpPr>
+            <a:spLocks noGrp="1"/>
+          </p:cNvSpPr>
+          <p:nvPr>
+            <p:ph type="sldNum" sz="quarter" idx="12"/>
+          </p:nvPr>
+        </p:nvSpPr>
+        <p:spPr/>
+        <p:txBody>
+          <a:bodyPr/>
+          <a:lstStyle/>
+          <a:p>
+            <a:fld id="{B2DC25EE-239B-4C5F-AAD1-255A7D5F1EE2}" type="slidenum">
+              <a:rPr lang="en-US" smtClean="0"/>
+              <a:t>22</a:t>
+            </a:fld>
+            <a:endParaRPr lang="en-US"/>
+          </a:p>
+        </p:txBody>
+      </p:sp>
+      <p:pic>
+        <p:nvPicPr>
+          <p:cNvPr id="7" name="Image 6">
+            <a:extLst>
+              <a:ext uri="{FF2B5EF4-FFF2-40B4-BE49-F238E27FC236}">
+                <a16:creationId xmlns:a16="http://schemas.microsoft.com/office/drawing/2014/main" id="{FB805D66-A76F-2934-E326-501EB527E8C1}"/>
+              </a:ext>
+            </a:extLst>
+          </p:cNvPr>
+          <p:cNvPicPr>
+            <a:picLocks noChangeAspect="1"/>
+          </p:cNvPicPr>
+          <p:nvPr/>
+        </p:nvPicPr>
+        <p:blipFill>
+          <a:blip r:embed="rId2">
+            <a:extLst>
+              <a:ext uri="{28A0092B-C50C-407E-A947-70E740481C1C}">
+                <a14:useLocalDpi xmlns:a14="http://schemas.microsoft.com/office/drawing/2010/main" val="0"/>
+              </a:ext>
+            </a:extLst>
+          </a:blip>
+          <a:stretch>
+            <a:fillRect/>
+          </a:stretch>
+        </p:blipFill>
+        <p:spPr>
+          <a:xfrm>
+            <a:off x="773430" y="3079750"/>
+            <a:ext cx="10645140" cy="3276600"/>
+          </a:xfrm>
+          <a:prstGeom prst="rect">
+            <a:avLst/>
+          </a:prstGeom>
+        </p:spPr>
+      </p:pic>
+    </p:spTree>
+    <p:extLst>
+      <p:ext uri="{BB962C8B-B14F-4D97-AF65-F5344CB8AC3E}">
+        <p14:creationId xmlns:p14="http://schemas.microsoft.com/office/powerpoint/2010/main" val="578846371"/>
+      </p:ext>
+    </p:extLst>
+  </p:cSld>
+  <p:clrMapOvr>
+    <a:masterClrMapping/>
+  </p:clrMapOvr>
+</p:sld>
+</file>
+
+<file path=ppt/slides/slide23.xml><?xml version="1.0" encoding="utf-8"?>
+<p:sld xmlns:a="http://schemas.openxmlformats.org/drawingml/2006/main" xmlns:r="http://schemas.openxmlformats.org/officeDocument/2006/relationships" xmlns:p="http://schemas.openxmlformats.org/presentationml/2006/main">
+  <p:cSld>
+    <p:spTree>
+      <p:nvGrpSpPr>
+        <p:cNvPr id="1" name=""/>
+        <p:cNvGrpSpPr/>
+        <p:nvPr/>
+      </p:nvGrpSpPr>
+      <p:grpSpPr>
+        <a:xfrm>
+          <a:off x="0" y="0"/>
+          <a:ext cx="0" cy="0"/>
+          <a:chOff x="0" y="0"/>
+          <a:chExt cx="0" cy="0"/>
+        </a:xfrm>
+      </p:grpSpPr>
+      <p:sp>
+        <p:nvSpPr>
+          <p:cNvPr id="2" name="Titre 1">
+            <a:extLst>
+              <a:ext uri="{FF2B5EF4-FFF2-40B4-BE49-F238E27FC236}">
+                <a16:creationId xmlns:a16="http://schemas.microsoft.com/office/drawing/2014/main" id="{183CA210-FF80-5E5F-FE7B-15EAEA03DBAA}"/>
+              </a:ext>
+            </a:extLst>
+          </p:cNvPr>
+          <p:cNvSpPr>
+            <a:spLocks noGrp="1"/>
+          </p:cNvSpPr>
+          <p:nvPr>
+            <p:ph type="title"/>
+          </p:nvPr>
+        </p:nvSpPr>
+        <p:spPr/>
+        <p:txBody>
+          <a:bodyPr/>
+          <a:lstStyle/>
+          <a:p>
+            <a:r>
+              <a:rPr lang="fr-FR" dirty="0" err="1"/>
+              <a:t>Dataset</a:t>
+            </a:r>
+            <a:r>
+              <a:rPr lang="fr-FR" dirty="0"/>
+              <a:t> utilisé</a:t>
+            </a:r>
+          </a:p>
+        </p:txBody>
+      </p:sp>
+      <p:sp>
+        <p:nvSpPr>
+          <p:cNvPr id="3" name="Espace réservé du contenu 2">
+            <a:extLst>
+              <a:ext uri="{FF2B5EF4-FFF2-40B4-BE49-F238E27FC236}">
+                <a16:creationId xmlns:a16="http://schemas.microsoft.com/office/drawing/2014/main" id="{982FC354-B56A-2BD1-FB00-8591C2E6B6EF}"/>
+              </a:ext>
+            </a:extLst>
+          </p:cNvPr>
+          <p:cNvSpPr>
+            <a:spLocks noGrp="1"/>
+          </p:cNvSpPr>
+          <p:nvPr>
+            <p:ph idx="1"/>
+          </p:nvPr>
+        </p:nvSpPr>
+        <p:spPr/>
+        <p:txBody>
+          <a:bodyPr/>
+          <a:lstStyle/>
+          <a:p>
+            <a:r>
+              <a:rPr lang="fr-FR" dirty="0">
+                <a:hlinkClick r:id="rId2"/>
+              </a:rPr>
+              <a:t>https://www.kaggle.com/datasets/rdoume/beerreviews</a:t>
+            </a:r>
+            <a:endParaRPr lang="fr-FR" dirty="0"/>
+          </a:p>
+          <a:p>
+            <a:pPr marL="0" indent="0">
+              <a:buNone/>
+            </a:pPr>
+            <a:endParaRPr lang="fr-FR" dirty="0"/>
+          </a:p>
+        </p:txBody>
+      </p:sp>
+      <p:sp>
+        <p:nvSpPr>
+          <p:cNvPr id="4" name="Espace réservé du numéro de diapositive 3">
+            <a:extLst>
+              <a:ext uri="{FF2B5EF4-FFF2-40B4-BE49-F238E27FC236}">
+                <a16:creationId xmlns:a16="http://schemas.microsoft.com/office/drawing/2014/main" id="{A6219BC6-BEF2-9402-5374-72A41697B27E}"/>
+              </a:ext>
+            </a:extLst>
+          </p:cNvPr>
+          <p:cNvSpPr>
+            <a:spLocks noGrp="1"/>
+          </p:cNvSpPr>
+          <p:nvPr>
+            <p:ph type="sldNum" sz="quarter" idx="12"/>
+          </p:nvPr>
+        </p:nvSpPr>
+        <p:spPr/>
+        <p:txBody>
+          <a:bodyPr/>
+          <a:lstStyle/>
+          <a:p>
+            <a:fld id="{B2DC25EE-239B-4C5F-AAD1-255A7D5F1EE2}" type="slidenum">
+              <a:rPr lang="en-US" smtClean="0"/>
+              <a:t>23</a:t>
+            </a:fld>
+            <a:endParaRPr lang="en-US"/>
+          </a:p>
+        </p:txBody>
+      </p:sp>
+      <p:pic>
+        <p:nvPicPr>
+          <p:cNvPr id="8" name="Image 7" descr="Une image contenant texte&#10;&#10;Description générée automatiquement">
+            <a:extLst>
+              <a:ext uri="{FF2B5EF4-FFF2-40B4-BE49-F238E27FC236}">
+                <a16:creationId xmlns:a16="http://schemas.microsoft.com/office/drawing/2014/main" id="{478A79F0-0FB5-4DCB-BDA0-DB1A730779A6}"/>
+              </a:ext>
+            </a:extLst>
+          </p:cNvPr>
+          <p:cNvPicPr>
+            <a:picLocks noChangeAspect="1"/>
+          </p:cNvPicPr>
+          <p:nvPr/>
+        </p:nvPicPr>
+        <p:blipFill>
+          <a:blip r:embed="rId3">
+            <a:extLst>
+              <a:ext uri="{28A0092B-C50C-407E-A947-70E740481C1C}">
+                <a14:useLocalDpi xmlns:a14="http://schemas.microsoft.com/office/drawing/2010/main" val="0"/>
+              </a:ext>
+            </a:extLst>
+          </a:blip>
+          <a:stretch>
+            <a:fillRect/>
+          </a:stretch>
+        </p:blipFill>
+        <p:spPr>
+          <a:xfrm>
+            <a:off x="2627353" y="2911484"/>
+            <a:ext cx="7144558" cy="3444866"/>
+          </a:xfrm>
+          <a:prstGeom prst="rect">
+            <a:avLst/>
+          </a:prstGeom>
+        </p:spPr>
+      </p:pic>
+    </p:spTree>
+    <p:extLst>
+      <p:ext uri="{BB962C8B-B14F-4D97-AF65-F5344CB8AC3E}">
+        <p14:creationId xmlns:p14="http://schemas.microsoft.com/office/powerpoint/2010/main" val="2930798592"/>
+      </p:ext>
+    </p:extLst>
+  </p:cSld>
+  <p:clrMapOvr>
+    <a:masterClrMapping/>
+  </p:clrMapOvr>
+</p:sld>
+</file>
+
+<file path=ppt/slides/slide24.xml><?xml version="1.0" encoding="utf-8"?>
+<p:sld xmlns:a="http://schemas.openxmlformats.org/drawingml/2006/main" xmlns:r="http://schemas.openxmlformats.org/officeDocument/2006/relationships" xmlns:p="http://schemas.openxmlformats.org/presentationml/2006/main">
+  <p:cSld>
+    <p:spTree>
+      <p:nvGrpSpPr>
+        <p:cNvPr id="1" name=""/>
+        <p:cNvGrpSpPr/>
+        <p:nvPr/>
+      </p:nvGrpSpPr>
+      <p:grpSpPr>
+        <a:xfrm>
+          <a:off x="0" y="0"/>
+          <a:ext cx="0" cy="0"/>
+          <a:chOff x="0" y="0"/>
+          <a:chExt cx="0" cy="0"/>
+        </a:xfrm>
+      </p:grpSpPr>
+      <p:sp>
+        <p:nvSpPr>
+          <p:cNvPr id="2" name="Titre 1">
+            <a:extLst>
+              <a:ext uri="{FF2B5EF4-FFF2-40B4-BE49-F238E27FC236}">
+                <a16:creationId xmlns:a16="http://schemas.microsoft.com/office/drawing/2014/main" id="{183CA210-FF80-5E5F-FE7B-15EAEA03DBAA}"/>
+              </a:ext>
+            </a:extLst>
+          </p:cNvPr>
+          <p:cNvSpPr>
+            <a:spLocks noGrp="1"/>
+          </p:cNvSpPr>
+          <p:nvPr>
+            <p:ph type="title"/>
+          </p:nvPr>
+        </p:nvSpPr>
+        <p:spPr/>
+        <p:txBody>
+          <a:bodyPr/>
+          <a:lstStyle/>
+          <a:p>
+            <a:r>
+              <a:rPr lang="fr-FR"/>
+              <a:t>Dataset utilisé</a:t>
+            </a:r>
+            <a:endParaRPr lang="fr-FR" dirty="0"/>
+          </a:p>
+        </p:txBody>
+      </p:sp>
+      <p:pic>
+        <p:nvPicPr>
+          <p:cNvPr id="6" name="Espace réservé du contenu 5" descr="Une image contenant table&#10;&#10;Description générée automatiquement">
+            <a:extLst>
+              <a:ext uri="{FF2B5EF4-FFF2-40B4-BE49-F238E27FC236}">
+                <a16:creationId xmlns:a16="http://schemas.microsoft.com/office/drawing/2014/main" id="{E5CF793E-41C4-EBEE-3087-AFF6319D2727}"/>
+              </a:ext>
+            </a:extLst>
+          </p:cNvPr>
+          <p:cNvPicPr>
+            <a:picLocks noGrp="1" noChangeAspect="1"/>
+          </p:cNvPicPr>
+          <p:nvPr>
+            <p:ph idx="1"/>
+          </p:nvPr>
+        </p:nvPicPr>
+        <p:blipFill>
+          <a:blip r:embed="rId2">
+            <a:extLst>
+              <a:ext uri="{28A0092B-C50C-407E-A947-70E740481C1C}">
+                <a14:useLocalDpi xmlns:a14="http://schemas.microsoft.com/office/drawing/2010/main" val="0"/>
+              </a:ext>
+            </a:extLst>
+          </a:blip>
+          <a:stretch>
+            <a:fillRect/>
+          </a:stretch>
+        </p:blipFill>
+        <p:spPr>
+          <a:xfrm>
+            <a:off x="314008" y="2396549"/>
+            <a:ext cx="11563984" cy="3118528"/>
+          </a:xfrm>
+        </p:spPr>
+      </p:pic>
+      <p:sp>
+        <p:nvSpPr>
+          <p:cNvPr id="4" name="Espace réservé du numéro de diapositive 3">
+            <a:extLst>
+              <a:ext uri="{FF2B5EF4-FFF2-40B4-BE49-F238E27FC236}">
+                <a16:creationId xmlns:a16="http://schemas.microsoft.com/office/drawing/2014/main" id="{A6219BC6-BEF2-9402-5374-72A41697B27E}"/>
+              </a:ext>
+            </a:extLst>
+          </p:cNvPr>
+          <p:cNvSpPr>
+            <a:spLocks noGrp="1"/>
+          </p:cNvSpPr>
+          <p:nvPr>
+            <p:ph type="sldNum" sz="quarter" idx="12"/>
+          </p:nvPr>
+        </p:nvSpPr>
+        <p:spPr/>
+        <p:txBody>
+          <a:bodyPr/>
+          <a:lstStyle/>
+          <a:p>
+            <a:fld id="{B2DC25EE-239B-4C5F-AAD1-255A7D5F1EE2}" type="slidenum">
+              <a:rPr lang="en-US" smtClean="0"/>
+              <a:t>24</a:t>
+            </a:fld>
+            <a:endParaRPr lang="en-US"/>
+          </a:p>
+        </p:txBody>
+      </p:sp>
+    </p:spTree>
+    <p:extLst>
+      <p:ext uri="{BB962C8B-B14F-4D97-AF65-F5344CB8AC3E}">
+        <p14:creationId xmlns:p14="http://schemas.microsoft.com/office/powerpoint/2010/main" val="112079456"/>
+      </p:ext>
+    </p:extLst>
+  </p:cSld>
+  <p:clrMapOvr>
+    <a:masterClrMapping/>
+  </p:clrMapOvr>
+</p:sld>
+</file>
+
+<file path=ppt/slides/slide25.xml><?xml version="1.0" encoding="utf-8"?>
+<p:sld xmlns:a="http://schemas.openxmlformats.org/drawingml/2006/main" xmlns:r="http://schemas.openxmlformats.org/officeDocument/2006/relationships" xmlns:p="http://schemas.openxmlformats.org/presentationml/2006/main">
+  <p:cSld>
+    <p:spTree>
+      <p:nvGrpSpPr>
+        <p:cNvPr id="1" name=""/>
+        <p:cNvGrpSpPr/>
+        <p:nvPr/>
+      </p:nvGrpSpPr>
+      <p:grpSpPr>
+        <a:xfrm>
+          <a:off x="0" y="0"/>
+          <a:ext cx="0" cy="0"/>
+          <a:chOff x="0" y="0"/>
+          <a:chExt cx="0" cy="0"/>
+        </a:xfrm>
+      </p:grpSpPr>
+      <p:sp>
+        <p:nvSpPr>
+          <p:cNvPr id="2" name="Titre 1">
+            <a:extLst>
+              <a:ext uri="{FF2B5EF4-FFF2-40B4-BE49-F238E27FC236}">
+                <a16:creationId xmlns:a16="http://schemas.microsoft.com/office/drawing/2014/main" id="{183CA210-FF80-5E5F-FE7B-15EAEA03DBAA}"/>
+              </a:ext>
+            </a:extLst>
+          </p:cNvPr>
+          <p:cNvSpPr>
+            <a:spLocks noGrp="1"/>
+          </p:cNvSpPr>
+          <p:nvPr>
+            <p:ph type="title"/>
+          </p:nvPr>
+        </p:nvSpPr>
+        <p:spPr/>
+        <p:txBody>
+          <a:bodyPr/>
+          <a:lstStyle/>
+          <a:p>
+            <a:r>
+              <a:rPr lang="fr-FR" dirty="0"/>
+              <a:t>Création du graphe</a:t>
+            </a:r>
+          </a:p>
+        </p:txBody>
+      </p:sp>
+      <p:sp>
+        <p:nvSpPr>
+          <p:cNvPr id="3" name="Espace réservé du contenu 2">
+            <a:extLst>
+              <a:ext uri="{FF2B5EF4-FFF2-40B4-BE49-F238E27FC236}">
+                <a16:creationId xmlns:a16="http://schemas.microsoft.com/office/drawing/2014/main" id="{982FC354-B56A-2BD1-FB00-8591C2E6B6EF}"/>
+              </a:ext>
+            </a:extLst>
+          </p:cNvPr>
+          <p:cNvSpPr>
+            <a:spLocks noGrp="1"/>
+          </p:cNvSpPr>
+          <p:nvPr>
+            <p:ph idx="1"/>
+          </p:nvPr>
+        </p:nvSpPr>
+        <p:spPr/>
+        <p:txBody>
+          <a:bodyPr/>
+          <a:lstStyle/>
+          <a:p>
+            <a:endParaRPr lang="fr-FR" dirty="0"/>
+          </a:p>
+        </p:txBody>
+      </p:sp>
+      <p:sp>
+        <p:nvSpPr>
+          <p:cNvPr id="4" name="Espace réservé du numéro de diapositive 3">
+            <a:extLst>
+              <a:ext uri="{FF2B5EF4-FFF2-40B4-BE49-F238E27FC236}">
+                <a16:creationId xmlns:a16="http://schemas.microsoft.com/office/drawing/2014/main" id="{A6219BC6-BEF2-9402-5374-72A41697B27E}"/>
+              </a:ext>
+            </a:extLst>
+          </p:cNvPr>
+          <p:cNvSpPr>
+            <a:spLocks noGrp="1"/>
+          </p:cNvSpPr>
+          <p:nvPr>
+            <p:ph type="sldNum" sz="quarter" idx="12"/>
+          </p:nvPr>
+        </p:nvSpPr>
+        <p:spPr/>
+        <p:txBody>
+          <a:bodyPr/>
+          <a:lstStyle/>
+          <a:p>
+            <a:fld id="{B2DC25EE-239B-4C5F-AAD1-255A7D5F1EE2}" type="slidenum">
+              <a:rPr lang="en-US" smtClean="0"/>
+              <a:t>25</a:t>
+            </a:fld>
+            <a:endParaRPr lang="en-US"/>
+          </a:p>
+        </p:txBody>
+      </p:sp>
+    </p:spTree>
+    <p:extLst>
+      <p:ext uri="{BB962C8B-B14F-4D97-AF65-F5344CB8AC3E}">
+        <p14:creationId xmlns:p14="http://schemas.microsoft.com/office/powerpoint/2010/main" val="3919073707"/>
+      </p:ext>
+    </p:extLst>
+  </p:cSld>
+  <p:clrMapOvr>
+    <a:masterClrMapping/>
+  </p:clrMapOvr>
+</p:sld>
+</file>
+
+<file path=ppt/slides/slide26.xml><?xml version="1.0" encoding="utf-8"?>
 <p:sld xmlns:a="http://schemas.openxmlformats.org/drawingml/2006/main" xmlns:r="http://schemas.openxmlformats.org/officeDocument/2006/relationships" xmlns:p="http://schemas.openxmlformats.org/presentationml/2006/main">
   <p:cSld>
     <p:bg>
@@ -10767,8 +13750,8 @@
           <a:p>
             <a:pPr algn="ctr"/>
             <a:r>
-              <a:rPr lang="en-US"/>
-              <a:t>Introduction Neo4j</a:t>
+              <a:rPr lang="en-US" dirty="0"/>
+              <a:t>Conclusion</a:t>
             </a:r>
           </a:p>
         </p:txBody>
@@ -10869,6 +13852,625 @@
       </p:sp>
       <p:pic>
         <p:nvPicPr>
+          <p:cNvPr id="8" name="Espace réservé du contenu 7" descr="Coche avec un remplissage uni">
+            <a:extLst>
+              <a:ext uri="{FF2B5EF4-FFF2-40B4-BE49-F238E27FC236}">
+                <a16:creationId xmlns:a16="http://schemas.microsoft.com/office/drawing/2014/main" id="{66A8D1D9-8487-FDD4-B790-707C74EA2973}"/>
+              </a:ext>
+            </a:extLst>
+          </p:cNvPr>
+          <p:cNvPicPr>
+            <a:picLocks noGrp="1" noChangeAspect="1"/>
+          </p:cNvPicPr>
+          <p:nvPr>
+            <p:ph idx="1"/>
+          </p:nvPr>
+        </p:nvPicPr>
+        <p:blipFill>
+          <a:blip r:embed="rId2">
+            <a:extLst>
+              <a:ext uri="{28A0092B-C50C-407E-A947-70E740481C1C}">
+                <a14:useLocalDpi xmlns:a14="http://schemas.microsoft.com/office/drawing/2010/main" val="0"/>
+              </a:ext>
+              <a:ext uri="{96DAC541-7B7A-43D3-8B79-37D633B846F1}">
+                <asvg:svgBlip xmlns:asvg="http://schemas.microsoft.com/office/drawing/2016/SVG/main" r:embed="rId3"/>
+              </a:ext>
+            </a:extLst>
+          </a:blip>
+          <a:stretch>
+            <a:fillRect/>
+          </a:stretch>
+        </p:blipFill>
+        <p:spPr>
+          <a:xfrm>
+            <a:off x="4047744" y="2139484"/>
+            <a:ext cx="4096512" cy="4096512"/>
+          </a:xfrm>
+          <a:prstGeom prst="rect">
+            <a:avLst/>
+          </a:prstGeom>
+        </p:spPr>
+      </p:pic>
+      <p:sp>
+        <p:nvSpPr>
+          <p:cNvPr id="4" name="Espace réservé du numéro de diapositive 3">
+            <a:extLst>
+              <a:ext uri="{FF2B5EF4-FFF2-40B4-BE49-F238E27FC236}">
+                <a16:creationId xmlns:a16="http://schemas.microsoft.com/office/drawing/2014/main" id="{E5495A6B-FD5B-3C10-3B88-2A443CD3C1CF}"/>
+              </a:ext>
+            </a:extLst>
+          </p:cNvPr>
+          <p:cNvSpPr>
+            <a:spLocks noGrp="1"/>
+          </p:cNvSpPr>
+          <p:nvPr>
+            <p:ph type="sldNum" sz="quarter" idx="12"/>
+          </p:nvPr>
+        </p:nvSpPr>
+        <p:spPr>
+          <a:xfrm>
+            <a:off x="8869680" y="6356350"/>
+            <a:ext cx="2743200" cy="365125"/>
+          </a:xfrm>
+        </p:spPr>
+        <p:txBody>
+          <a:bodyPr vert="horz" lIns="91440" tIns="45720" rIns="91440" bIns="45720" rtlCol="0" anchor="ctr">
+            <a:normAutofit/>
+          </a:bodyPr>
+          <a:lstStyle/>
+          <a:p>
+            <a:pPr>
+              <a:spcAft>
+                <a:spcPts val="600"/>
+              </a:spcAft>
+            </a:pPr>
+            <a:fld id="{B2DC25EE-239B-4C5F-AAD1-255A7D5F1EE2}" type="slidenum">
+              <a:rPr lang="en-US">
+                <a:solidFill>
+                  <a:schemeClr val="tx2">
+                    <a:lumMod val="50000"/>
+                    <a:lumOff val="50000"/>
+                  </a:schemeClr>
+                </a:solidFill>
+              </a:rPr>
+              <a:pPr>
+                <a:spcAft>
+                  <a:spcPts val="600"/>
+                </a:spcAft>
+              </a:pPr>
+              <a:t>26</a:t>
+            </a:fld>
+            <a:endParaRPr lang="en-US">
+              <a:solidFill>
+                <a:schemeClr val="tx2">
+                  <a:lumMod val="50000"/>
+                  <a:lumOff val="50000"/>
+                </a:schemeClr>
+              </a:solidFill>
+            </a:endParaRPr>
+          </a:p>
+        </p:txBody>
+      </p:sp>
+    </p:spTree>
+    <p:extLst>
+      <p:ext uri="{BB962C8B-B14F-4D97-AF65-F5344CB8AC3E}">
+        <p14:creationId xmlns:p14="http://schemas.microsoft.com/office/powerpoint/2010/main" val="3881536513"/>
+      </p:ext>
+    </p:extLst>
+  </p:cSld>
+  <p:clrMapOvr>
+    <a:masterClrMapping/>
+  </p:clrMapOvr>
+</p:sld>
+</file>
+
+<file path=ppt/slides/slide3.xml><?xml version="1.0" encoding="utf-8"?>
+<p:sld xmlns:a="http://schemas.openxmlformats.org/drawingml/2006/main" xmlns:r="http://schemas.openxmlformats.org/officeDocument/2006/relationships" xmlns:p="http://schemas.openxmlformats.org/presentationml/2006/main">
+  <p:cSld>
+    <p:bg>
+      <p:bgPr>
+        <a:solidFill>
+          <a:schemeClr val="bg1"/>
+        </a:solidFill>
+        <a:effectLst/>
+      </p:bgPr>
+    </p:bg>
+    <p:spTree>
+      <p:nvGrpSpPr>
+        <p:cNvPr id="1" name=""/>
+        <p:cNvGrpSpPr/>
+        <p:nvPr/>
+      </p:nvGrpSpPr>
+      <p:grpSpPr>
+        <a:xfrm>
+          <a:off x="0" y="0"/>
+          <a:ext cx="0" cy="0"/>
+          <a:chOff x="0" y="0"/>
+          <a:chExt cx="0" cy="0"/>
+        </a:xfrm>
+      </p:grpSpPr>
+      <p:sp>
+        <p:nvSpPr>
+          <p:cNvPr id="13" name="Rectangle 12">
+            <a:extLst>
+              <a:ext uri="{FF2B5EF4-FFF2-40B4-BE49-F238E27FC236}">
+                <a16:creationId xmlns:a16="http://schemas.microsoft.com/office/drawing/2014/main" id="{8D06CE56-3881-4ADA-8CEF-D18B02C242A3}"/>
+              </a:ext>
+              <a:ext uri="{C183D7F6-B498-43B3-948B-1728B52AA6E4}">
+                <adec:decorative xmlns:adec="http://schemas.microsoft.com/office/drawing/2017/decorative" val="1"/>
+              </a:ext>
+            </a:extLst>
+          </p:cNvPr>
+          <p:cNvSpPr>
+            <a:spLocks noGrp="1" noRot="1" noChangeAspect="1" noMove="1" noResize="1" noEditPoints="1" noAdjustHandles="1" noChangeArrowheads="1" noChangeShapeType="1" noTextEdit="1"/>
+          </p:cNvSpPr>
+          <p:nvPr>
+            <p:extLst>
+              <p:ext uri="{386F3935-93C4-4BCD-93E2-E3B085C9AB24}">
+                <p16:designElem xmlns:p16="http://schemas.microsoft.com/office/powerpoint/2015/main" val="1"/>
+              </p:ext>
+            </p:extLst>
+          </p:nvPr>
+        </p:nvSpPr>
+        <p:spPr>
+          <a:xfrm rot="5400000">
+            <a:off x="857544" y="346791"/>
+            <a:ext cx="146304" cy="704088"/>
+          </a:xfrm>
+          <a:prstGeom prst="rect">
+            <a:avLst/>
+          </a:prstGeom>
+          <a:solidFill>
+            <a:schemeClr val="accent1"/>
+          </a:solidFill>
+          <a:ln>
+            <a:noFill/>
+          </a:ln>
+        </p:spPr>
+        <p:style>
+          <a:lnRef idx="2">
+            <a:schemeClr val="accent1">
+              <a:shade val="50000"/>
+            </a:schemeClr>
+          </a:lnRef>
+          <a:fillRef idx="1">
+            <a:schemeClr val="accent1"/>
+          </a:fillRef>
+          <a:effectRef idx="0">
+            <a:schemeClr val="accent1"/>
+          </a:effectRef>
+          <a:fontRef idx="minor">
+            <a:schemeClr val="lt1"/>
+          </a:fontRef>
+        </p:style>
+        <p:txBody>
+          <a:bodyPr rtlCol="0" anchor="ctr"/>
+          <a:lstStyle/>
+          <a:p>
+            <a:pPr marL="0" marR="0" lvl="0" indent="0" algn="ctr" defTabSz="914400" rtl="0" eaLnBrk="1" fontAlgn="auto" latinLnBrk="0" hangingPunct="1">
+              <a:lnSpc>
+                <a:spcPct val="100000"/>
+              </a:lnSpc>
+              <a:spcBef>
+                <a:spcPts val="0"/>
+              </a:spcBef>
+              <a:spcAft>
+                <a:spcPts val="0"/>
+              </a:spcAft>
+              <a:buClrTx/>
+              <a:buSzTx/>
+              <a:buFontTx/>
+              <a:buNone/>
+              <a:tabLst/>
+              <a:defRPr/>
+            </a:pPr>
+            <a:endParaRPr kumimoji="0" lang="en-US" sz="1800" b="0" i="0" u="none" strike="noStrike" kern="1200" cap="none" spc="0" normalizeH="0" baseline="0" noProof="0">
+              <a:ln>
+                <a:noFill/>
+              </a:ln>
+              <a:solidFill>
+                <a:prstClr val="white"/>
+              </a:solidFill>
+              <a:effectLst/>
+              <a:uLnTx/>
+              <a:uFillTx/>
+              <a:latin typeface="Calibri" panose="020F0502020204030204"/>
+              <a:ea typeface="+mn-ea"/>
+              <a:cs typeface="+mn-cs"/>
+            </a:endParaRPr>
+          </a:p>
+        </p:txBody>
+      </p:sp>
+      <p:sp>
+        <p:nvSpPr>
+          <p:cNvPr id="15" name="Rectangle 14">
+            <a:extLst>
+              <a:ext uri="{FF2B5EF4-FFF2-40B4-BE49-F238E27FC236}">
+                <a16:creationId xmlns:a16="http://schemas.microsoft.com/office/drawing/2014/main" id="{79F3C543-62EC-4433-9C93-A2CD8764E9B4}"/>
+              </a:ext>
+              <a:ext uri="{C183D7F6-B498-43B3-948B-1728B52AA6E4}">
+                <adec:decorative xmlns:adec="http://schemas.microsoft.com/office/drawing/2017/decorative" val="1"/>
+              </a:ext>
+            </a:extLst>
+          </p:cNvPr>
+          <p:cNvSpPr>
+            <a:spLocks noGrp="1" noRot="1" noChangeAspect="1" noMove="1" noResize="1" noEditPoints="1" noAdjustHandles="1" noChangeArrowheads="1" noChangeShapeType="1" noTextEdit="1"/>
+          </p:cNvSpPr>
+          <p:nvPr>
+            <p:extLst>
+              <p:ext uri="{386F3935-93C4-4BCD-93E2-E3B085C9AB24}">
+                <p16:designElem xmlns:p16="http://schemas.microsoft.com/office/powerpoint/2015/main" val="1"/>
+              </p:ext>
+            </p:extLst>
+          </p:nvPr>
+        </p:nvSpPr>
+        <p:spPr>
+          <a:xfrm flipV="1">
+            <a:off x="578652" y="4501201"/>
+            <a:ext cx="11034696" cy="18288"/>
+          </a:xfrm>
+          <a:prstGeom prst="rect">
+            <a:avLst/>
+          </a:prstGeom>
+          <a:solidFill>
+            <a:schemeClr val="tx2">
+              <a:lumMod val="25000"/>
+              <a:lumOff val="75000"/>
+            </a:schemeClr>
+          </a:solidFill>
+          <a:ln w="3175">
+            <a:noFill/>
+          </a:ln>
+          <a:effectLst/>
+        </p:spPr>
+        <p:style>
+          <a:lnRef idx="2">
+            <a:schemeClr val="accent1">
+              <a:shade val="50000"/>
+            </a:schemeClr>
+          </a:lnRef>
+          <a:fillRef idx="1">
+            <a:schemeClr val="accent1"/>
+          </a:fillRef>
+          <a:effectRef idx="0">
+            <a:schemeClr val="accent1"/>
+          </a:effectRef>
+          <a:fontRef idx="minor">
+            <a:schemeClr val="lt1"/>
+          </a:fontRef>
+        </p:style>
+        <p:txBody>
+          <a:bodyPr rtlCol="0" anchor="ctr"/>
+          <a:lstStyle/>
+          <a:p>
+            <a:pPr marL="0" marR="0" lvl="0" indent="0" algn="ctr" defTabSz="914400" rtl="0" eaLnBrk="1" fontAlgn="auto" latinLnBrk="0" hangingPunct="1">
+              <a:lnSpc>
+                <a:spcPct val="100000"/>
+              </a:lnSpc>
+              <a:spcBef>
+                <a:spcPts val="0"/>
+              </a:spcBef>
+              <a:spcAft>
+                <a:spcPts val="0"/>
+              </a:spcAft>
+              <a:buClrTx/>
+              <a:buSzTx/>
+              <a:buFontTx/>
+              <a:buNone/>
+              <a:tabLst/>
+              <a:defRPr/>
+            </a:pPr>
+            <a:endParaRPr kumimoji="0" lang="en-US" sz="1800" b="0" i="0" u="none" strike="noStrike" kern="1200" cap="none" spc="0" normalizeH="0" baseline="0" noProof="0">
+              <a:ln>
+                <a:noFill/>
+              </a:ln>
+              <a:solidFill>
+                <a:prstClr val="white"/>
+              </a:solidFill>
+              <a:effectLst/>
+              <a:uLnTx/>
+              <a:uFillTx/>
+              <a:latin typeface="Calibri" panose="020F0502020204030204"/>
+              <a:ea typeface="+mn-ea"/>
+              <a:cs typeface="+mn-cs"/>
+            </a:endParaRPr>
+          </a:p>
+        </p:txBody>
+      </p:sp>
+      <p:sp useBgFill="1">
+        <p:nvSpPr>
+          <p:cNvPr id="17" name="Rectangle 16">
+            <a:extLst>
+              <a:ext uri="{FF2B5EF4-FFF2-40B4-BE49-F238E27FC236}">
+                <a16:creationId xmlns:a16="http://schemas.microsoft.com/office/drawing/2014/main" id="{C1A1C5D3-C053-4EE9-BE1A-419B6E27CCAE}"/>
+              </a:ext>
+              <a:ext uri="{C183D7F6-B498-43B3-948B-1728B52AA6E4}">
+                <adec:decorative xmlns:adec="http://schemas.microsoft.com/office/drawing/2017/decorative" val="1"/>
+              </a:ext>
+            </a:extLst>
+          </p:cNvPr>
+          <p:cNvSpPr>
+            <a:spLocks noGrp="1" noRot="1" noChangeAspect="1" noMove="1" noResize="1" noEditPoints="1" noAdjustHandles="1" noChangeArrowheads="1" noChangeShapeType="1" noTextEdit="1"/>
+          </p:cNvSpPr>
+          <p:nvPr>
+            <p:extLst>
+              <p:ext uri="{386F3935-93C4-4BCD-93E2-E3B085C9AB24}">
+                <p16:designElem xmlns:p16="http://schemas.microsoft.com/office/powerpoint/2015/main" val="1"/>
+              </p:ext>
+            </p:extLst>
+          </p:nvPr>
+        </p:nvSpPr>
+        <p:spPr>
+          <a:xfrm>
+            <a:off x="0" y="0"/>
+            <a:ext cx="12192000" cy="6858000"/>
+          </a:xfrm>
+          <a:prstGeom prst="rect">
+            <a:avLst/>
+          </a:prstGeom>
+          <a:ln>
+            <a:noFill/>
+          </a:ln>
+        </p:spPr>
+        <p:style>
+          <a:lnRef idx="2">
+            <a:schemeClr val="accent1">
+              <a:shade val="50000"/>
+            </a:schemeClr>
+          </a:lnRef>
+          <a:fillRef idx="1">
+            <a:schemeClr val="accent1"/>
+          </a:fillRef>
+          <a:effectRef idx="0">
+            <a:schemeClr val="accent1"/>
+          </a:effectRef>
+          <a:fontRef idx="minor">
+            <a:schemeClr val="lt1"/>
+          </a:fontRef>
+        </p:style>
+        <p:txBody>
+          <a:bodyPr rtlCol="0" anchor="ctr"/>
+          <a:lstStyle/>
+          <a:p>
+            <a:pPr algn="ctr"/>
+            <a:endParaRPr lang="en-US"/>
+          </a:p>
+        </p:txBody>
+      </p:sp>
+      <p:sp useBgFill="1">
+        <p:nvSpPr>
+          <p:cNvPr id="19" name="Rectangle 18">
+            <a:extLst>
+              <a:ext uri="{FF2B5EF4-FFF2-40B4-BE49-F238E27FC236}">
+                <a16:creationId xmlns:a16="http://schemas.microsoft.com/office/drawing/2014/main" id="{A3473CF9-37EB-43E7-89EF-D2D1C53D1DAC}"/>
+              </a:ext>
+              <a:ext uri="{C183D7F6-B498-43B3-948B-1728B52AA6E4}">
+                <adec:decorative xmlns:adec="http://schemas.microsoft.com/office/drawing/2017/decorative" val="1"/>
+              </a:ext>
+            </a:extLst>
+          </p:cNvPr>
+          <p:cNvSpPr>
+            <a:spLocks noGrp="1" noRot="1" noChangeAspect="1" noMove="1" noResize="1" noEditPoints="1" noAdjustHandles="1" noChangeArrowheads="1" noChangeShapeType="1" noTextEdit="1"/>
+          </p:cNvSpPr>
+          <p:nvPr>
+            <p:extLst>
+              <p:ext uri="{386F3935-93C4-4BCD-93E2-E3B085C9AB24}">
+                <p16:designElem xmlns:p16="http://schemas.microsoft.com/office/powerpoint/2015/main" val="1"/>
+              </p:ext>
+            </p:extLst>
+          </p:nvPr>
+        </p:nvSpPr>
+        <p:spPr>
+          <a:xfrm>
+            <a:off x="1903615" y="221673"/>
+            <a:ext cx="8384770" cy="1332634"/>
+          </a:xfrm>
+          <a:prstGeom prst="rect">
+            <a:avLst/>
+          </a:prstGeom>
+          <a:ln w="12700">
+            <a:solidFill>
+              <a:schemeClr val="tx2">
+                <a:lumMod val="10000"/>
+                <a:lumOff val="90000"/>
+              </a:schemeClr>
+            </a:solidFill>
+          </a:ln>
+          <a:effectLst>
+            <a:outerShdw blurRad="50800" dist="38100" dir="2700000" algn="tl" rotWithShape="0">
+              <a:schemeClr val="bg2">
+                <a:lumMod val="85000"/>
+                <a:alpha val="30000"/>
+              </a:schemeClr>
+            </a:outerShdw>
+          </a:effectLst>
+        </p:spPr>
+        <p:style>
+          <a:lnRef idx="2">
+            <a:schemeClr val="accent1">
+              <a:shade val="50000"/>
+            </a:schemeClr>
+          </a:lnRef>
+          <a:fillRef idx="1">
+            <a:schemeClr val="accent1"/>
+          </a:fillRef>
+          <a:effectRef idx="0">
+            <a:schemeClr val="accent1"/>
+          </a:effectRef>
+          <a:fontRef idx="minor">
+            <a:schemeClr val="lt1"/>
+          </a:fontRef>
+        </p:style>
+        <p:txBody>
+          <a:bodyPr rtlCol="0" anchor="ctr"/>
+          <a:lstStyle/>
+          <a:p>
+            <a:pPr marL="0" marR="0" lvl="0" indent="0" algn="ctr" defTabSz="914400" rtl="0" eaLnBrk="1" fontAlgn="auto" latinLnBrk="0" hangingPunct="1">
+              <a:lnSpc>
+                <a:spcPct val="100000"/>
+              </a:lnSpc>
+              <a:spcBef>
+                <a:spcPts val="0"/>
+              </a:spcBef>
+              <a:spcAft>
+                <a:spcPts val="0"/>
+              </a:spcAft>
+              <a:buClrTx/>
+              <a:buSzTx/>
+              <a:buFontTx/>
+              <a:buNone/>
+              <a:tabLst/>
+              <a:defRPr/>
+            </a:pPr>
+            <a:endParaRPr kumimoji="0" lang="en-US" sz="1800" b="0" i="0" u="none" strike="noStrike" kern="1200" cap="none" spc="0" normalizeH="0" baseline="0" noProof="0">
+              <a:ln>
+                <a:noFill/>
+              </a:ln>
+              <a:solidFill>
+                <a:prstClr val="white"/>
+              </a:solidFill>
+              <a:effectLst/>
+              <a:uLnTx/>
+              <a:uFillTx/>
+              <a:latin typeface="Calibri" panose="020F0502020204030204"/>
+              <a:ea typeface="+mn-ea"/>
+              <a:cs typeface="+mn-cs"/>
+            </a:endParaRPr>
+          </a:p>
+        </p:txBody>
+      </p:sp>
+      <p:sp>
+        <p:nvSpPr>
+          <p:cNvPr id="2" name="Titre 1">
+            <a:extLst>
+              <a:ext uri="{FF2B5EF4-FFF2-40B4-BE49-F238E27FC236}">
+                <a16:creationId xmlns:a16="http://schemas.microsoft.com/office/drawing/2014/main" id="{BAB04408-E5C0-C85A-14BA-E40722D4A69E}"/>
+              </a:ext>
+            </a:extLst>
+          </p:cNvPr>
+          <p:cNvSpPr>
+            <a:spLocks noGrp="1"/>
+          </p:cNvSpPr>
+          <p:nvPr>
+            <p:ph type="title"/>
+          </p:nvPr>
+        </p:nvSpPr>
+        <p:spPr>
+          <a:xfrm>
+            <a:off x="2103121" y="310343"/>
+            <a:ext cx="7985759" cy="868823"/>
+          </a:xfrm>
+        </p:spPr>
+        <p:txBody>
+          <a:bodyPr vert="horz" lIns="91440" tIns="45720" rIns="91440" bIns="45720" rtlCol="0" anchor="ctr">
+            <a:normAutofit/>
+          </a:bodyPr>
+          <a:lstStyle/>
+          <a:p>
+            <a:pPr algn="ctr"/>
+            <a:r>
+              <a:rPr lang="en-US"/>
+              <a:t>Introduction Neo4j</a:t>
+            </a:r>
+          </a:p>
+        </p:txBody>
+      </p:sp>
+      <p:sp>
+        <p:nvSpPr>
+          <p:cNvPr id="21" name="Rectangle: Rounded Corners 20">
+            <a:extLst>
+              <a:ext uri="{FF2B5EF4-FFF2-40B4-BE49-F238E27FC236}">
+                <a16:creationId xmlns:a16="http://schemas.microsoft.com/office/drawing/2014/main" id="{586B4EF9-43BA-4655-A6FF-1D8E21574C95}"/>
+              </a:ext>
+              <a:ext uri="{C183D7F6-B498-43B3-948B-1728B52AA6E4}">
+                <adec:decorative xmlns:adec="http://schemas.microsoft.com/office/drawing/2017/decorative" val="1"/>
+              </a:ext>
+            </a:extLst>
+          </p:cNvPr>
+          <p:cNvSpPr>
+            <a:spLocks noGrp="1" noRot="1" noChangeAspect="1" noMove="1" noResize="1" noEditPoints="1" noAdjustHandles="1" noChangeArrowheads="1" noChangeShapeType="1" noTextEdit="1"/>
+          </p:cNvSpPr>
+          <p:nvPr>
+            <p:extLst>
+              <p:ext uri="{386F3935-93C4-4BCD-93E2-E3B085C9AB24}">
+                <p16:designElem xmlns:p16="http://schemas.microsoft.com/office/powerpoint/2015/main" val="1"/>
+              </p:ext>
+            </p:extLst>
+          </p:nvPr>
+        </p:nvSpPr>
+        <p:spPr>
+          <a:xfrm>
+            <a:off x="2483110" y="1211407"/>
+            <a:ext cx="7225780" cy="685800"/>
+          </a:xfrm>
+          <a:prstGeom prst="roundRect">
+            <a:avLst>
+              <a:gd name="adj" fmla="val 0"/>
+            </a:avLst>
+          </a:prstGeom>
+          <a:solidFill>
+            <a:schemeClr val="accent1"/>
+          </a:solidFill>
+          <a:ln>
+            <a:noFill/>
+          </a:ln>
+        </p:spPr>
+        <p:style>
+          <a:lnRef idx="2">
+            <a:schemeClr val="accent1">
+              <a:shade val="50000"/>
+            </a:schemeClr>
+          </a:lnRef>
+          <a:fillRef idx="1">
+            <a:schemeClr val="accent1"/>
+          </a:fillRef>
+          <a:effectRef idx="0">
+            <a:schemeClr val="accent1"/>
+          </a:effectRef>
+          <a:fontRef idx="minor">
+            <a:schemeClr val="lt1"/>
+          </a:fontRef>
+        </p:style>
+        <p:txBody>
+          <a:bodyPr rtlCol="0" anchor="ctr"/>
+          <a:lstStyle/>
+          <a:p>
+            <a:pPr marL="0" marR="0" lvl="0" indent="0" algn="ctr" defTabSz="914400" rtl="0" eaLnBrk="1" fontAlgn="auto" latinLnBrk="0" hangingPunct="1">
+              <a:lnSpc>
+                <a:spcPct val="100000"/>
+              </a:lnSpc>
+              <a:spcBef>
+                <a:spcPts val="0"/>
+              </a:spcBef>
+              <a:spcAft>
+                <a:spcPts val="0"/>
+              </a:spcAft>
+              <a:buClrTx/>
+              <a:buSzTx/>
+              <a:buFontTx/>
+              <a:buNone/>
+              <a:tabLst/>
+              <a:defRPr/>
+            </a:pPr>
+            <a:endParaRPr kumimoji="0" lang="en-US" sz="1800" b="0" i="0" u="none" strike="noStrike" kern="1200" cap="none" spc="0" normalizeH="0" baseline="0" noProof="0">
+              <a:ln>
+                <a:noFill/>
+              </a:ln>
+              <a:solidFill>
+                <a:prstClr val="white"/>
+              </a:solidFill>
+              <a:effectLst/>
+              <a:uLnTx/>
+              <a:uFillTx/>
+              <a:latin typeface="Avenir Next LT Pro"/>
+              <a:ea typeface="+mn-ea"/>
+              <a:cs typeface="+mn-cs"/>
+            </a:endParaRPr>
+          </a:p>
+        </p:txBody>
+      </p:sp>
+      <p:pic>
+        <p:nvPicPr>
           <p:cNvPr id="8" name="Espace réservé du contenu 7" descr="Une image contenant texte&#10;&#10;Description générée automatiquement">
             <a:extLst>
               <a:ext uri="{FF2B5EF4-FFF2-40B4-BE49-F238E27FC236}">
@@ -11044,35 +14646,59 @@
           <a:bodyPr/>
           <a:lstStyle/>
           <a:p>
-            <a:r>
-              <a:rPr lang="fr-FR"/>
+            <a:pPr>
+              <a:lnSpc>
+                <a:spcPct val="150000"/>
+              </a:lnSpc>
+            </a:pPr>
+            <a:r>
+              <a:rPr lang="fr-FR" dirty="0"/>
               <a:t>Open-source</a:t>
             </a:r>
           </a:p>
           <a:p>
-            <a:r>
-              <a:rPr lang="fr-FR"/>
+            <a:pPr>
+              <a:lnSpc>
+                <a:spcPct val="150000"/>
+              </a:lnSpc>
+            </a:pPr>
+            <a:r>
+              <a:rPr lang="fr-FR" dirty="0"/>
               <a:t>Base de données de graphes</a:t>
             </a:r>
           </a:p>
           <a:p>
-            <a:r>
-              <a:rPr lang="fr-FR"/>
+            <a:pPr>
+              <a:lnSpc>
+                <a:spcPct val="150000"/>
+              </a:lnSpc>
+            </a:pPr>
+            <a:r>
+              <a:rPr lang="fr-FR" dirty="0"/>
               <a:t>NoSQL</a:t>
             </a:r>
           </a:p>
           <a:p>
-            <a:r>
-              <a:rPr lang="fr-FR"/>
+            <a:pPr>
+              <a:lnSpc>
+                <a:spcPct val="150000"/>
+              </a:lnSpc>
+            </a:pPr>
+            <a:r>
+              <a:rPr lang="fr-FR" dirty="0"/>
               <a:t>Compatible ACID</a:t>
             </a:r>
           </a:p>
           <a:p>
-            <a:r>
-              <a:rPr lang="fr-FR"/>
-              <a:t>Depuis 2007</a:t>
-            </a:r>
-            <a:endParaRPr lang="fr-FR" dirty="0"/>
+            <a:pPr>
+              <a:lnSpc>
+                <a:spcPct val="150000"/>
+              </a:lnSpc>
+            </a:pPr>
+            <a:r>
+              <a:rPr lang="fr-FR" dirty="0"/>
+              <a:t>Depuis 2010</a:t>
+            </a:r>
           </a:p>
         </p:txBody>
       </p:sp>
@@ -11106,7 +14732,7 @@
         </p:blipFill>
         <p:spPr>
           <a:xfrm>
-            <a:off x="6847752" y="3248026"/>
+            <a:off x="6847752" y="2047299"/>
             <a:ext cx="4228680" cy="1585754"/>
           </a:xfrm>
         </p:spPr>
@@ -11140,6 +14766,150 @@
           </a:p>
         </p:txBody>
       </p:sp>
+      <p:pic>
+        <p:nvPicPr>
+          <p:cNvPr id="6" name="Image 5">
+            <a:extLst>
+              <a:ext uri="{FF2B5EF4-FFF2-40B4-BE49-F238E27FC236}">
+                <a16:creationId xmlns:a16="http://schemas.microsoft.com/office/drawing/2014/main" id="{5EF01D07-97D1-870C-4828-B248D6CF70A5}"/>
+              </a:ext>
+            </a:extLst>
+          </p:cNvPr>
+          <p:cNvPicPr>
+            <a:picLocks noChangeAspect="1"/>
+          </p:cNvPicPr>
+          <p:nvPr/>
+        </p:nvPicPr>
+        <p:blipFill>
+          <a:blip r:embed="rId3">
+            <a:extLst>
+              <a:ext uri="{28A0092B-C50C-407E-A947-70E740481C1C}">
+                <a14:useLocalDpi xmlns:a14="http://schemas.microsoft.com/office/drawing/2010/main" val="0"/>
+              </a:ext>
+            </a:extLst>
+          </a:blip>
+          <a:stretch>
+            <a:fillRect/>
+          </a:stretch>
+        </p:blipFill>
+        <p:spPr>
+          <a:xfrm>
+            <a:off x="7232077" y="3516661"/>
+            <a:ext cx="3460030" cy="2956082"/>
+          </a:xfrm>
+          <a:prstGeom prst="rect">
+            <a:avLst/>
+          </a:prstGeom>
+        </p:spPr>
+      </p:pic>
+      <p:pic>
+        <p:nvPicPr>
+          <p:cNvPr id="9" name="Image 8">
+            <a:extLst>
+              <a:ext uri="{FF2B5EF4-FFF2-40B4-BE49-F238E27FC236}">
+                <a16:creationId xmlns:a16="http://schemas.microsoft.com/office/drawing/2014/main" id="{2E70A97F-AED7-654F-A699-69E92E2A48B3}"/>
+              </a:ext>
+            </a:extLst>
+          </p:cNvPr>
+          <p:cNvPicPr>
+            <a:picLocks noChangeAspect="1"/>
+          </p:cNvPicPr>
+          <p:nvPr/>
+        </p:nvPicPr>
+        <p:blipFill>
+          <a:blip r:embed="rId4">
+            <a:extLst>
+              <a:ext uri="{28A0092B-C50C-407E-A947-70E740481C1C}">
+                <a14:useLocalDpi xmlns:a14="http://schemas.microsoft.com/office/drawing/2010/main" val="0"/>
+              </a:ext>
+            </a:extLst>
+          </a:blip>
+          <a:stretch>
+            <a:fillRect/>
+          </a:stretch>
+        </p:blipFill>
+        <p:spPr>
+          <a:xfrm>
+            <a:off x="4126346" y="2347923"/>
+            <a:ext cx="984505" cy="984505"/>
+          </a:xfrm>
+          <a:prstGeom prst="rect">
+            <a:avLst/>
+          </a:prstGeom>
+        </p:spPr>
+      </p:pic>
+      <p:pic>
+        <p:nvPicPr>
+          <p:cNvPr id="11" name="Image 10">
+            <a:extLst>
+              <a:ext uri="{FF2B5EF4-FFF2-40B4-BE49-F238E27FC236}">
+                <a16:creationId xmlns:a16="http://schemas.microsoft.com/office/drawing/2014/main" id="{20F2F01B-2290-72BA-D6E0-A34326046E6A}"/>
+              </a:ext>
+            </a:extLst>
+          </p:cNvPr>
+          <p:cNvPicPr>
+            <a:picLocks noChangeAspect="1"/>
+          </p:cNvPicPr>
+          <p:nvPr/>
+        </p:nvPicPr>
+        <p:blipFill>
+          <a:blip r:embed="rId5">
+            <a:extLst>
+              <a:ext uri="{28A0092B-C50C-407E-A947-70E740481C1C}">
+                <a14:useLocalDpi xmlns:a14="http://schemas.microsoft.com/office/drawing/2010/main" val="0"/>
+              </a:ext>
+            </a:extLst>
+          </a:blip>
+          <a:stretch>
+            <a:fillRect/>
+          </a:stretch>
+        </p:blipFill>
+        <p:spPr>
+          <a:xfrm>
+            <a:off x="3194303" y="3759291"/>
+            <a:ext cx="780290" cy="780290"/>
+          </a:xfrm>
+          <a:prstGeom prst="rect">
+            <a:avLst/>
+          </a:prstGeom>
+        </p:spPr>
+      </p:pic>
+      <p:pic>
+        <p:nvPicPr>
+          <p:cNvPr id="13" name="Image 12">
+            <a:extLst>
+              <a:ext uri="{FF2B5EF4-FFF2-40B4-BE49-F238E27FC236}">
+                <a16:creationId xmlns:a16="http://schemas.microsoft.com/office/drawing/2014/main" id="{55215D32-436D-A211-A62D-7CABAFD12DCB}"/>
+              </a:ext>
+            </a:extLst>
+          </p:cNvPr>
+          <p:cNvPicPr>
+            <a:picLocks noChangeAspect="1"/>
+          </p:cNvPicPr>
+          <p:nvPr/>
+        </p:nvPicPr>
+        <p:blipFill>
+          <a:blip r:embed="rId6">
+            <a:extLst>
+              <a:ext uri="{28A0092B-C50C-407E-A947-70E740481C1C}">
+                <a14:useLocalDpi xmlns:a14="http://schemas.microsoft.com/office/drawing/2010/main" val="0"/>
+              </a:ext>
+            </a:extLst>
+          </a:blip>
+          <a:stretch>
+            <a:fillRect/>
+          </a:stretch>
+        </p:blipFill>
+        <p:spPr>
+          <a:xfrm>
+            <a:off x="4108501" y="4325112"/>
+            <a:ext cx="2329152" cy="1301663"/>
+          </a:xfrm>
+          <a:prstGeom prst="rect">
+            <a:avLst/>
+          </a:prstGeom>
+        </p:spPr>
+      </p:pic>
     </p:spTree>
     <p:extLst>
       <p:ext uri="{BB962C8B-B14F-4D97-AF65-F5344CB8AC3E}">
@@ -11230,26 +15000,10 @@
             </a:r>
           </a:p>
           <a:p>
-            <a:r>
-              <a:rPr lang="fr-FR" dirty="0"/>
-              <a:t>Neo4j Desktop</a:t>
-            </a:r>
-          </a:p>
-          <a:p>
-            <a:r>
-              <a:rPr lang="fr-FR" dirty="0"/>
-              <a:t>Neo4j Browser</a:t>
-            </a:r>
-          </a:p>
-          <a:p>
-            <a:r>
-              <a:rPr lang="fr-FR" dirty="0" err="1"/>
-              <a:t>Cypher</a:t>
-            </a:r>
-            <a:r>
-              <a:rPr lang="fr-FR" dirty="0"/>
-              <a:t>-Shell</a:t>
-            </a:r>
+            <a:pPr marL="0" indent="0">
+              <a:buNone/>
+            </a:pPr>
+            <a:endParaRPr lang="fr-FR" dirty="0"/>
           </a:p>
         </p:txBody>
       </p:sp>
@@ -11364,6 +15118,222 @@
           </a:p>
         </p:txBody>
       </p:sp>
+      <p:pic>
+        <p:nvPicPr>
+          <p:cNvPr id="7" name="Image 6">
+            <a:extLst>
+              <a:ext uri="{FF2B5EF4-FFF2-40B4-BE49-F238E27FC236}">
+                <a16:creationId xmlns:a16="http://schemas.microsoft.com/office/drawing/2014/main" id="{64DD6BF6-CAE3-607E-CF46-8EA036B27325}"/>
+              </a:ext>
+            </a:extLst>
+          </p:cNvPr>
+          <p:cNvPicPr>
+            <a:picLocks noChangeAspect="1"/>
+          </p:cNvPicPr>
+          <p:nvPr/>
+        </p:nvPicPr>
+        <p:blipFill>
+          <a:blip r:embed="rId2">
+            <a:extLst>
+              <a:ext uri="{28A0092B-C50C-407E-A947-70E740481C1C}">
+                <a14:useLocalDpi xmlns:a14="http://schemas.microsoft.com/office/drawing/2010/main" val="0"/>
+              </a:ext>
+            </a:extLst>
+          </a:blip>
+          <a:stretch>
+            <a:fillRect/>
+          </a:stretch>
+        </p:blipFill>
+        <p:spPr>
+          <a:xfrm>
+            <a:off x="0" y="3616452"/>
+            <a:ext cx="5951220" cy="1417320"/>
+          </a:xfrm>
+          <a:prstGeom prst="rect">
+            <a:avLst/>
+          </a:prstGeom>
+        </p:spPr>
+      </p:pic>
+      <p:pic>
+        <p:nvPicPr>
+          <p:cNvPr id="9" name="Image 8">
+            <a:extLst>
+              <a:ext uri="{FF2B5EF4-FFF2-40B4-BE49-F238E27FC236}">
+                <a16:creationId xmlns:a16="http://schemas.microsoft.com/office/drawing/2014/main" id="{B7F2E72A-92BD-4F90-F44F-74CA5907A41C}"/>
+              </a:ext>
+            </a:extLst>
+          </p:cNvPr>
+          <p:cNvPicPr>
+            <a:picLocks noChangeAspect="1"/>
+          </p:cNvPicPr>
+          <p:nvPr/>
+        </p:nvPicPr>
+        <p:blipFill>
+          <a:blip r:embed="rId3">
+            <a:extLst>
+              <a:ext uri="{28A0092B-C50C-407E-A947-70E740481C1C}">
+                <a14:useLocalDpi xmlns:a14="http://schemas.microsoft.com/office/drawing/2010/main" val="0"/>
+              </a:ext>
+            </a:extLst>
+          </a:blip>
+          <a:stretch>
+            <a:fillRect/>
+          </a:stretch>
+        </p:blipFill>
+        <p:spPr>
+          <a:xfrm>
+            <a:off x="7758546" y="5740176"/>
+            <a:ext cx="1394691" cy="524099"/>
+          </a:xfrm>
+          <a:prstGeom prst="rect">
+            <a:avLst/>
+          </a:prstGeom>
+        </p:spPr>
+      </p:pic>
+      <p:pic>
+        <p:nvPicPr>
+          <p:cNvPr id="11" name="Image 10">
+            <a:extLst>
+              <a:ext uri="{FF2B5EF4-FFF2-40B4-BE49-F238E27FC236}">
+                <a16:creationId xmlns:a16="http://schemas.microsoft.com/office/drawing/2014/main" id="{AE441718-B0B8-6063-E9A8-A11465AC5AB1}"/>
+              </a:ext>
+            </a:extLst>
+          </p:cNvPr>
+          <p:cNvPicPr>
+            <a:picLocks noChangeAspect="1"/>
+          </p:cNvPicPr>
+          <p:nvPr/>
+        </p:nvPicPr>
+        <p:blipFill>
+          <a:blip r:embed="rId4">
+            <a:extLst>
+              <a:ext uri="{28A0092B-C50C-407E-A947-70E740481C1C}">
+                <a14:useLocalDpi xmlns:a14="http://schemas.microsoft.com/office/drawing/2010/main" val="0"/>
+              </a:ext>
+            </a:extLst>
+          </a:blip>
+          <a:stretch>
+            <a:fillRect/>
+          </a:stretch>
+        </p:blipFill>
+        <p:spPr>
+          <a:xfrm>
+            <a:off x="8664531" y="3942041"/>
+            <a:ext cx="563238" cy="1048327"/>
+          </a:xfrm>
+          <a:prstGeom prst="rect">
+            <a:avLst/>
+          </a:prstGeom>
+        </p:spPr>
+      </p:pic>
+      <p:pic>
+        <p:nvPicPr>
+          <p:cNvPr id="13" name="Image 12">
+            <a:extLst>
+              <a:ext uri="{FF2B5EF4-FFF2-40B4-BE49-F238E27FC236}">
+                <a16:creationId xmlns:a16="http://schemas.microsoft.com/office/drawing/2014/main" id="{4B4FD570-CDA0-7EF7-44F8-282AEACE99D5}"/>
+              </a:ext>
+            </a:extLst>
+          </p:cNvPr>
+          <p:cNvPicPr>
+            <a:picLocks noChangeAspect="1"/>
+          </p:cNvPicPr>
+          <p:nvPr/>
+        </p:nvPicPr>
+        <p:blipFill>
+          <a:blip r:embed="rId5">
+            <a:extLst>
+              <a:ext uri="{28A0092B-C50C-407E-A947-70E740481C1C}">
+                <a14:useLocalDpi xmlns:a14="http://schemas.microsoft.com/office/drawing/2010/main" val="0"/>
+              </a:ext>
+            </a:extLst>
+          </a:blip>
+          <a:stretch>
+            <a:fillRect/>
+          </a:stretch>
+        </p:blipFill>
+        <p:spPr>
+          <a:xfrm>
+            <a:off x="10416739" y="3234994"/>
+            <a:ext cx="566388" cy="798935"/>
+          </a:xfrm>
+          <a:prstGeom prst="rect">
+            <a:avLst/>
+          </a:prstGeom>
+        </p:spPr>
+      </p:pic>
+      <p:pic>
+        <p:nvPicPr>
+          <p:cNvPr id="15" name="Image 14">
+            <a:extLst>
+              <a:ext uri="{FF2B5EF4-FFF2-40B4-BE49-F238E27FC236}">
+                <a16:creationId xmlns:a16="http://schemas.microsoft.com/office/drawing/2014/main" id="{6A8BD90E-430D-FA0A-C8F2-9866D8409498}"/>
+              </a:ext>
+            </a:extLst>
+          </p:cNvPr>
+          <p:cNvPicPr>
+            <a:picLocks noChangeAspect="1"/>
+          </p:cNvPicPr>
+          <p:nvPr/>
+        </p:nvPicPr>
+        <p:blipFill>
+          <a:blip r:embed="rId6">
+            <a:extLst>
+              <a:ext uri="{28A0092B-C50C-407E-A947-70E740481C1C}">
+                <a14:useLocalDpi xmlns:a14="http://schemas.microsoft.com/office/drawing/2010/main" val="0"/>
+              </a:ext>
+            </a:extLst>
+          </a:blip>
+          <a:stretch>
+            <a:fillRect/>
+          </a:stretch>
+        </p:blipFill>
+        <p:spPr>
+          <a:xfrm>
+            <a:off x="8322130" y="2849322"/>
+            <a:ext cx="684803" cy="750389"/>
+          </a:xfrm>
+          <a:prstGeom prst="rect">
+            <a:avLst/>
+          </a:prstGeom>
+        </p:spPr>
+      </p:pic>
+      <p:pic>
+        <p:nvPicPr>
+          <p:cNvPr id="17" name="Image 16">
+            <a:extLst>
+              <a:ext uri="{FF2B5EF4-FFF2-40B4-BE49-F238E27FC236}">
+                <a16:creationId xmlns:a16="http://schemas.microsoft.com/office/drawing/2014/main" id="{5AF958A2-EFA8-8A78-D57D-2EB5AE7298B2}"/>
+              </a:ext>
+            </a:extLst>
+          </p:cNvPr>
+          <p:cNvPicPr>
+            <a:picLocks noChangeAspect="1"/>
+          </p:cNvPicPr>
+          <p:nvPr/>
+        </p:nvPicPr>
+        <p:blipFill>
+          <a:blip r:embed="rId7">
+            <a:extLst>
+              <a:ext uri="{28A0092B-C50C-407E-A947-70E740481C1C}">
+                <a14:useLocalDpi xmlns:a14="http://schemas.microsoft.com/office/drawing/2010/main" val="0"/>
+              </a:ext>
+            </a:extLst>
+          </a:blip>
+          <a:stretch>
+            <a:fillRect/>
+          </a:stretch>
+        </p:blipFill>
+        <p:spPr>
+          <a:xfrm>
+            <a:off x="9667491" y="4783737"/>
+            <a:ext cx="1176482" cy="617653"/>
+          </a:xfrm>
+          <a:prstGeom prst="rect">
+            <a:avLst/>
+          </a:prstGeom>
+        </p:spPr>
+      </p:pic>
     </p:spTree>
     <p:extLst>
       <p:ext uri="{BB962C8B-B14F-4D97-AF65-F5344CB8AC3E}">
@@ -12089,14 +16059,6 @@
 <file path=ppt/slides/slide7.xml><?xml version="1.0" encoding="utf-8"?>
 <p:sld xmlns:a="http://schemas.openxmlformats.org/drawingml/2006/main" xmlns:r="http://schemas.openxmlformats.org/officeDocument/2006/relationships" xmlns:p="http://schemas.openxmlformats.org/presentationml/2006/main">
   <p:cSld>
-    <p:bg>
-      <p:bgPr>
-        <a:solidFill>
-          <a:schemeClr val="bg1"/>
-        </a:solidFill>
-        <a:effectLst/>
-      </p:bgPr>
-    </p:bg>
     <p:spTree>
       <p:nvGrpSpPr>
         <p:cNvPr id="1" name=""/>
@@ -12113,356 +16075,6 @@
       </p:grpSpPr>
       <p:sp>
         <p:nvSpPr>
-          <p:cNvPr id="13" name="Rectangle 12">
-            <a:extLst>
-              <a:ext uri="{FF2B5EF4-FFF2-40B4-BE49-F238E27FC236}">
-                <a16:creationId xmlns:a16="http://schemas.microsoft.com/office/drawing/2014/main" id="{8D06CE56-3881-4ADA-8CEF-D18B02C242A3}"/>
-              </a:ext>
-              <a:ext uri="{C183D7F6-B498-43B3-948B-1728B52AA6E4}">
-                <adec:decorative xmlns:adec="http://schemas.microsoft.com/office/drawing/2017/decorative" val="1"/>
-              </a:ext>
-            </a:extLst>
-          </p:cNvPr>
-          <p:cNvSpPr>
-            <a:spLocks noGrp="1" noRot="1" noChangeAspect="1" noMove="1" noResize="1" noEditPoints="1" noAdjustHandles="1" noChangeArrowheads="1" noChangeShapeType="1" noTextEdit="1"/>
-          </p:cNvSpPr>
-          <p:nvPr>
-            <p:extLst>
-              <p:ext uri="{386F3935-93C4-4BCD-93E2-E3B085C9AB24}">
-                <p16:designElem xmlns:p16="http://schemas.microsoft.com/office/powerpoint/2015/main" val="1"/>
-              </p:ext>
-            </p:extLst>
-          </p:nvPr>
-        </p:nvSpPr>
-        <p:spPr>
-          <a:xfrm rot="5400000">
-            <a:off x="857544" y="346791"/>
-            <a:ext cx="146304" cy="704088"/>
-          </a:xfrm>
-          <a:prstGeom prst="rect">
-            <a:avLst/>
-          </a:prstGeom>
-          <a:solidFill>
-            <a:schemeClr val="accent1"/>
-          </a:solidFill>
-          <a:ln>
-            <a:noFill/>
-          </a:ln>
-        </p:spPr>
-        <p:style>
-          <a:lnRef idx="2">
-            <a:schemeClr val="accent1">
-              <a:shade val="50000"/>
-            </a:schemeClr>
-          </a:lnRef>
-          <a:fillRef idx="1">
-            <a:schemeClr val="accent1"/>
-          </a:fillRef>
-          <a:effectRef idx="0">
-            <a:schemeClr val="accent1"/>
-          </a:effectRef>
-          <a:fontRef idx="minor">
-            <a:schemeClr val="lt1"/>
-          </a:fontRef>
-        </p:style>
-        <p:txBody>
-          <a:bodyPr rtlCol="0" anchor="ctr"/>
-          <a:lstStyle/>
-          <a:p>
-            <a:pPr marL="0" marR="0" lvl="0" indent="0" algn="ctr" defTabSz="914400" rtl="0" eaLnBrk="1" fontAlgn="auto" latinLnBrk="0" hangingPunct="1">
-              <a:lnSpc>
-                <a:spcPct val="100000"/>
-              </a:lnSpc>
-              <a:spcBef>
-                <a:spcPts val="0"/>
-              </a:spcBef>
-              <a:spcAft>
-                <a:spcPts val="0"/>
-              </a:spcAft>
-              <a:buClrTx/>
-              <a:buSzTx/>
-              <a:buFontTx/>
-              <a:buNone/>
-              <a:tabLst/>
-              <a:defRPr/>
-            </a:pPr>
-            <a:endParaRPr kumimoji="0" lang="en-US" sz="1800" b="0" i="0" u="none" strike="noStrike" kern="1200" cap="none" spc="0" normalizeH="0" baseline="0" noProof="0">
-              <a:ln>
-                <a:noFill/>
-              </a:ln>
-              <a:solidFill>
-                <a:prstClr val="white"/>
-              </a:solidFill>
-              <a:effectLst/>
-              <a:uLnTx/>
-              <a:uFillTx/>
-              <a:latin typeface="Calibri" panose="020F0502020204030204"/>
-              <a:ea typeface="+mn-ea"/>
-              <a:cs typeface="+mn-cs"/>
-            </a:endParaRPr>
-          </a:p>
-        </p:txBody>
-      </p:sp>
-      <p:sp>
-        <p:nvSpPr>
-          <p:cNvPr id="15" name="Rectangle 14">
-            <a:extLst>
-              <a:ext uri="{FF2B5EF4-FFF2-40B4-BE49-F238E27FC236}">
-                <a16:creationId xmlns:a16="http://schemas.microsoft.com/office/drawing/2014/main" id="{79F3C543-62EC-4433-9C93-A2CD8764E9B4}"/>
-              </a:ext>
-              <a:ext uri="{C183D7F6-B498-43B3-948B-1728B52AA6E4}">
-                <adec:decorative xmlns:adec="http://schemas.microsoft.com/office/drawing/2017/decorative" val="1"/>
-              </a:ext>
-            </a:extLst>
-          </p:cNvPr>
-          <p:cNvSpPr>
-            <a:spLocks noGrp="1" noRot="1" noChangeAspect="1" noMove="1" noResize="1" noEditPoints="1" noAdjustHandles="1" noChangeArrowheads="1" noChangeShapeType="1" noTextEdit="1"/>
-          </p:cNvSpPr>
-          <p:nvPr>
-            <p:extLst>
-              <p:ext uri="{386F3935-93C4-4BCD-93E2-E3B085C9AB24}">
-                <p16:designElem xmlns:p16="http://schemas.microsoft.com/office/powerpoint/2015/main" val="1"/>
-              </p:ext>
-            </p:extLst>
-          </p:nvPr>
-        </p:nvSpPr>
-        <p:spPr>
-          <a:xfrm flipV="1">
-            <a:off x="578652" y="4501201"/>
-            <a:ext cx="11034696" cy="18288"/>
-          </a:xfrm>
-          <a:prstGeom prst="rect">
-            <a:avLst/>
-          </a:prstGeom>
-          <a:solidFill>
-            <a:schemeClr val="tx2">
-              <a:lumMod val="25000"/>
-              <a:lumOff val="75000"/>
-            </a:schemeClr>
-          </a:solidFill>
-          <a:ln w="3175">
-            <a:noFill/>
-          </a:ln>
-          <a:effectLst/>
-        </p:spPr>
-        <p:style>
-          <a:lnRef idx="2">
-            <a:schemeClr val="accent1">
-              <a:shade val="50000"/>
-            </a:schemeClr>
-          </a:lnRef>
-          <a:fillRef idx="1">
-            <a:schemeClr val="accent1"/>
-          </a:fillRef>
-          <a:effectRef idx="0">
-            <a:schemeClr val="accent1"/>
-          </a:effectRef>
-          <a:fontRef idx="minor">
-            <a:schemeClr val="lt1"/>
-          </a:fontRef>
-        </p:style>
-        <p:txBody>
-          <a:bodyPr rtlCol="0" anchor="ctr"/>
-          <a:lstStyle/>
-          <a:p>
-            <a:pPr marL="0" marR="0" lvl="0" indent="0" algn="ctr" defTabSz="914400" rtl="0" eaLnBrk="1" fontAlgn="auto" latinLnBrk="0" hangingPunct="1">
-              <a:lnSpc>
-                <a:spcPct val="100000"/>
-              </a:lnSpc>
-              <a:spcBef>
-                <a:spcPts val="0"/>
-              </a:spcBef>
-              <a:spcAft>
-                <a:spcPts val="0"/>
-              </a:spcAft>
-              <a:buClrTx/>
-              <a:buSzTx/>
-              <a:buFontTx/>
-              <a:buNone/>
-              <a:tabLst/>
-              <a:defRPr/>
-            </a:pPr>
-            <a:endParaRPr kumimoji="0" lang="en-US" sz="1800" b="0" i="0" u="none" strike="noStrike" kern="1200" cap="none" spc="0" normalizeH="0" baseline="0" noProof="0">
-              <a:ln>
-                <a:noFill/>
-              </a:ln>
-              <a:solidFill>
-                <a:prstClr val="white"/>
-              </a:solidFill>
-              <a:effectLst/>
-              <a:uLnTx/>
-              <a:uFillTx/>
-              <a:latin typeface="Calibri" panose="020F0502020204030204"/>
-              <a:ea typeface="+mn-ea"/>
-              <a:cs typeface="+mn-cs"/>
-            </a:endParaRPr>
-          </a:p>
-        </p:txBody>
-      </p:sp>
-      <p:sp useBgFill="1">
-        <p:nvSpPr>
-          <p:cNvPr id="17" name="Rectangle 16">
-            <a:extLst>
-              <a:ext uri="{FF2B5EF4-FFF2-40B4-BE49-F238E27FC236}">
-                <a16:creationId xmlns:a16="http://schemas.microsoft.com/office/drawing/2014/main" id="{017517EF-BD4D-4055-BDB4-A322C53568AD}"/>
-              </a:ext>
-              <a:ext uri="{C183D7F6-B498-43B3-948B-1728B52AA6E4}">
-                <adec:decorative xmlns:adec="http://schemas.microsoft.com/office/drawing/2017/decorative" val="1"/>
-              </a:ext>
-            </a:extLst>
-          </p:cNvPr>
-          <p:cNvSpPr>
-            <a:spLocks noGrp="1" noRot="1" noChangeAspect="1" noMove="1" noResize="1" noEditPoints="1" noAdjustHandles="1" noChangeArrowheads="1" noChangeShapeType="1" noTextEdit="1"/>
-          </p:cNvSpPr>
-          <p:nvPr>
-            <p:extLst>
-              <p:ext uri="{386F3935-93C4-4BCD-93E2-E3B085C9AB24}">
-                <p16:designElem xmlns:p16="http://schemas.microsoft.com/office/powerpoint/2015/main" val="1"/>
-              </p:ext>
-            </p:extLst>
-          </p:nvPr>
-        </p:nvSpPr>
-        <p:spPr>
-          <a:xfrm>
-            <a:off x="0" y="0"/>
-            <a:ext cx="12192000" cy="6858000"/>
-          </a:xfrm>
-          <a:prstGeom prst="rect">
-            <a:avLst/>
-          </a:prstGeom>
-          <a:ln>
-            <a:noFill/>
-          </a:ln>
-        </p:spPr>
-        <p:style>
-          <a:lnRef idx="2">
-            <a:schemeClr val="accent1">
-              <a:shade val="50000"/>
-            </a:schemeClr>
-          </a:lnRef>
-          <a:fillRef idx="1">
-            <a:schemeClr val="accent1"/>
-          </a:fillRef>
-          <a:effectRef idx="0">
-            <a:schemeClr val="accent1"/>
-          </a:effectRef>
-          <a:fontRef idx="minor">
-            <a:schemeClr val="lt1"/>
-          </a:fontRef>
-        </p:style>
-        <p:txBody>
-          <a:bodyPr rtlCol="0" anchor="ctr"/>
-          <a:lstStyle/>
-          <a:p>
-            <a:pPr algn="ctr"/>
-            <a:endParaRPr lang="en-US"/>
-          </a:p>
-        </p:txBody>
-      </p:sp>
-      <p:sp useBgFill="1">
-        <p:nvSpPr>
-          <p:cNvPr id="19" name="Rectangle 18">
-            <a:extLst>
-              <a:ext uri="{FF2B5EF4-FFF2-40B4-BE49-F238E27FC236}">
-                <a16:creationId xmlns:a16="http://schemas.microsoft.com/office/drawing/2014/main" id="{0ADDB668-2CA4-4D2B-9C34-3487CA330BA8}"/>
-              </a:ext>
-              <a:ext uri="{C183D7F6-B498-43B3-948B-1728B52AA6E4}">
-                <adec:decorative xmlns:adec="http://schemas.microsoft.com/office/drawing/2017/decorative" val="1"/>
-              </a:ext>
-            </a:extLst>
-          </p:cNvPr>
-          <p:cNvSpPr>
-            <a:spLocks noGrp="1" noRot="1" noChangeAspect="1" noMove="1" noResize="1" noEditPoints="1" noAdjustHandles="1" noChangeArrowheads="1" noChangeShapeType="1" noTextEdit="1"/>
-          </p:cNvSpPr>
-          <p:nvPr>
-            <p:extLst>
-              <p:ext uri="{386F3935-93C4-4BCD-93E2-E3B085C9AB24}">
-                <p16:designElem xmlns:p16="http://schemas.microsoft.com/office/powerpoint/2015/main" val="1"/>
-              </p:ext>
-            </p:extLst>
-          </p:nvPr>
-        </p:nvSpPr>
-        <p:spPr>
-          <a:xfrm>
-            <a:off x="551553" y="304802"/>
-            <a:ext cx="11097349" cy="1573149"/>
-          </a:xfrm>
-          <a:prstGeom prst="rect">
-            <a:avLst/>
-          </a:prstGeom>
-          <a:ln w="12700">
-            <a:solidFill>
-              <a:schemeClr val="tx2">
-                <a:lumMod val="10000"/>
-                <a:lumOff val="90000"/>
-              </a:schemeClr>
-            </a:solidFill>
-          </a:ln>
-          <a:effectLst>
-            <a:outerShdw blurRad="50800" dist="38100" dir="2700000" algn="tl" rotWithShape="0">
-              <a:schemeClr val="bg2">
-                <a:lumMod val="85000"/>
-                <a:alpha val="30000"/>
-              </a:schemeClr>
-            </a:outerShdw>
-          </a:effectLst>
-        </p:spPr>
-        <p:style>
-          <a:lnRef idx="2">
-            <a:schemeClr val="accent1">
-              <a:shade val="50000"/>
-            </a:schemeClr>
-          </a:lnRef>
-          <a:fillRef idx="1">
-            <a:schemeClr val="accent1"/>
-          </a:fillRef>
-          <a:effectRef idx="0">
-            <a:schemeClr val="accent1"/>
-          </a:effectRef>
-          <a:fontRef idx="minor">
-            <a:schemeClr val="lt1"/>
-          </a:fontRef>
-        </p:style>
-        <p:txBody>
-          <a:bodyPr rtlCol="0" anchor="ctr"/>
-          <a:lstStyle/>
-          <a:p>
-            <a:pPr marL="0" marR="0" lvl="0" indent="0" algn="ctr" defTabSz="914400" rtl="0" eaLnBrk="1" fontAlgn="auto" latinLnBrk="0" hangingPunct="1">
-              <a:lnSpc>
-                <a:spcPct val="100000"/>
-              </a:lnSpc>
-              <a:spcBef>
-                <a:spcPts val="0"/>
-              </a:spcBef>
-              <a:spcAft>
-                <a:spcPts val="0"/>
-              </a:spcAft>
-              <a:buClrTx/>
-              <a:buSzTx/>
-              <a:buFontTx/>
-              <a:buNone/>
-              <a:tabLst/>
-              <a:defRPr/>
-            </a:pPr>
-            <a:endParaRPr kumimoji="0" lang="en-US" sz="1800" b="0" i="0" u="none" strike="noStrike" kern="1200" cap="none" spc="0" normalizeH="0" baseline="0" noProof="0">
-              <a:ln>
-                <a:noFill/>
-              </a:ln>
-              <a:solidFill>
-                <a:prstClr val="white"/>
-              </a:solidFill>
-              <a:effectLst/>
-              <a:uLnTx/>
-              <a:uFillTx/>
-              <a:latin typeface="Calibri" panose="020F0502020204030204"/>
-              <a:ea typeface="+mn-ea"/>
-              <a:cs typeface="+mn-cs"/>
-            </a:endParaRPr>
-          </a:p>
-        </p:txBody>
-      </p:sp>
-      <p:sp>
-        <p:nvSpPr>
           <p:cNvPr id="2" name="Titre 1">
             <a:extLst>
               <a:ext uri="{FF2B5EF4-FFF2-40B4-BE49-F238E27FC236}">
@@ -12477,12 +16089,7 @@
             <p:ph type="title"/>
           </p:nvPr>
         </p:nvSpPr>
-        <p:spPr>
-          <a:xfrm>
-            <a:off x="901690" y="405575"/>
-            <a:ext cx="6430414" cy="1371600"/>
-          </a:xfrm>
-        </p:spPr>
+        <p:spPr/>
         <p:txBody>
           <a:bodyPr vert="horz" lIns="91440" tIns="45720" rIns="91440" bIns="45720" rtlCol="0" anchor="ctr">
             <a:normAutofit/>
@@ -12496,200 +16103,12 @@
           </a:p>
         </p:txBody>
       </p:sp>
-      <p:sp>
-        <p:nvSpPr>
-          <p:cNvPr id="21" name="Rectangle 20">
-            <a:extLst>
-              <a:ext uri="{FF2B5EF4-FFF2-40B4-BE49-F238E27FC236}">
-                <a16:creationId xmlns:a16="http://schemas.microsoft.com/office/drawing/2014/main" id="{2568BC19-F052-4108-93E1-6A3D1DEC072F}"/>
-              </a:ext>
-              <a:ext uri="{C183D7F6-B498-43B3-948B-1728B52AA6E4}">
-                <adec:decorative xmlns:adec="http://schemas.microsoft.com/office/drawing/2017/decorative" val="1"/>
-              </a:ext>
-            </a:extLst>
-          </p:cNvPr>
-          <p:cNvSpPr>
-            <a:spLocks noGrp="1" noRot="1" noChangeAspect="1" noMove="1" noResize="1" noEditPoints="1" noAdjustHandles="1" noChangeArrowheads="1" noChangeShapeType="1" noTextEdit="1"/>
-          </p:cNvSpPr>
-          <p:nvPr>
-            <p:extLst>
-              <p:ext uri="{386F3935-93C4-4BCD-93E2-E3B085C9AB24}">
-                <p16:designElem xmlns:p16="http://schemas.microsoft.com/office/powerpoint/2015/main" val="1"/>
-              </p:ext>
-            </p:extLst>
-          </p:nvPr>
-        </p:nvSpPr>
-        <p:spPr>
-          <a:xfrm>
-            <a:off x="494784" y="764424"/>
-            <a:ext cx="128016" cy="653903"/>
-          </a:xfrm>
-          <a:prstGeom prst="rect">
-            <a:avLst/>
-          </a:prstGeom>
-          <a:solidFill>
-            <a:schemeClr val="accent1"/>
-          </a:solidFill>
-          <a:ln>
-            <a:noFill/>
-          </a:ln>
-        </p:spPr>
-        <p:style>
-          <a:lnRef idx="2">
-            <a:schemeClr val="accent1">
-              <a:shade val="50000"/>
-            </a:schemeClr>
-          </a:lnRef>
-          <a:fillRef idx="1">
-            <a:schemeClr val="accent1"/>
-          </a:fillRef>
-          <a:effectRef idx="0">
-            <a:schemeClr val="accent1"/>
-          </a:effectRef>
-          <a:fontRef idx="minor">
-            <a:schemeClr val="lt1"/>
-          </a:fontRef>
-        </p:style>
-        <p:txBody>
-          <a:bodyPr rtlCol="0" anchor="ctr"/>
-          <a:lstStyle/>
-          <a:p>
-            <a:pPr marL="0" marR="0" lvl="0" indent="0" algn="ctr" defTabSz="914400" rtl="0" eaLnBrk="1" fontAlgn="auto" latinLnBrk="0" hangingPunct="1">
-              <a:lnSpc>
-                <a:spcPct val="100000"/>
-              </a:lnSpc>
-              <a:spcBef>
-                <a:spcPts val="0"/>
-              </a:spcBef>
-              <a:spcAft>
-                <a:spcPts val="0"/>
-              </a:spcAft>
-              <a:buClrTx/>
-              <a:buSzTx/>
-              <a:buFontTx/>
-              <a:buNone/>
-              <a:tabLst/>
-              <a:defRPr/>
-            </a:pPr>
-            <a:endParaRPr kumimoji="0" lang="en-US" sz="1800" b="0" i="0" u="none" strike="noStrike" kern="1200" cap="none" spc="0" normalizeH="0" baseline="0" noProof="0">
-              <a:ln>
-                <a:noFill/>
-              </a:ln>
-              <a:solidFill>
-                <a:prstClr val="white"/>
-              </a:solidFill>
-              <a:effectLst/>
-              <a:uLnTx/>
-              <a:uFillTx/>
-              <a:latin typeface="Calibri" panose="020F0502020204030204"/>
-              <a:ea typeface="+mn-ea"/>
-              <a:cs typeface="+mn-cs"/>
-            </a:endParaRPr>
-          </a:p>
-        </p:txBody>
-      </p:sp>
-      <p:sp>
-        <p:nvSpPr>
-          <p:cNvPr id="23" name="Rectangle 22">
-            <a:extLst>
-              <a:ext uri="{FF2B5EF4-FFF2-40B4-BE49-F238E27FC236}">
-                <a16:creationId xmlns:a16="http://schemas.microsoft.com/office/drawing/2014/main" id="{D5FD337D-4D6B-4C8B-B6F5-121097E09881}"/>
-              </a:ext>
-              <a:ext uri="{C183D7F6-B498-43B3-948B-1728B52AA6E4}">
-                <adec:decorative xmlns:adec="http://schemas.microsoft.com/office/drawing/2017/decorative" val="1"/>
-              </a:ext>
-            </a:extLst>
-          </p:cNvPr>
-          <p:cNvSpPr>
-            <a:spLocks noGrp="1" noRot="1" noChangeAspect="1" noMove="1" noResize="1" noEditPoints="1" noAdjustHandles="1" noChangeArrowheads="1" noChangeShapeType="1" noTextEdit="1"/>
-          </p:cNvSpPr>
-          <p:nvPr>
-            <p:extLst>
-              <p:ext uri="{386F3935-93C4-4BCD-93E2-E3B085C9AB24}">
-                <p16:designElem xmlns:p16="http://schemas.microsoft.com/office/powerpoint/2015/main" val="1"/>
-              </p:ext>
-            </p:extLst>
-          </p:nvPr>
-        </p:nvSpPr>
-        <p:spPr>
-          <a:xfrm rot="5400000">
-            <a:off x="7130604" y="1071836"/>
-            <a:ext cx="1021458" cy="9144"/>
-          </a:xfrm>
-          <a:prstGeom prst="rect">
-            <a:avLst/>
-          </a:prstGeom>
-          <a:solidFill>
-            <a:schemeClr val="tx2">
-              <a:lumMod val="25000"/>
-              <a:lumOff val="75000"/>
-            </a:schemeClr>
-          </a:solidFill>
-          <a:ln w="3175">
-            <a:noFill/>
-          </a:ln>
-          <a:effectLst/>
-        </p:spPr>
-        <p:style>
-          <a:lnRef idx="2">
-            <a:schemeClr val="accent1">
-              <a:shade val="50000"/>
-            </a:schemeClr>
-          </a:lnRef>
-          <a:fillRef idx="1">
-            <a:schemeClr val="accent1"/>
-          </a:fillRef>
-          <a:effectRef idx="0">
-            <a:schemeClr val="accent1"/>
-          </a:effectRef>
-          <a:fontRef idx="minor">
-            <a:schemeClr val="lt1"/>
-          </a:fontRef>
-        </p:style>
-        <p:txBody>
-          <a:bodyPr rtlCol="0" anchor="ctr"/>
-          <a:lstStyle/>
-          <a:p>
-            <a:pPr marL="0" marR="0" lvl="0" indent="0" algn="ctr" defTabSz="914400" rtl="0" eaLnBrk="1" fontAlgn="auto" latinLnBrk="0" hangingPunct="1">
-              <a:lnSpc>
-                <a:spcPct val="100000"/>
-              </a:lnSpc>
-              <a:spcBef>
-                <a:spcPts val="0"/>
-              </a:spcBef>
-              <a:spcAft>
-                <a:spcPts val="0"/>
-              </a:spcAft>
-              <a:buClrTx/>
-              <a:buSzTx/>
-              <a:buFontTx/>
-              <a:buNone/>
-              <a:tabLst/>
-              <a:defRPr/>
-            </a:pPr>
-            <a:endParaRPr kumimoji="0" lang="en-US" sz="1800" b="0" i="0" u="none" strike="noStrike" kern="1200" cap="none" spc="0" normalizeH="0" baseline="0" noProof="0">
-              <a:ln>
-                <a:noFill/>
-              </a:ln>
-              <a:solidFill>
-                <a:prstClr val="white"/>
-              </a:solidFill>
-              <a:effectLst/>
-              <a:uLnTx/>
-              <a:uFillTx/>
-              <a:latin typeface="Calibri" panose="020F0502020204030204"/>
-              <a:ea typeface="+mn-ea"/>
-              <a:cs typeface="+mn-cs"/>
-            </a:endParaRPr>
-          </a:p>
-        </p:txBody>
-      </p:sp>
       <p:pic>
         <p:nvPicPr>
-          <p:cNvPr id="8" name="Espace réservé du contenu 7">
-            <a:extLst>
-              <a:ext uri="{FF2B5EF4-FFF2-40B4-BE49-F238E27FC236}">
-                <a16:creationId xmlns:a16="http://schemas.microsoft.com/office/drawing/2014/main" id="{9F673349-9FE5-C9E3-3971-1DA1047D811B}"/>
+          <p:cNvPr id="10" name="Espace réservé du contenu 9" descr="Une image contenant texte&#10;&#10;Description générée automatiquement">
+            <a:extLst>
+              <a:ext uri="{FF2B5EF4-FFF2-40B4-BE49-F238E27FC236}">
+                <a16:creationId xmlns:a16="http://schemas.microsoft.com/office/drawing/2014/main" id="{8DF03F67-5F28-52F6-E3E2-ACBA1FA178DF}"/>
               </a:ext>
             </a:extLst>
           </p:cNvPr>
@@ -12714,12 +16133,9 @@
         </p:blipFill>
         <p:spPr>
           <a:xfrm>
-            <a:off x="1738934" y="2091095"/>
-            <a:ext cx="8717597" cy="4206240"/>
+            <a:off x="2036913" y="2478088"/>
+            <a:ext cx="8326137" cy="3694112"/>
           </a:xfrm>
-          <a:prstGeom prst="rect">
-            <a:avLst/>
-          </a:prstGeom>
         </p:spPr>
       </p:pic>
       <p:sp>
@@ -12738,12 +16154,7 @@
             <p:ph type="sldNum" sz="quarter" idx="12"/>
           </p:nvPr>
         </p:nvSpPr>
-        <p:spPr>
-          <a:xfrm>
-            <a:off x="8869680" y="6356350"/>
-            <a:ext cx="2743200" cy="365125"/>
-          </a:xfrm>
-        </p:spPr>
+        <p:spPr/>
         <p:txBody>
           <a:bodyPr vert="horz" lIns="91440" tIns="45720" rIns="91440" bIns="45720" rtlCol="0" anchor="ctr">
             <a:normAutofit/>
@@ -12785,7 +16196,7 @@
     </p:spTree>
     <p:extLst>
       <p:ext uri="{BB962C8B-B14F-4D97-AF65-F5344CB8AC3E}">
-        <p14:creationId xmlns:p14="http://schemas.microsoft.com/office/powerpoint/2010/main" val="4043741653"/>
+        <p14:creationId xmlns:p14="http://schemas.microsoft.com/office/powerpoint/2010/main" val="342369419"/>
       </p:ext>
     </p:extLst>
   </p:cSld>
@@ -12798,14 +16209,6 @@
 <file path=ppt/slides/slide8.xml><?xml version="1.0" encoding="utf-8"?>
 <p:sld xmlns:a="http://schemas.openxmlformats.org/drawingml/2006/main" xmlns:r="http://schemas.openxmlformats.org/officeDocument/2006/relationships" xmlns:p="http://schemas.openxmlformats.org/presentationml/2006/main">
   <p:cSld>
-    <p:bg>
-      <p:bgPr>
-        <a:solidFill>
-          <a:schemeClr val="bg1"/>
-        </a:solidFill>
-        <a:effectLst/>
-      </p:bgPr>
-    </p:bg>
     <p:spTree>
       <p:nvGrpSpPr>
         <p:cNvPr id="1" name=""/>
@@ -12822,360 +16225,10 @@
       </p:grpSpPr>
       <p:sp>
         <p:nvSpPr>
-          <p:cNvPr id="12" name="Rectangle 11">
-            <a:extLst>
-              <a:ext uri="{FF2B5EF4-FFF2-40B4-BE49-F238E27FC236}">
-                <a16:creationId xmlns:a16="http://schemas.microsoft.com/office/drawing/2014/main" id="{8D06CE56-3881-4ADA-8CEF-D18B02C242A3}"/>
-              </a:ext>
-              <a:ext uri="{C183D7F6-B498-43B3-948B-1728B52AA6E4}">
-                <adec:decorative xmlns:adec="http://schemas.microsoft.com/office/drawing/2017/decorative" val="1"/>
-              </a:ext>
-            </a:extLst>
-          </p:cNvPr>
-          <p:cNvSpPr>
-            <a:spLocks noGrp="1" noRot="1" noChangeAspect="1" noMove="1" noResize="1" noEditPoints="1" noAdjustHandles="1" noChangeArrowheads="1" noChangeShapeType="1" noTextEdit="1"/>
-          </p:cNvSpPr>
-          <p:nvPr>
-            <p:extLst>
-              <p:ext uri="{386F3935-93C4-4BCD-93E2-E3B085C9AB24}">
-                <p16:designElem xmlns:p16="http://schemas.microsoft.com/office/powerpoint/2015/main" val="1"/>
-              </p:ext>
-            </p:extLst>
-          </p:nvPr>
-        </p:nvSpPr>
-        <p:spPr>
-          <a:xfrm rot="5400000">
-            <a:off x="857544" y="346791"/>
-            <a:ext cx="146304" cy="704088"/>
-          </a:xfrm>
-          <a:prstGeom prst="rect">
-            <a:avLst/>
-          </a:prstGeom>
-          <a:solidFill>
-            <a:schemeClr val="accent1"/>
-          </a:solidFill>
-          <a:ln>
-            <a:noFill/>
-          </a:ln>
-        </p:spPr>
-        <p:style>
-          <a:lnRef idx="2">
-            <a:schemeClr val="accent1">
-              <a:shade val="50000"/>
-            </a:schemeClr>
-          </a:lnRef>
-          <a:fillRef idx="1">
-            <a:schemeClr val="accent1"/>
-          </a:fillRef>
-          <a:effectRef idx="0">
-            <a:schemeClr val="accent1"/>
-          </a:effectRef>
-          <a:fontRef idx="minor">
-            <a:schemeClr val="lt1"/>
-          </a:fontRef>
-        </p:style>
-        <p:txBody>
-          <a:bodyPr rtlCol="0" anchor="ctr"/>
-          <a:lstStyle/>
-          <a:p>
-            <a:pPr marL="0" marR="0" lvl="0" indent="0" algn="ctr" defTabSz="914400" rtl="0" eaLnBrk="1" fontAlgn="auto" latinLnBrk="0" hangingPunct="1">
-              <a:lnSpc>
-                <a:spcPct val="100000"/>
-              </a:lnSpc>
-              <a:spcBef>
-                <a:spcPts val="0"/>
-              </a:spcBef>
-              <a:spcAft>
-                <a:spcPts val="0"/>
-              </a:spcAft>
-              <a:buClrTx/>
-              <a:buSzTx/>
-              <a:buFontTx/>
-              <a:buNone/>
-              <a:tabLst/>
-              <a:defRPr/>
-            </a:pPr>
-            <a:endParaRPr kumimoji="0" lang="en-US" sz="1800" b="0" i="0" u="none" strike="noStrike" kern="1200" cap="none" spc="0" normalizeH="0" baseline="0" noProof="0">
-              <a:ln>
-                <a:noFill/>
-              </a:ln>
-              <a:solidFill>
-                <a:prstClr val="white"/>
-              </a:solidFill>
-              <a:effectLst/>
-              <a:uLnTx/>
-              <a:uFillTx/>
-              <a:latin typeface="Calibri" panose="020F0502020204030204"/>
-              <a:ea typeface="+mn-ea"/>
-              <a:cs typeface="+mn-cs"/>
-            </a:endParaRPr>
-          </a:p>
-        </p:txBody>
-      </p:sp>
-      <p:sp>
-        <p:nvSpPr>
-          <p:cNvPr id="14" name="Rectangle 13">
-            <a:extLst>
-              <a:ext uri="{FF2B5EF4-FFF2-40B4-BE49-F238E27FC236}">
-                <a16:creationId xmlns:a16="http://schemas.microsoft.com/office/drawing/2014/main" id="{79F3C543-62EC-4433-9C93-A2CD8764E9B4}"/>
-              </a:ext>
-              <a:ext uri="{C183D7F6-B498-43B3-948B-1728B52AA6E4}">
-                <adec:decorative xmlns:adec="http://schemas.microsoft.com/office/drawing/2017/decorative" val="1"/>
-              </a:ext>
-            </a:extLst>
-          </p:cNvPr>
-          <p:cNvSpPr>
-            <a:spLocks noGrp="1" noRot="1" noChangeAspect="1" noMove="1" noResize="1" noEditPoints="1" noAdjustHandles="1" noChangeArrowheads="1" noChangeShapeType="1" noTextEdit="1"/>
-          </p:cNvSpPr>
-          <p:nvPr>
-            <p:extLst>
-              <p:ext uri="{386F3935-93C4-4BCD-93E2-E3B085C9AB24}">
-                <p16:designElem xmlns:p16="http://schemas.microsoft.com/office/powerpoint/2015/main" val="1"/>
-              </p:ext>
-            </p:extLst>
-          </p:nvPr>
-        </p:nvSpPr>
-        <p:spPr>
-          <a:xfrm flipV="1">
-            <a:off x="578652" y="4501201"/>
-            <a:ext cx="11034696" cy="18288"/>
-          </a:xfrm>
-          <a:prstGeom prst="rect">
-            <a:avLst/>
-          </a:prstGeom>
-          <a:solidFill>
-            <a:schemeClr val="tx2">
-              <a:lumMod val="25000"/>
-              <a:lumOff val="75000"/>
-            </a:schemeClr>
-          </a:solidFill>
-          <a:ln w="3175">
-            <a:noFill/>
-          </a:ln>
-          <a:effectLst/>
-        </p:spPr>
-        <p:style>
-          <a:lnRef idx="2">
-            <a:schemeClr val="accent1">
-              <a:shade val="50000"/>
-            </a:schemeClr>
-          </a:lnRef>
-          <a:fillRef idx="1">
-            <a:schemeClr val="accent1"/>
-          </a:fillRef>
-          <a:effectRef idx="0">
-            <a:schemeClr val="accent1"/>
-          </a:effectRef>
-          <a:fontRef idx="minor">
-            <a:schemeClr val="lt1"/>
-          </a:fontRef>
-        </p:style>
-        <p:txBody>
-          <a:bodyPr rtlCol="0" anchor="ctr"/>
-          <a:lstStyle/>
-          <a:p>
-            <a:pPr marL="0" marR="0" lvl="0" indent="0" algn="ctr" defTabSz="914400" rtl="0" eaLnBrk="1" fontAlgn="auto" latinLnBrk="0" hangingPunct="1">
-              <a:lnSpc>
-                <a:spcPct val="100000"/>
-              </a:lnSpc>
-              <a:spcBef>
-                <a:spcPts val="0"/>
-              </a:spcBef>
-              <a:spcAft>
-                <a:spcPts val="0"/>
-              </a:spcAft>
-              <a:buClrTx/>
-              <a:buSzTx/>
-              <a:buFontTx/>
-              <a:buNone/>
-              <a:tabLst/>
-              <a:defRPr/>
-            </a:pPr>
-            <a:endParaRPr kumimoji="0" lang="en-US" sz="1800" b="0" i="0" u="none" strike="noStrike" kern="1200" cap="none" spc="0" normalizeH="0" baseline="0" noProof="0">
-              <a:ln>
-                <a:noFill/>
-              </a:ln>
-              <a:solidFill>
-                <a:prstClr val="white"/>
-              </a:solidFill>
-              <a:effectLst/>
-              <a:uLnTx/>
-              <a:uFillTx/>
-              <a:latin typeface="Calibri" panose="020F0502020204030204"/>
-              <a:ea typeface="+mn-ea"/>
-              <a:cs typeface="+mn-cs"/>
-            </a:endParaRPr>
-          </a:p>
-        </p:txBody>
-      </p:sp>
-      <p:sp useBgFill="1">
-        <p:nvSpPr>
-          <p:cNvPr id="16" name="Rectangle 15">
-            <a:extLst>
-              <a:ext uri="{FF2B5EF4-FFF2-40B4-BE49-F238E27FC236}">
-                <a16:creationId xmlns:a16="http://schemas.microsoft.com/office/drawing/2014/main" id="{C1A1C5D3-C053-4EE9-BE1A-419B6E27CCAE}"/>
-              </a:ext>
-              <a:ext uri="{C183D7F6-B498-43B3-948B-1728B52AA6E4}">
-                <adec:decorative xmlns:adec="http://schemas.microsoft.com/office/drawing/2017/decorative" val="1"/>
-              </a:ext>
-            </a:extLst>
-          </p:cNvPr>
-          <p:cNvSpPr>
-            <a:spLocks noGrp="1" noRot="1" noChangeAspect="1" noMove="1" noResize="1" noEditPoints="1" noAdjustHandles="1" noChangeArrowheads="1" noChangeShapeType="1" noTextEdit="1"/>
-          </p:cNvSpPr>
-          <p:nvPr>
-            <p:extLst>
-              <p:ext uri="{386F3935-93C4-4BCD-93E2-E3B085C9AB24}">
-                <p16:designElem xmlns:p16="http://schemas.microsoft.com/office/powerpoint/2015/main" val="1"/>
-              </p:ext>
-            </p:extLst>
-          </p:nvPr>
-        </p:nvSpPr>
-        <p:spPr>
-          <a:xfrm>
-            <a:off x="0" y="0"/>
-            <a:ext cx="12192000" cy="6858000"/>
-          </a:xfrm>
-          <a:prstGeom prst="rect">
-            <a:avLst/>
-          </a:prstGeom>
-          <a:ln>
-            <a:noFill/>
-          </a:ln>
-        </p:spPr>
-        <p:style>
-          <a:lnRef idx="2">
-            <a:schemeClr val="accent1">
-              <a:shade val="50000"/>
-            </a:schemeClr>
-          </a:lnRef>
-          <a:fillRef idx="1">
-            <a:schemeClr val="accent1"/>
-          </a:fillRef>
-          <a:effectRef idx="0">
-            <a:schemeClr val="accent1"/>
-          </a:effectRef>
-          <a:fontRef idx="minor">
-            <a:schemeClr val="lt1"/>
-          </a:fontRef>
-        </p:style>
-        <p:txBody>
-          <a:bodyPr rtlCol="0" anchor="ctr"/>
-          <a:lstStyle/>
-          <a:p>
-            <a:pPr algn="ctr"/>
-            <a:endParaRPr lang="en-US"/>
-          </a:p>
-        </p:txBody>
-      </p:sp>
-      <p:sp useBgFill="1">
-        <p:nvSpPr>
-          <p:cNvPr id="18" name="Rectangle 17">
-            <a:extLst>
-              <a:ext uri="{FF2B5EF4-FFF2-40B4-BE49-F238E27FC236}">
-                <a16:creationId xmlns:a16="http://schemas.microsoft.com/office/drawing/2014/main" id="{A3473CF9-37EB-43E7-89EF-D2D1C53D1DAC}"/>
-              </a:ext>
-              <a:ext uri="{C183D7F6-B498-43B3-948B-1728B52AA6E4}">
-                <adec:decorative xmlns:adec="http://schemas.microsoft.com/office/drawing/2017/decorative" val="1"/>
-              </a:ext>
-            </a:extLst>
-          </p:cNvPr>
-          <p:cNvSpPr>
-            <a:spLocks noGrp="1" noRot="1" noChangeAspect="1" noMove="1" noResize="1" noEditPoints="1" noAdjustHandles="1" noChangeArrowheads="1" noChangeShapeType="1" noTextEdit="1"/>
-          </p:cNvSpPr>
-          <p:nvPr>
-            <p:extLst>
-              <p:ext uri="{386F3935-93C4-4BCD-93E2-E3B085C9AB24}">
-                <p16:designElem xmlns:p16="http://schemas.microsoft.com/office/powerpoint/2015/main" val="1"/>
-              </p:ext>
-            </p:extLst>
-          </p:nvPr>
-        </p:nvSpPr>
-        <p:spPr>
-          <a:xfrm>
-            <a:off x="1903615" y="221673"/>
-            <a:ext cx="8384770" cy="1332634"/>
-          </a:xfrm>
-          <a:prstGeom prst="rect">
-            <a:avLst/>
-          </a:prstGeom>
-          <a:ln w="12700">
-            <a:solidFill>
-              <a:schemeClr val="tx2">
-                <a:lumMod val="10000"/>
-                <a:lumOff val="90000"/>
-              </a:schemeClr>
-            </a:solidFill>
-          </a:ln>
-          <a:effectLst>
-            <a:outerShdw blurRad="50800" dist="38100" dir="2700000" algn="tl" rotWithShape="0">
-              <a:schemeClr val="bg2">
-                <a:lumMod val="85000"/>
-                <a:alpha val="30000"/>
-              </a:schemeClr>
-            </a:outerShdw>
-          </a:effectLst>
-        </p:spPr>
-        <p:style>
-          <a:lnRef idx="2">
-            <a:schemeClr val="accent1">
-              <a:shade val="50000"/>
-            </a:schemeClr>
-          </a:lnRef>
-          <a:fillRef idx="1">
-            <a:schemeClr val="accent1"/>
-          </a:fillRef>
-          <a:effectRef idx="0">
-            <a:schemeClr val="accent1"/>
-          </a:effectRef>
-          <a:fontRef idx="minor">
-            <a:schemeClr val="lt1"/>
-          </a:fontRef>
-        </p:style>
-        <p:txBody>
-          <a:bodyPr rtlCol="0" anchor="ctr"/>
-          <a:lstStyle/>
-          <a:p>
-            <a:pPr marL="0" marR="0" lvl="0" indent="0" algn="ctr" defTabSz="914400" rtl="0" eaLnBrk="1" fontAlgn="auto" latinLnBrk="0" hangingPunct="1">
-              <a:lnSpc>
-                <a:spcPct val="100000"/>
-              </a:lnSpc>
-              <a:spcBef>
-                <a:spcPts val="0"/>
-              </a:spcBef>
-              <a:spcAft>
-                <a:spcPts val="0"/>
-              </a:spcAft>
-              <a:buClrTx/>
-              <a:buSzTx/>
-              <a:buFontTx/>
-              <a:buNone/>
-              <a:tabLst/>
-              <a:defRPr/>
-            </a:pPr>
-            <a:endParaRPr kumimoji="0" lang="en-US" sz="1800" b="0" i="0" u="none" strike="noStrike" kern="1200" cap="none" spc="0" normalizeH="0" baseline="0" noProof="0">
-              <a:ln>
-                <a:noFill/>
-              </a:ln>
-              <a:solidFill>
-                <a:prstClr val="white"/>
-              </a:solidFill>
-              <a:effectLst/>
-              <a:uLnTx/>
-              <a:uFillTx/>
-              <a:latin typeface="Calibri" panose="020F0502020204030204"/>
-              <a:ea typeface="+mn-ea"/>
-              <a:cs typeface="+mn-cs"/>
-            </a:endParaRPr>
-          </a:p>
-        </p:txBody>
-      </p:sp>
-      <p:sp>
-        <p:nvSpPr>
           <p:cNvPr id="2" name="Titre 1">
             <a:extLst>
               <a:ext uri="{FF2B5EF4-FFF2-40B4-BE49-F238E27FC236}">
-                <a16:creationId xmlns:a16="http://schemas.microsoft.com/office/drawing/2014/main" id="{BAB04408-E5C0-C85A-14BA-E40722D4A69E}"/>
+                <a16:creationId xmlns:a16="http://schemas.microsoft.com/office/drawing/2014/main" id="{183CA210-FF80-5E5F-FE7B-15EAEA03DBAA}"/>
               </a:ext>
             </a:extLst>
           </p:cNvPr>
@@ -13186,143 +16239,26 @@
             <p:ph type="title"/>
           </p:nvPr>
         </p:nvSpPr>
-        <p:spPr>
-          <a:xfrm>
-            <a:off x="2103121" y="310343"/>
-            <a:ext cx="7985759" cy="868823"/>
-          </a:xfrm>
-        </p:spPr>
+        <p:spPr/>
         <p:txBody>
           <a:bodyPr vert="horz" lIns="91440" tIns="45720" rIns="91440" bIns="45720" rtlCol="0" anchor="ctr">
-            <a:normAutofit fontScale="90000"/>
+            <a:normAutofit/>
           </a:bodyPr>
           <a:lstStyle/>
           <a:p>
-            <a:pPr algn="ctr"/>
-            <a:r>
-              <a:rPr lang="en-US" dirty="0" err="1"/>
-              <a:t>Implémentation</a:t>
-            </a:r>
-            <a:r>
-              <a:rPr lang="en-US" dirty="0"/>
-              <a:t> d’un </a:t>
-            </a:r>
-            <a:r>
-              <a:rPr lang="en-US" dirty="0" err="1"/>
-              <a:t>cas</a:t>
-            </a:r>
-            <a:r>
-              <a:rPr lang="en-US" dirty="0"/>
-              <a:t> </a:t>
-            </a:r>
-            <a:r>
-              <a:rPr lang="en-US" dirty="0" err="1"/>
-              <a:t>d’usage</a:t>
-            </a:r>
-            <a:endParaRPr lang="en-US" dirty="0"/>
-          </a:p>
-        </p:txBody>
-      </p:sp>
-      <p:sp>
-        <p:nvSpPr>
-          <p:cNvPr id="20" name="Rectangle: Rounded Corners 19">
-            <a:extLst>
-              <a:ext uri="{FF2B5EF4-FFF2-40B4-BE49-F238E27FC236}">
-                <a16:creationId xmlns:a16="http://schemas.microsoft.com/office/drawing/2014/main" id="{586B4EF9-43BA-4655-A6FF-1D8E21574C95}"/>
-              </a:ext>
-              <a:ext uri="{C183D7F6-B498-43B3-948B-1728B52AA6E4}">
-                <adec:decorative xmlns:adec="http://schemas.microsoft.com/office/drawing/2017/decorative" val="1"/>
-              </a:ext>
-            </a:extLst>
-          </p:cNvPr>
-          <p:cNvSpPr>
-            <a:spLocks noGrp="1" noRot="1" noChangeAspect="1" noMove="1" noResize="1" noEditPoints="1" noAdjustHandles="1" noChangeArrowheads="1" noChangeShapeType="1" noTextEdit="1"/>
-          </p:cNvSpPr>
-          <p:nvPr>
-            <p:extLst>
-              <p:ext uri="{386F3935-93C4-4BCD-93E2-E3B085C9AB24}">
-                <p16:designElem xmlns:p16="http://schemas.microsoft.com/office/powerpoint/2015/main" val="1"/>
-              </p:ext>
-            </p:extLst>
-          </p:nvPr>
-        </p:nvSpPr>
-        <p:spPr>
-          <a:xfrm>
-            <a:off x="2483110" y="1211407"/>
-            <a:ext cx="7225780" cy="685800"/>
-          </a:xfrm>
-          <a:prstGeom prst="roundRect">
-            <a:avLst>
-              <a:gd name="adj" fmla="val 0"/>
-            </a:avLst>
-          </a:prstGeom>
-          <a:solidFill>
-            <a:schemeClr val="accent1"/>
-          </a:solidFill>
-          <a:ln>
-            <a:noFill/>
-          </a:ln>
-        </p:spPr>
-        <p:style>
-          <a:lnRef idx="2">
-            <a:schemeClr val="accent1">
-              <a:shade val="50000"/>
-            </a:schemeClr>
-          </a:lnRef>
-          <a:fillRef idx="1">
-            <a:schemeClr val="accent1"/>
-          </a:fillRef>
-          <a:effectRef idx="0">
-            <a:schemeClr val="accent1"/>
-          </a:effectRef>
-          <a:fontRef idx="minor">
-            <a:schemeClr val="lt1"/>
-          </a:fontRef>
-        </p:style>
-        <p:txBody>
-          <a:bodyPr rtlCol="0" anchor="ctr"/>
-          <a:lstStyle/>
-          <a:p>
-            <a:pPr marL="0" marR="0" lvl="0" indent="0" algn="ctr" defTabSz="914400" rtl="0" eaLnBrk="1" fontAlgn="auto" latinLnBrk="0" hangingPunct="1">
-              <a:lnSpc>
-                <a:spcPct val="100000"/>
-              </a:lnSpc>
-              <a:spcBef>
-                <a:spcPts val="0"/>
-              </a:spcBef>
-              <a:spcAft>
-                <a:spcPts val="0"/>
-              </a:spcAft>
-              <a:buClrTx/>
-              <a:buSzTx/>
-              <a:buFontTx/>
-              <a:buNone/>
-              <a:tabLst/>
-              <a:defRPr/>
-            </a:pPr>
-            <a:endParaRPr kumimoji="0" lang="en-US" sz="1800" b="0" i="0" u="none" strike="noStrike" kern="1200" cap="none" spc="0" normalizeH="0" baseline="0" noProof="0">
-              <a:ln>
-                <a:noFill/>
-              </a:ln>
-              <a:solidFill>
-                <a:prstClr val="white"/>
-              </a:solidFill>
-              <a:effectLst/>
-              <a:uLnTx/>
-              <a:uFillTx/>
-              <a:latin typeface="Avenir Next LT Pro"/>
-              <a:ea typeface="+mn-ea"/>
-              <a:cs typeface="+mn-cs"/>
-            </a:endParaRPr>
+            <a:r>
+              <a:rPr lang="en-US"/>
+              <a:t>Exemples cas d’usages</a:t>
+            </a:r>
           </a:p>
         </p:txBody>
       </p:sp>
       <p:pic>
         <p:nvPicPr>
-          <p:cNvPr id="7" name="Espace réservé du contenu 6" descr="Base de données avec un remplissage uni">
-            <a:extLst>
-              <a:ext uri="{FF2B5EF4-FFF2-40B4-BE49-F238E27FC236}">
-                <a16:creationId xmlns:a16="http://schemas.microsoft.com/office/drawing/2014/main" id="{ECCC4FBD-FA28-483B-9669-73748CB188E9}"/>
+          <p:cNvPr id="12" name="Espace réservé du contenu 11">
+            <a:extLst>
+              <a:ext uri="{FF2B5EF4-FFF2-40B4-BE49-F238E27FC236}">
+                <a16:creationId xmlns:a16="http://schemas.microsoft.com/office/drawing/2014/main" id="{241325DD-022A-4D27-8E9C-0EB41ED5B493}"/>
               </a:ext>
             </a:extLst>
           </p:cNvPr>
@@ -13338,9 +16274,6 @@
             <a:extLst>
               <a:ext uri="{28A0092B-C50C-407E-A947-70E740481C1C}">
                 <a14:useLocalDpi xmlns:a14="http://schemas.microsoft.com/office/drawing/2010/main" val="0"/>
-              </a:ext>
-              <a:ext uri="{96DAC541-7B7A-43D3-8B79-37D633B846F1}">
-                <asvg:svgBlip xmlns:asvg="http://schemas.microsoft.com/office/drawing/2016/SVG/main" r:embed="rId3"/>
               </a:ext>
             </a:extLst>
           </a:blip>
@@ -13350,12 +16283,9 @@
         </p:blipFill>
         <p:spPr>
           <a:xfrm>
-            <a:off x="4047744" y="2139484"/>
-            <a:ext cx="4096512" cy="4096512"/>
+            <a:off x="2018892" y="2478088"/>
+            <a:ext cx="8362178" cy="3694112"/>
           </a:xfrm>
-          <a:prstGeom prst="rect">
-            <a:avLst/>
-          </a:prstGeom>
         </p:spPr>
       </p:pic>
       <p:sp>
@@ -13363,7 +16293,7 @@
           <p:cNvPr id="4" name="Espace réservé du numéro de diapositive 3">
             <a:extLst>
               <a:ext uri="{FF2B5EF4-FFF2-40B4-BE49-F238E27FC236}">
-                <a16:creationId xmlns:a16="http://schemas.microsoft.com/office/drawing/2014/main" id="{E5495A6B-FD5B-3C10-3B88-2A443CD3C1CF}"/>
+                <a16:creationId xmlns:a16="http://schemas.microsoft.com/office/drawing/2014/main" id="{A6219BC6-BEF2-9402-5374-72A41697B27E}"/>
               </a:ext>
             </a:extLst>
           </p:cNvPr>
@@ -13374,12 +16304,7 @@
             <p:ph type="sldNum" sz="quarter" idx="12"/>
           </p:nvPr>
         </p:nvSpPr>
-        <p:spPr>
-          <a:xfrm>
-            <a:off x="8869680" y="6356350"/>
-            <a:ext cx="2743200" cy="365125"/>
-          </a:xfrm>
-        </p:spPr>
+        <p:spPr/>
         <p:txBody>
           <a:bodyPr vert="horz" lIns="91440" tIns="45720" rIns="91440" bIns="45720" rtlCol="0" anchor="ctr">
             <a:normAutofit/>
@@ -13421,7 +16346,7 @@
     </p:spTree>
     <p:extLst>
       <p:ext uri="{BB962C8B-B14F-4D97-AF65-F5344CB8AC3E}">
-        <p14:creationId xmlns:p14="http://schemas.microsoft.com/office/powerpoint/2010/main" val="1278490531"/>
+        <p14:creationId xmlns:p14="http://schemas.microsoft.com/office/powerpoint/2010/main" val="2352782481"/>
       </p:ext>
     </p:extLst>
   </p:cSld>
@@ -13464,25 +16389,31 @@
             <p:ph type="title"/>
           </p:nvPr>
         </p:nvSpPr>
-        <p:spPr/>
-        <p:txBody>
-          <a:bodyPr/>
+        <p:spPr>
+          <a:xfrm>
+            <a:off x="901690" y="405575"/>
+            <a:ext cx="6430414" cy="1371600"/>
+          </a:xfrm>
+        </p:spPr>
+        <p:txBody>
+          <a:bodyPr vert="horz" lIns="91440" tIns="45720" rIns="91440" bIns="45720" rtlCol="0" anchor="ctr">
+            <a:normAutofit/>
+          </a:bodyPr>
           <a:lstStyle/>
           <a:p>
             <a:r>
-              <a:rPr lang="fr-FR"/>
-              <a:t>Déploiement sur une VM</a:t>
-            </a:r>
-            <a:endParaRPr lang="fr-FR" dirty="0"/>
+              <a:rPr lang="en-US"/>
+              <a:t>Exemples cas d’usages</a:t>
+            </a:r>
           </a:p>
         </p:txBody>
       </p:sp>
       <p:sp>
         <p:nvSpPr>
-          <p:cNvPr id="3" name="Espace réservé du contenu 2">
-            <a:extLst>
-              <a:ext uri="{FF2B5EF4-FFF2-40B4-BE49-F238E27FC236}">
-                <a16:creationId xmlns:a16="http://schemas.microsoft.com/office/drawing/2014/main" id="{982FC354-B56A-2BD1-FB00-8591C2E6B6EF}"/>
+          <p:cNvPr id="4" name="Espace réservé du numéro de diapositive 3">
+            <a:extLst>
+              <a:ext uri="{FF2B5EF4-FFF2-40B4-BE49-F238E27FC236}">
+                <a16:creationId xmlns:a16="http://schemas.microsoft.com/office/drawing/2014/main" id="{A6219BC6-BEF2-9402-5374-72A41697B27E}"/>
               </a:ext>
             </a:extLst>
           </p:cNvPr>
@@ -13490,51 +16421,92 @@
             <a:spLocks noGrp="1"/>
           </p:cNvSpPr>
           <p:nvPr>
-            <p:ph idx="1"/>
-          </p:nvPr>
-        </p:nvSpPr>
-        <p:spPr/>
-        <p:txBody>
-          <a:bodyPr/>
+            <p:ph type="sldNum" sz="quarter" idx="12"/>
+          </p:nvPr>
+        </p:nvSpPr>
+        <p:spPr>
+          <a:xfrm>
+            <a:off x="8869680" y="6356350"/>
+            <a:ext cx="2743200" cy="365125"/>
+          </a:xfrm>
+        </p:spPr>
+        <p:txBody>
+          <a:bodyPr vert="horz" lIns="91440" tIns="45720" rIns="91440" bIns="45720" rtlCol="0" anchor="ctr">
+            <a:normAutofit/>
+          </a:bodyPr>
           <a:lstStyle/>
           <a:p>
-            <a:endParaRPr lang="fr-FR"/>
-          </a:p>
-        </p:txBody>
-      </p:sp>
-      <p:sp>
-        <p:nvSpPr>
-          <p:cNvPr id="4" name="Espace réservé du numéro de diapositive 3">
-            <a:extLst>
-              <a:ext uri="{FF2B5EF4-FFF2-40B4-BE49-F238E27FC236}">
-                <a16:creationId xmlns:a16="http://schemas.microsoft.com/office/drawing/2014/main" id="{A6219BC6-BEF2-9402-5374-72A41697B27E}"/>
-              </a:ext>
-            </a:extLst>
-          </p:cNvPr>
-          <p:cNvSpPr>
-            <a:spLocks noGrp="1"/>
-          </p:cNvSpPr>
-          <p:nvPr>
-            <p:ph type="sldNum" sz="quarter" idx="12"/>
-          </p:nvPr>
-        </p:nvSpPr>
-        <p:spPr/>
-        <p:txBody>
-          <a:bodyPr/>
-          <a:lstStyle/>
-          <a:p>
+            <a:pPr>
+              <a:spcAft>
+                <a:spcPts val="600"/>
+              </a:spcAft>
+            </a:pPr>
             <a:fld id="{B2DC25EE-239B-4C5F-AAD1-255A7D5F1EE2}" type="slidenum">
-              <a:rPr lang="en-US" smtClean="0"/>
+              <a:rPr lang="en-US">
+                <a:solidFill>
+                  <a:schemeClr val="tx2">
+                    <a:lumMod val="50000"/>
+                    <a:lumOff val="50000"/>
+                  </a:schemeClr>
+                </a:solidFill>
+              </a:rPr>
+              <a:pPr>
+                <a:spcAft>
+                  <a:spcPts val="600"/>
+                </a:spcAft>
+              </a:pPr>
               <a:t>9</a:t>
             </a:fld>
-            <a:endParaRPr lang="en-US"/>
-          </a:p>
-        </p:txBody>
-      </p:sp>
+            <a:endParaRPr lang="en-US">
+              <a:solidFill>
+                <a:schemeClr val="tx2">
+                  <a:lumMod val="50000"/>
+                  <a:lumOff val="50000"/>
+                </a:schemeClr>
+              </a:solidFill>
+            </a:endParaRPr>
+          </a:p>
+        </p:txBody>
+      </p:sp>
+      <p:pic>
+        <p:nvPicPr>
+          <p:cNvPr id="8" name="Espace réservé du contenu 7" descr="Une image contenant personne, homme, mur, verres&#10;&#10;Description générée automatiquement">
+            <a:extLst>
+              <a:ext uri="{FF2B5EF4-FFF2-40B4-BE49-F238E27FC236}">
+                <a16:creationId xmlns:a16="http://schemas.microsoft.com/office/drawing/2014/main" id="{8E2D9F92-5872-146F-21D3-C49741A7CE1F}"/>
+              </a:ext>
+            </a:extLst>
+          </p:cNvPr>
+          <p:cNvPicPr>
+            <a:picLocks noGrp="1" noChangeAspect="1"/>
+          </p:cNvPicPr>
+          <p:nvPr>
+            <p:ph idx="1"/>
+          </p:nvPr>
+        </p:nvPicPr>
+        <p:blipFill>
+          <a:blip r:embed="rId2">
+            <a:extLst>
+              <a:ext uri="{28A0092B-C50C-407E-A947-70E740481C1C}">
+                <a14:useLocalDpi xmlns:a14="http://schemas.microsoft.com/office/drawing/2010/main" val="0"/>
+              </a:ext>
+            </a:extLst>
+          </a:blip>
+          <a:stretch>
+            <a:fillRect/>
+          </a:stretch>
+        </p:blipFill>
+        <p:spPr>
+          <a:xfrm>
+            <a:off x="4995069" y="3120231"/>
+            <a:ext cx="2409825" cy="2409825"/>
+          </a:xfrm>
+        </p:spPr>
+      </p:pic>
     </p:spTree>
     <p:extLst>
       <p:ext uri="{BB962C8B-B14F-4D97-AF65-F5344CB8AC3E}">
-        <p14:creationId xmlns:p14="http://schemas.microsoft.com/office/powerpoint/2010/main" val="3564188170"/>
+        <p14:creationId xmlns:p14="http://schemas.microsoft.com/office/powerpoint/2010/main" val="3077900352"/>
       </p:ext>
     </p:extLst>
   </p:cSld>
